--- a/figures/link_assignment.pptx
+++ b/figures/link_assignment.pptx
@@ -3154,11 +3154,7 @@
           <a:p>
             <a:r>
               <a:rPr lang="en-US" sz="2000" dirty="0" smtClean="0"/>
-              <a:t>(b) </a:t>
-            </a:r>
-            <a:r>
-              <a:rPr lang="en-US" sz="2000" dirty="0" smtClean="0"/>
-              <a:t>Asymmetric Bandwidth Assignment</a:t>
+              <a:t>(b) Asymmetric Bandwidth Assignment</a:t>
             </a:r>
             <a:endParaRPr lang="en-US" sz="2000" dirty="0"/>
           </a:p>
@@ -3636,8 +3632,8 @@
         </p:nvSpPr>
         <p:spPr>
           <a:xfrm>
-            <a:off x="5110880" y="715313"/>
-            <a:ext cx="1823320" cy="369332"/>
+            <a:off x="5331779" y="715313"/>
+            <a:ext cx="1449820" cy="369332"/>
           </a:xfrm>
           <a:prstGeom prst="rect">
             <a:avLst/>
@@ -3652,7 +3648,15 @@
           <a:p>
             <a:r>
               <a:rPr lang="en-US" sz="1800" dirty="0" smtClean="0"/>
-              <a:t>32 out of 64 GB/s</a:t>
+              <a:t>32 </a:t>
+            </a:r>
+            <a:r>
+              <a:rPr lang="en-US" sz="1800" dirty="0" smtClean="0"/>
+              <a:t>of </a:t>
+            </a:r>
+            <a:r>
+              <a:rPr lang="en-US" sz="1800" dirty="0" smtClean="0"/>
+              <a:t>64 GB/s</a:t>
             </a:r>
             <a:endParaRPr lang="en-US" sz="1800" dirty="0"/>
           </a:p>
@@ -3666,8 +3670,8 @@
         </p:nvSpPr>
         <p:spPr>
           <a:xfrm>
-            <a:off x="5110880" y="1084645"/>
-            <a:ext cx="1823320" cy="369332"/>
+            <a:off x="5324530" y="1084645"/>
+            <a:ext cx="1449820" cy="369332"/>
           </a:xfrm>
           <a:prstGeom prst="rect">
             <a:avLst/>
@@ -3686,7 +3690,15 @@
             </a:r>
             <a:r>
               <a:rPr lang="en-US" sz="1800" dirty="0" smtClean="0"/>
-              <a:t>4 out of 64 GB/s</a:t>
+              <a:t>4 </a:t>
+            </a:r>
+            <a:r>
+              <a:rPr lang="en-US" sz="1800" dirty="0" smtClean="0"/>
+              <a:t>of </a:t>
+            </a:r>
+            <a:r>
+              <a:rPr lang="en-US" sz="1800" dirty="0" smtClean="0"/>
+              <a:t>64 GB/s</a:t>
             </a:r>
             <a:endParaRPr lang="en-US" sz="1800" dirty="0"/>
           </a:p>
@@ -3700,7 +3712,7 @@
         </p:nvSpPr>
         <p:spPr>
           <a:xfrm>
-            <a:off x="5768561" y="899979"/>
+            <a:off x="5865782" y="899979"/>
             <a:ext cx="300082" cy="369332"/>
           </a:xfrm>
           <a:prstGeom prst="rect">
@@ -3730,8 +3742,8 @@
         </p:nvCxnSpPr>
         <p:spPr>
           <a:xfrm>
-            <a:off x="5181399" y="1456677"/>
-            <a:ext cx="1600200" cy="0"/>
+            <a:off x="5324530" y="1456677"/>
+            <a:ext cx="1457069" cy="0"/>
           </a:xfrm>
           <a:prstGeom prst="line">
             <a:avLst/>
@@ -3765,8 +3777,8 @@
         </p:nvSpPr>
         <p:spPr>
           <a:xfrm>
-            <a:off x="4993861" y="1475760"/>
-            <a:ext cx="1940339" cy="369332"/>
+            <a:off x="5212670" y="1456677"/>
+            <a:ext cx="1619739" cy="369332"/>
           </a:xfrm>
           <a:prstGeom prst="rect">
             <a:avLst/>
@@ -3781,7 +3793,11 @@
           <a:p>
             <a:r>
               <a:rPr lang="en-US" sz="1800" dirty="0" smtClean="0"/>
-              <a:t>96 out of 128 GB/s</a:t>
+              <a:t>96 </a:t>
+            </a:r>
+            <a:r>
+              <a:rPr lang="en-US" sz="1800" dirty="0" smtClean="0"/>
+              <a:t>of 128 GB/s</a:t>
             </a:r>
           </a:p>
         </p:txBody>
@@ -4254,8 +4270,8 @@
         </p:nvSpPr>
         <p:spPr>
           <a:xfrm>
-            <a:off x="5104163" y="2826379"/>
-            <a:ext cx="1823320" cy="369332"/>
+            <a:off x="5278997" y="2826379"/>
+            <a:ext cx="1502719" cy="369332"/>
           </a:xfrm>
           <a:prstGeom prst="rect">
             <a:avLst/>
@@ -4270,7 +4286,15 @@
           <a:p>
             <a:r>
               <a:rPr lang="en-US" sz="1800" dirty="0" smtClean="0"/>
-              <a:t>32 out of 32 GB/s</a:t>
+              <a:t>32 </a:t>
+            </a:r>
+            <a:r>
+              <a:rPr lang="en-US" sz="1800" dirty="0" smtClean="0"/>
+              <a:t>of </a:t>
+            </a:r>
+            <a:r>
+              <a:rPr lang="en-US" sz="1800" dirty="0" smtClean="0"/>
+              <a:t>32 GB/s</a:t>
             </a:r>
             <a:endParaRPr lang="en-US" sz="1800" dirty="0"/>
           </a:p>
@@ -4284,8 +4308,8 @@
         </p:nvSpPr>
         <p:spPr>
           <a:xfrm>
-            <a:off x="5110880" y="3188732"/>
-            <a:ext cx="1823320" cy="369332"/>
+            <a:off x="5278997" y="3200400"/>
+            <a:ext cx="1502719" cy="369332"/>
           </a:xfrm>
           <a:prstGeom prst="rect">
             <a:avLst/>
@@ -4300,7 +4324,11 @@
           <a:p>
             <a:r>
               <a:rPr lang="en-US" sz="1800" dirty="0" smtClean="0"/>
-              <a:t>96 out of 96 GB/s</a:t>
+              <a:t>96 </a:t>
+            </a:r>
+            <a:r>
+              <a:rPr lang="en-US" sz="1800" dirty="0" smtClean="0"/>
+              <a:t>of 96 GB/s</a:t>
             </a:r>
             <a:endParaRPr lang="en-US" sz="1800" dirty="0"/>
           </a:p>
@@ -4314,7 +4342,7 @@
         </p:nvSpPr>
         <p:spPr>
           <a:xfrm>
-            <a:off x="5813989" y="3009900"/>
+            <a:off x="5865782" y="3009900"/>
             <a:ext cx="300082" cy="369332"/>
           </a:xfrm>
           <a:prstGeom prst="rect">
@@ -4344,8 +4372,8 @@
         </p:nvSpPr>
         <p:spPr>
           <a:xfrm>
-            <a:off x="4876840" y="3592510"/>
-            <a:ext cx="2057358" cy="369332"/>
+            <a:off x="5090491" y="3592510"/>
+            <a:ext cx="1683859" cy="369332"/>
           </a:xfrm>
           <a:prstGeom prst="rect">
             <a:avLst/>
@@ -4360,7 +4388,15 @@
           <a:p>
             <a:r>
               <a:rPr lang="en-US" sz="1800" dirty="0" smtClean="0"/>
-              <a:t>128 out of 128 GB/s</a:t>
+              <a:t>128 </a:t>
+            </a:r>
+            <a:r>
+              <a:rPr lang="en-US" sz="1800" dirty="0" smtClean="0"/>
+              <a:t>of </a:t>
+            </a:r>
+            <a:r>
+              <a:rPr lang="en-US" sz="1800" dirty="0" smtClean="0"/>
+              <a:t>128 GB/s</a:t>
             </a:r>
             <a:endParaRPr lang="en-US" sz="1800" dirty="0"/>
           </a:p>
@@ -4378,7 +4414,7 @@
         <p:spPr>
           <a:xfrm>
             <a:off x="4686099" y="899979"/>
-            <a:ext cx="424781" cy="0"/>
+            <a:ext cx="645680" cy="0"/>
           </a:xfrm>
           <a:prstGeom prst="line">
             <a:avLst/>
@@ -4416,7 +4452,7 @@
         <p:spPr>
           <a:xfrm flipV="1">
             <a:off x="4686099" y="1269311"/>
-            <a:ext cx="424781" cy="278368"/>
+            <a:ext cx="638431" cy="278368"/>
           </a:xfrm>
           <a:prstGeom prst="line">
             <a:avLst/>
@@ -4454,7 +4490,7 @@
         <p:spPr>
           <a:xfrm>
             <a:off x="4686099" y="3011045"/>
-            <a:ext cx="418064" cy="0"/>
+            <a:ext cx="592898" cy="0"/>
           </a:xfrm>
           <a:prstGeom prst="line">
             <a:avLst/>
@@ -4491,8 +4527,8 @@
         </p:nvCxnSpPr>
         <p:spPr>
           <a:xfrm flipV="1">
-            <a:off x="4686099" y="3373398"/>
-            <a:ext cx="424781" cy="285347"/>
+            <a:off x="4686099" y="3385066"/>
+            <a:ext cx="592898" cy="273679"/>
           </a:xfrm>
           <a:prstGeom prst="line">
             <a:avLst/>
@@ -4712,11 +4748,7 @@
           <a:p>
             <a:r>
               <a:rPr lang="en-US" sz="1600" dirty="0" smtClean="0"/>
-              <a:t>Dynamically allocated </a:t>
-            </a:r>
-            <a:r>
-              <a:rPr lang="en-US" sz="1600" dirty="0" smtClean="0"/>
-              <a:t>link</a:t>
+              <a:t>Dynamically allocated link</a:t>
             </a:r>
             <a:endParaRPr lang="en-US" sz="1600" dirty="0"/>
           </a:p>
@@ -4730,7 +4762,7 @@
         </p:nvSpPr>
         <p:spPr>
           <a:xfrm>
-            <a:off x="4781495" y="1760806"/>
+            <a:off x="4876800" y="1733490"/>
             <a:ext cx="2152705" cy="369332"/>
           </a:xfrm>
           <a:prstGeom prst="rect">
@@ -4811,7 +4843,7 @@
         </p:nvSpPr>
         <p:spPr>
           <a:xfrm>
-            <a:off x="4664476" y="3889982"/>
+            <a:off x="4818290" y="3889982"/>
             <a:ext cx="2269724" cy="369332"/>
           </a:xfrm>
           <a:prstGeom prst="rect">

--- a/figures/link_assignment.pptx
+++ b/figures/link_assignment.pptx
@@ -288,7 +288,7 @@
           <a:p>
             <a:fld id="{76FE9EB0-1E1E-4A5C-9714-BAA5E7FD7BB0}" type="datetimeFigureOut">
               <a:rPr lang="en-US" smtClean="0"/>
-              <a:t>4/4/2017</a:t>
+              <a:t>4/5/2017</a:t>
             </a:fld>
             <a:endParaRPr lang="en-US"/>
           </a:p>
@@ -458,7 +458,7 @@
           <a:p>
             <a:fld id="{76FE9EB0-1E1E-4A5C-9714-BAA5E7FD7BB0}" type="datetimeFigureOut">
               <a:rPr lang="en-US" smtClean="0"/>
-              <a:t>4/4/2017</a:t>
+              <a:t>4/5/2017</a:t>
             </a:fld>
             <a:endParaRPr lang="en-US"/>
           </a:p>
@@ -638,7 +638,7 @@
           <a:p>
             <a:fld id="{76FE9EB0-1E1E-4A5C-9714-BAA5E7FD7BB0}" type="datetimeFigureOut">
               <a:rPr lang="en-US" smtClean="0"/>
-              <a:t>4/4/2017</a:t>
+              <a:t>4/5/2017</a:t>
             </a:fld>
             <a:endParaRPr lang="en-US"/>
           </a:p>
@@ -808,7 +808,7 @@
           <a:p>
             <a:fld id="{76FE9EB0-1E1E-4A5C-9714-BAA5E7FD7BB0}" type="datetimeFigureOut">
               <a:rPr lang="en-US" smtClean="0"/>
-              <a:t>4/4/2017</a:t>
+              <a:t>4/5/2017</a:t>
             </a:fld>
             <a:endParaRPr lang="en-US"/>
           </a:p>
@@ -1054,7 +1054,7 @@
           <a:p>
             <a:fld id="{76FE9EB0-1E1E-4A5C-9714-BAA5E7FD7BB0}" type="datetimeFigureOut">
               <a:rPr lang="en-US" smtClean="0"/>
-              <a:t>4/4/2017</a:t>
+              <a:t>4/5/2017</a:t>
             </a:fld>
             <a:endParaRPr lang="en-US"/>
           </a:p>
@@ -1342,7 +1342,7 @@
           <a:p>
             <a:fld id="{76FE9EB0-1E1E-4A5C-9714-BAA5E7FD7BB0}" type="datetimeFigureOut">
               <a:rPr lang="en-US" smtClean="0"/>
-              <a:t>4/4/2017</a:t>
+              <a:t>4/5/2017</a:t>
             </a:fld>
             <a:endParaRPr lang="en-US"/>
           </a:p>
@@ -1769,7 +1769,7 @@
           <a:p>
             <a:fld id="{76FE9EB0-1E1E-4A5C-9714-BAA5E7FD7BB0}" type="datetimeFigureOut">
               <a:rPr lang="en-US" smtClean="0"/>
-              <a:t>4/4/2017</a:t>
+              <a:t>4/5/2017</a:t>
             </a:fld>
             <a:endParaRPr lang="en-US"/>
           </a:p>
@@ -1887,7 +1887,7 @@
           <a:p>
             <a:fld id="{76FE9EB0-1E1E-4A5C-9714-BAA5E7FD7BB0}" type="datetimeFigureOut">
               <a:rPr lang="en-US" smtClean="0"/>
-              <a:t>4/4/2017</a:t>
+              <a:t>4/5/2017</a:t>
             </a:fld>
             <a:endParaRPr lang="en-US"/>
           </a:p>
@@ -1982,7 +1982,7 @@
           <a:p>
             <a:fld id="{76FE9EB0-1E1E-4A5C-9714-BAA5E7FD7BB0}" type="datetimeFigureOut">
               <a:rPr lang="en-US" smtClean="0"/>
-              <a:t>4/4/2017</a:t>
+              <a:t>4/5/2017</a:t>
             </a:fld>
             <a:endParaRPr lang="en-US"/>
           </a:p>
@@ -2259,7 +2259,7 @@
           <a:p>
             <a:fld id="{76FE9EB0-1E1E-4A5C-9714-BAA5E7FD7BB0}" type="datetimeFigureOut">
               <a:rPr lang="en-US" smtClean="0"/>
-              <a:t>4/4/2017</a:t>
+              <a:t>4/5/2017</a:t>
             </a:fld>
             <a:endParaRPr lang="en-US"/>
           </a:p>
@@ -2512,7 +2512,7 @@
           <a:p>
             <a:fld id="{76FE9EB0-1E1E-4A5C-9714-BAA5E7FD7BB0}" type="datetimeFigureOut">
               <a:rPr lang="en-US" smtClean="0"/>
-              <a:t>4/4/2017</a:t>
+              <a:t>4/5/2017</a:t>
             </a:fld>
             <a:endParaRPr lang="en-US"/>
           </a:p>
@@ -2725,7 +2725,7 @@
           <a:p>
             <a:fld id="{76FE9EB0-1E1E-4A5C-9714-BAA5E7FD7BB0}" type="datetimeFigureOut">
               <a:rPr lang="en-US" smtClean="0"/>
-              <a:t>4/4/2017</a:t>
+              <a:t>4/5/2017</a:t>
             </a:fld>
             <a:endParaRPr lang="en-US"/>
           </a:p>
@@ -3648,15 +3648,7 @@
           <a:p>
             <a:r>
               <a:rPr lang="en-US" sz="1800" dirty="0" smtClean="0"/>
-              <a:t>32 </a:t>
-            </a:r>
-            <a:r>
-              <a:rPr lang="en-US" sz="1800" dirty="0" smtClean="0"/>
-              <a:t>of </a:t>
-            </a:r>
-            <a:r>
-              <a:rPr lang="en-US" sz="1800" dirty="0" smtClean="0"/>
-              <a:t>64 GB/s</a:t>
+              <a:t>32 of 64 GB/s</a:t>
             </a:r>
             <a:endParaRPr lang="en-US" sz="1800" dirty="0"/>
           </a:p>
@@ -3690,15 +3682,7 @@
             </a:r>
             <a:r>
               <a:rPr lang="en-US" sz="1800" dirty="0" smtClean="0"/>
-              <a:t>4 </a:t>
-            </a:r>
-            <a:r>
-              <a:rPr lang="en-US" sz="1800" dirty="0" smtClean="0"/>
-              <a:t>of </a:t>
-            </a:r>
-            <a:r>
-              <a:rPr lang="en-US" sz="1800" dirty="0" smtClean="0"/>
-              <a:t>64 GB/s</a:t>
+              <a:t>4 of 64 GB/s</a:t>
             </a:r>
             <a:endParaRPr lang="en-US" sz="1800" dirty="0"/>
           </a:p>
@@ -3793,11 +3777,7 @@
           <a:p>
             <a:r>
               <a:rPr lang="en-US" sz="1800" dirty="0" smtClean="0"/>
-              <a:t>96 </a:t>
-            </a:r>
-            <a:r>
-              <a:rPr lang="en-US" sz="1800" dirty="0" smtClean="0"/>
-              <a:t>of 128 GB/s</a:t>
+              <a:t>96 of 128 GB/s</a:t>
             </a:r>
           </a:p>
         </p:txBody>
@@ -4286,15 +4266,7 @@
           <a:p>
             <a:r>
               <a:rPr lang="en-US" sz="1800" dirty="0" smtClean="0"/>
-              <a:t>32 </a:t>
-            </a:r>
-            <a:r>
-              <a:rPr lang="en-US" sz="1800" dirty="0" smtClean="0"/>
-              <a:t>of </a:t>
-            </a:r>
-            <a:r>
-              <a:rPr lang="en-US" sz="1800" dirty="0" smtClean="0"/>
-              <a:t>32 GB/s</a:t>
+              <a:t>32 of 32 GB/s</a:t>
             </a:r>
             <a:endParaRPr lang="en-US" sz="1800" dirty="0"/>
           </a:p>
@@ -4324,11 +4296,7 @@
           <a:p>
             <a:r>
               <a:rPr lang="en-US" sz="1800" dirty="0" smtClean="0"/>
-              <a:t>96 </a:t>
-            </a:r>
-            <a:r>
-              <a:rPr lang="en-US" sz="1800" dirty="0" smtClean="0"/>
-              <a:t>of 96 GB/s</a:t>
+              <a:t>96 of 96 GB/s</a:t>
             </a:r>
             <a:endParaRPr lang="en-US" sz="1800" dirty="0"/>
           </a:p>
@@ -4388,15 +4356,7 @@
           <a:p>
             <a:r>
               <a:rPr lang="en-US" sz="1800" dirty="0" smtClean="0"/>
-              <a:t>128 </a:t>
-            </a:r>
-            <a:r>
-              <a:rPr lang="en-US" sz="1800" dirty="0" smtClean="0"/>
-              <a:t>of </a:t>
-            </a:r>
-            <a:r>
-              <a:rPr lang="en-US" sz="1800" dirty="0" smtClean="0"/>
-              <a:t>128 GB/s</a:t>
+              <a:t>128 of 128 GB/s</a:t>
             </a:r>
             <a:endParaRPr lang="en-US" sz="1800" dirty="0"/>
           </a:p>
@@ -4599,7 +4559,7 @@
         <p:spPr>
           <a:xfrm>
             <a:off x="705712" y="74099"/>
-            <a:ext cx="1331775" cy="338554"/>
+            <a:ext cx="1392689" cy="338554"/>
           </a:xfrm>
           <a:prstGeom prst="rect">
             <a:avLst/>
@@ -4614,7 +4574,11 @@
           <a:p>
             <a:r>
               <a:rPr lang="en-US" sz="1600" dirty="0" smtClean="0"/>
-              <a:t>Saturated link</a:t>
+              <a:t>Saturated </a:t>
+            </a:r>
+            <a:r>
+              <a:rPr lang="en-US" sz="1600" dirty="0" smtClean="0"/>
+              <a:t>lane</a:t>
             </a:r>
             <a:endParaRPr lang="en-US" sz="1600" dirty="0"/>
           </a:p>
@@ -4667,7 +4631,7 @@
         <p:spPr>
           <a:xfrm>
             <a:off x="2675025" y="73634"/>
-            <a:ext cx="1556195" cy="338554"/>
+            <a:ext cx="1617109" cy="338554"/>
           </a:xfrm>
           <a:prstGeom prst="rect">
             <a:avLst/>
@@ -4682,7 +4646,11 @@
           <a:p>
             <a:r>
               <a:rPr lang="en-US" sz="1600" dirty="0" smtClean="0"/>
-              <a:t>Unsaturated link</a:t>
+              <a:t>Unsaturated </a:t>
+            </a:r>
+            <a:r>
+              <a:rPr lang="en-US" sz="1600" dirty="0" smtClean="0"/>
+              <a:t>lane</a:t>
             </a:r>
             <a:endParaRPr lang="en-US" sz="1600" dirty="0"/>
           </a:p>
@@ -4733,7 +4701,7 @@
         <p:spPr>
           <a:xfrm>
             <a:off x="4883672" y="62840"/>
-            <a:ext cx="2331536" cy="338554"/>
+            <a:ext cx="2392450" cy="338554"/>
           </a:xfrm>
           <a:prstGeom prst="rect">
             <a:avLst/>
@@ -4748,7 +4716,11 @@
           <a:p>
             <a:r>
               <a:rPr lang="en-US" sz="1600" dirty="0" smtClean="0"/>
-              <a:t>Dynamically allocated link</a:t>
+              <a:t>Dynamically allocated </a:t>
+            </a:r>
+            <a:r>
+              <a:rPr lang="en-US" sz="1600" dirty="0" smtClean="0"/>
+              <a:t>lane</a:t>
             </a:r>
             <a:endParaRPr lang="en-US" sz="1600" dirty="0"/>
           </a:p>

--- a/figures/link_assignment.pptx
+++ b/figures/link_assignment.pptx
@@ -1,19 +1,114 @@
 
 <file path=ppt/presentation.xml><?xml version="1.0" encoding="utf-8"?>
-<p:presentation xmlns:a="http://schemas.openxmlformats.org/drawingml/2006/main" xmlns:p="http://schemas.openxmlformats.org/presentationml/2006/main" xmlns:r="http://schemas.openxmlformats.org/officeDocument/2006/relationships" xmlns:p14="http://schemas.microsoft.com/office/powerpoint/2010/main" xmlns:p15="http://schemas.microsoft.com/office/powerpoint/2012/main" xmlns:mc="http://schemas.openxmlformats.org/markup-compatibility/2006">
+<p:presentation xmlns:a="http://schemas.openxmlformats.org/drawingml/2006/main" xmlns:r="http://schemas.openxmlformats.org/officeDocument/2006/relationships" xmlns:p="http://schemas.openxmlformats.org/presentationml/2006/main">
   <p:sldMasterIdLst>
-    <p:sldMasterId id="2147483648" r:id="rId2"/>
+    <p:sldMasterId id="2147483648" r:id="rId1"/>
   </p:sldMasterIdLst>
   <p:sldIdLst>
-    <p:sldId id="256" r:id="rId3"/>
+    <p:sldId id="256" r:id="rId2"/>
   </p:sldIdLst>
   <p:sldSz cx="7315200" cy="4572000"/>
   <p:notesSz cx="7772400" cy="10058400"/>
+  <p:defaultTextStyle>
+    <a:defPPr>
+      <a:defRPr lang="en-US"/>
+    </a:defPPr>
+    <a:lvl1pPr marL="0" algn="l" defTabSz="914400" rtl="0" eaLnBrk="1" latinLnBrk="0" hangingPunct="1">
+      <a:defRPr sz="1800" kern="1200">
+        <a:solidFill>
+          <a:schemeClr val="tx1"/>
+        </a:solidFill>
+        <a:latin typeface="+mn-lt"/>
+        <a:ea typeface="+mn-ea"/>
+        <a:cs typeface="+mn-cs"/>
+      </a:defRPr>
+    </a:lvl1pPr>
+    <a:lvl2pPr marL="457200" algn="l" defTabSz="914400" rtl="0" eaLnBrk="1" latinLnBrk="0" hangingPunct="1">
+      <a:defRPr sz="1800" kern="1200">
+        <a:solidFill>
+          <a:schemeClr val="tx1"/>
+        </a:solidFill>
+        <a:latin typeface="+mn-lt"/>
+        <a:ea typeface="+mn-ea"/>
+        <a:cs typeface="+mn-cs"/>
+      </a:defRPr>
+    </a:lvl2pPr>
+    <a:lvl3pPr marL="914400" algn="l" defTabSz="914400" rtl="0" eaLnBrk="1" latinLnBrk="0" hangingPunct="1">
+      <a:defRPr sz="1800" kern="1200">
+        <a:solidFill>
+          <a:schemeClr val="tx1"/>
+        </a:solidFill>
+        <a:latin typeface="+mn-lt"/>
+        <a:ea typeface="+mn-ea"/>
+        <a:cs typeface="+mn-cs"/>
+      </a:defRPr>
+    </a:lvl3pPr>
+    <a:lvl4pPr marL="1371600" algn="l" defTabSz="914400" rtl="0" eaLnBrk="1" latinLnBrk="0" hangingPunct="1">
+      <a:defRPr sz="1800" kern="1200">
+        <a:solidFill>
+          <a:schemeClr val="tx1"/>
+        </a:solidFill>
+        <a:latin typeface="+mn-lt"/>
+        <a:ea typeface="+mn-ea"/>
+        <a:cs typeface="+mn-cs"/>
+      </a:defRPr>
+    </a:lvl4pPr>
+    <a:lvl5pPr marL="1828800" algn="l" defTabSz="914400" rtl="0" eaLnBrk="1" latinLnBrk="0" hangingPunct="1">
+      <a:defRPr sz="1800" kern="1200">
+        <a:solidFill>
+          <a:schemeClr val="tx1"/>
+        </a:solidFill>
+        <a:latin typeface="+mn-lt"/>
+        <a:ea typeface="+mn-ea"/>
+        <a:cs typeface="+mn-cs"/>
+      </a:defRPr>
+    </a:lvl5pPr>
+    <a:lvl6pPr marL="2286000" algn="l" defTabSz="914400" rtl="0" eaLnBrk="1" latinLnBrk="0" hangingPunct="1">
+      <a:defRPr sz="1800" kern="1200">
+        <a:solidFill>
+          <a:schemeClr val="tx1"/>
+        </a:solidFill>
+        <a:latin typeface="+mn-lt"/>
+        <a:ea typeface="+mn-ea"/>
+        <a:cs typeface="+mn-cs"/>
+      </a:defRPr>
+    </a:lvl6pPr>
+    <a:lvl7pPr marL="2743200" algn="l" defTabSz="914400" rtl="0" eaLnBrk="1" latinLnBrk="0" hangingPunct="1">
+      <a:defRPr sz="1800" kern="1200">
+        <a:solidFill>
+          <a:schemeClr val="tx1"/>
+        </a:solidFill>
+        <a:latin typeface="+mn-lt"/>
+        <a:ea typeface="+mn-ea"/>
+        <a:cs typeface="+mn-cs"/>
+      </a:defRPr>
+    </a:lvl7pPr>
+    <a:lvl8pPr marL="3200400" algn="l" defTabSz="914400" rtl="0" eaLnBrk="1" latinLnBrk="0" hangingPunct="1">
+      <a:defRPr sz="1800" kern="1200">
+        <a:solidFill>
+          <a:schemeClr val="tx1"/>
+        </a:solidFill>
+        <a:latin typeface="+mn-lt"/>
+        <a:ea typeface="+mn-ea"/>
+        <a:cs typeface="+mn-cs"/>
+      </a:defRPr>
+    </a:lvl8pPr>
+    <a:lvl9pPr marL="3657600" algn="l" defTabSz="914400" rtl="0" eaLnBrk="1" latinLnBrk="0" hangingPunct="1">
+      <a:defRPr sz="1800" kern="1200">
+        <a:solidFill>
+          <a:schemeClr val="tx1"/>
+        </a:solidFill>
+        <a:latin typeface="+mn-lt"/>
+        <a:ea typeface="+mn-ea"/>
+        <a:cs typeface="+mn-cs"/>
+      </a:defRPr>
+    </a:lvl9pPr>
+  </p:defaultTextStyle>
 </p:presentation>
 </file>
 
 <file path=ppt/slideLayouts/slideLayout1.xml><?xml version="1.0" encoding="utf-8"?>
-<p:sldLayout xmlns:a="http://schemas.openxmlformats.org/drawingml/2006/main" xmlns:p="http://schemas.openxmlformats.org/presentationml/2006/main" xmlns:r="http://schemas.openxmlformats.org/officeDocument/2006/relationships" xmlns:p14="http://schemas.microsoft.com/office/powerpoint/2010/main" xmlns:p15="http://schemas.microsoft.com/office/powerpoint/2012/main" xmlns:mc="http://schemas.openxmlformats.org/markup-compatibility/2006" type="blank" preserve="1">
+<p:sldLayout xmlns:a="http://schemas.openxmlformats.org/drawingml/2006/main" xmlns:r="http://schemas.openxmlformats.org/officeDocument/2006/relationships" xmlns:p="http://schemas.openxmlformats.org/presentationml/2006/main" type="blank" preserve="1">
   <p:cSld name="Blank Slide">
     <p:spTree>
       <p:nvGrpSpPr>
@@ -31,11 +126,14 @@
       </p:grpSpPr>
     </p:spTree>
   </p:cSld>
+  <p:clrMapOvr>
+    <a:masterClrMapping/>
+  </p:clrMapOvr>
 </p:sldLayout>
 </file>
 
 <file path=ppt/slideLayouts/slideLayout10.xml><?xml version="1.0" encoding="utf-8"?>
-<p:sldLayout xmlns:a="http://schemas.openxmlformats.org/drawingml/2006/main" xmlns:p="http://schemas.openxmlformats.org/presentationml/2006/main" xmlns:r="http://schemas.openxmlformats.org/officeDocument/2006/relationships" xmlns:p14="http://schemas.microsoft.com/office/powerpoint/2010/main" xmlns:p15="http://schemas.microsoft.com/office/powerpoint/2012/main" xmlns:mc="http://schemas.openxmlformats.org/markup-compatibility/2006" type="objOverTx" preserve="1">
+<p:sldLayout xmlns:a="http://schemas.openxmlformats.org/drawingml/2006/main" xmlns:r="http://schemas.openxmlformats.org/officeDocument/2006/relationships" xmlns:p="http://schemas.openxmlformats.org/presentationml/2006/main" type="objOverTx" preserve="1">
   <p:cSld name="Title, Content over Content">
     <p:spTree>
       <p:nvGrpSpPr>
@@ -71,15 +169,16 @@
           </a:prstGeom>
         </p:spPr>
         <p:txBody>
-          <a:bodyPr lIns="0" rIns="0" tIns="0" bIns="0" anchor="ctr"/>
-          <a:p>
-            <a:endParaRPr b="0" lang="en-US" sz="1300" spc="-1" strike="noStrike">
-              <a:solidFill>
-                <a:srgbClr val="000000"/>
-              </a:solidFill>
-              <a:uFill>
-                <a:solidFill>
-                  <a:srgbClr val="ffffff"/>
+          <a:bodyPr lIns="0" tIns="0" rIns="0" bIns="0" anchor="ctr"/>
+          <a:lstStyle/>
+          <a:p>
+            <a:endParaRPr lang="en-US" sz="1300" b="0" strike="noStrike" spc="-1">
+              <a:solidFill>
+                <a:srgbClr val="000000"/>
+              </a:solidFill>
+              <a:uFill>
+                <a:solidFill>
+                  <a:srgbClr val="FFFFFF"/>
                 </a:solidFill>
               </a:uFill>
               <a:latin typeface="Calibri"/>
@@ -107,15 +206,16 @@
           </a:prstGeom>
         </p:spPr>
         <p:txBody>
-          <a:bodyPr lIns="0" rIns="0" tIns="0" bIns="0"/>
-          <a:p>
-            <a:endParaRPr b="0" lang="en-US" sz="2400" spc="-1" strike="noStrike">
-              <a:solidFill>
-                <a:srgbClr val="000000"/>
-              </a:solidFill>
-              <a:uFill>
-                <a:solidFill>
-                  <a:srgbClr val="ffffff"/>
+          <a:bodyPr lIns="0" tIns="0" rIns="0" bIns="0"/>
+          <a:lstStyle/>
+          <a:p>
+            <a:endParaRPr lang="en-US" sz="2400" b="0" strike="noStrike" spc="-1">
+              <a:solidFill>
+                <a:srgbClr val="000000"/>
+              </a:solidFill>
+              <a:uFill>
+                <a:solidFill>
+                  <a:srgbClr val="FFFFFF"/>
                 </a:solidFill>
               </a:uFill>
               <a:latin typeface="Calibri"/>
@@ -143,15 +243,16 @@
           </a:prstGeom>
         </p:spPr>
         <p:txBody>
-          <a:bodyPr lIns="0" rIns="0" tIns="0" bIns="0"/>
-          <a:p>
-            <a:endParaRPr b="0" lang="en-US" sz="2400" spc="-1" strike="noStrike">
-              <a:solidFill>
-                <a:srgbClr val="000000"/>
-              </a:solidFill>
-              <a:uFill>
-                <a:solidFill>
-                  <a:srgbClr val="ffffff"/>
+          <a:bodyPr lIns="0" tIns="0" rIns="0" bIns="0"/>
+          <a:lstStyle/>
+          <a:p>
+            <a:endParaRPr lang="en-US" sz="2400" b="0" strike="noStrike" spc="-1">
+              <a:solidFill>
+                <a:srgbClr val="000000"/>
+              </a:solidFill>
+              <a:uFill>
+                <a:solidFill>
+                  <a:srgbClr val="FFFFFF"/>
                 </a:solidFill>
               </a:uFill>
               <a:latin typeface="Calibri"/>
@@ -161,11 +262,14 @@
       </p:sp>
     </p:spTree>
   </p:cSld>
+  <p:clrMapOvr>
+    <a:masterClrMapping/>
+  </p:clrMapOvr>
 </p:sldLayout>
 </file>
 
 <file path=ppt/slideLayouts/slideLayout11.xml><?xml version="1.0" encoding="utf-8"?>
-<p:sldLayout xmlns:a="http://schemas.openxmlformats.org/drawingml/2006/main" xmlns:p="http://schemas.openxmlformats.org/presentationml/2006/main" xmlns:r="http://schemas.openxmlformats.org/officeDocument/2006/relationships" xmlns:p14="http://schemas.microsoft.com/office/powerpoint/2010/main" xmlns:p15="http://schemas.microsoft.com/office/powerpoint/2012/main" xmlns:mc="http://schemas.openxmlformats.org/markup-compatibility/2006" type="fourObj" preserve="1">
+<p:sldLayout xmlns:a="http://schemas.openxmlformats.org/drawingml/2006/main" xmlns:r="http://schemas.openxmlformats.org/officeDocument/2006/relationships" xmlns:p="http://schemas.openxmlformats.org/presentationml/2006/main" type="fourObj" preserve="1">
   <p:cSld name="Title, 4 Content">
     <p:spTree>
       <p:nvGrpSpPr>
@@ -201,15 +305,16 @@
           </a:prstGeom>
         </p:spPr>
         <p:txBody>
-          <a:bodyPr lIns="0" rIns="0" tIns="0" bIns="0" anchor="ctr"/>
-          <a:p>
-            <a:endParaRPr b="0" lang="en-US" sz="1300" spc="-1" strike="noStrike">
-              <a:solidFill>
-                <a:srgbClr val="000000"/>
-              </a:solidFill>
-              <a:uFill>
-                <a:solidFill>
-                  <a:srgbClr val="ffffff"/>
+          <a:bodyPr lIns="0" tIns="0" rIns="0" bIns="0" anchor="ctr"/>
+          <a:lstStyle/>
+          <a:p>
+            <a:endParaRPr lang="en-US" sz="1300" b="0" strike="noStrike" spc="-1">
+              <a:solidFill>
+                <a:srgbClr val="000000"/>
+              </a:solidFill>
+              <a:uFill>
+                <a:solidFill>
+                  <a:srgbClr val="FFFFFF"/>
                 </a:solidFill>
               </a:uFill>
               <a:latin typeface="Calibri"/>
@@ -237,15 +342,16 @@
           </a:prstGeom>
         </p:spPr>
         <p:txBody>
-          <a:bodyPr lIns="0" rIns="0" tIns="0" bIns="0"/>
-          <a:p>
-            <a:endParaRPr b="0" lang="en-US" sz="2400" spc="-1" strike="noStrike">
-              <a:solidFill>
-                <a:srgbClr val="000000"/>
-              </a:solidFill>
-              <a:uFill>
-                <a:solidFill>
-                  <a:srgbClr val="ffffff"/>
+          <a:bodyPr lIns="0" tIns="0" rIns="0" bIns="0"/>
+          <a:lstStyle/>
+          <a:p>
+            <a:endParaRPr lang="en-US" sz="2400" b="0" strike="noStrike" spc="-1">
+              <a:solidFill>
+                <a:srgbClr val="000000"/>
+              </a:solidFill>
+              <a:uFill>
+                <a:solidFill>
+                  <a:srgbClr val="FFFFFF"/>
                 </a:solidFill>
               </a:uFill>
               <a:latin typeface="Calibri"/>
@@ -273,15 +379,16 @@
           </a:prstGeom>
         </p:spPr>
         <p:txBody>
-          <a:bodyPr lIns="0" rIns="0" tIns="0" bIns="0"/>
-          <a:p>
-            <a:endParaRPr b="0" lang="en-US" sz="2400" spc="-1" strike="noStrike">
-              <a:solidFill>
-                <a:srgbClr val="000000"/>
-              </a:solidFill>
-              <a:uFill>
-                <a:solidFill>
-                  <a:srgbClr val="ffffff"/>
+          <a:bodyPr lIns="0" tIns="0" rIns="0" bIns="0"/>
+          <a:lstStyle/>
+          <a:p>
+            <a:endParaRPr lang="en-US" sz="2400" b="0" strike="noStrike" spc="-1">
+              <a:solidFill>
+                <a:srgbClr val="000000"/>
+              </a:solidFill>
+              <a:uFill>
+                <a:solidFill>
+                  <a:srgbClr val="FFFFFF"/>
                 </a:solidFill>
               </a:uFill>
               <a:latin typeface="Calibri"/>
@@ -309,15 +416,16 @@
           </a:prstGeom>
         </p:spPr>
         <p:txBody>
-          <a:bodyPr lIns="0" rIns="0" tIns="0" bIns="0"/>
-          <a:p>
-            <a:endParaRPr b="0" lang="en-US" sz="2400" spc="-1" strike="noStrike">
-              <a:solidFill>
-                <a:srgbClr val="000000"/>
-              </a:solidFill>
-              <a:uFill>
-                <a:solidFill>
-                  <a:srgbClr val="ffffff"/>
+          <a:bodyPr lIns="0" tIns="0" rIns="0" bIns="0"/>
+          <a:lstStyle/>
+          <a:p>
+            <a:endParaRPr lang="en-US" sz="2400" b="0" strike="noStrike" spc="-1">
+              <a:solidFill>
+                <a:srgbClr val="000000"/>
+              </a:solidFill>
+              <a:uFill>
+                <a:solidFill>
+                  <a:srgbClr val="FFFFFF"/>
                 </a:solidFill>
               </a:uFill>
               <a:latin typeface="Calibri"/>
@@ -345,15 +453,16 @@
           </a:prstGeom>
         </p:spPr>
         <p:txBody>
-          <a:bodyPr lIns="0" rIns="0" tIns="0" bIns="0"/>
-          <a:p>
-            <a:endParaRPr b="0" lang="en-US" sz="2400" spc="-1" strike="noStrike">
-              <a:solidFill>
-                <a:srgbClr val="000000"/>
-              </a:solidFill>
-              <a:uFill>
-                <a:solidFill>
-                  <a:srgbClr val="ffffff"/>
+          <a:bodyPr lIns="0" tIns="0" rIns="0" bIns="0"/>
+          <a:lstStyle/>
+          <a:p>
+            <a:endParaRPr lang="en-US" sz="2400" b="0" strike="noStrike" spc="-1">
+              <a:solidFill>
+                <a:srgbClr val="000000"/>
+              </a:solidFill>
+              <a:uFill>
+                <a:solidFill>
+                  <a:srgbClr val="FFFFFF"/>
                 </a:solidFill>
               </a:uFill>
               <a:latin typeface="Calibri"/>
@@ -363,11 +472,14 @@
       </p:sp>
     </p:spTree>
   </p:cSld>
+  <p:clrMapOvr>
+    <a:masterClrMapping/>
+  </p:clrMapOvr>
 </p:sldLayout>
 </file>
 
 <file path=ppt/slideLayouts/slideLayout12.xml><?xml version="1.0" encoding="utf-8"?>
-<p:sldLayout xmlns:a="http://schemas.openxmlformats.org/drawingml/2006/main" xmlns:p="http://schemas.openxmlformats.org/presentationml/2006/main" xmlns:r="http://schemas.openxmlformats.org/officeDocument/2006/relationships" xmlns:p14="http://schemas.microsoft.com/office/powerpoint/2010/main" xmlns:p15="http://schemas.microsoft.com/office/powerpoint/2012/main" xmlns:mc="http://schemas.openxmlformats.org/markup-compatibility/2006" type="blank" preserve="1">
+<p:sldLayout xmlns:a="http://schemas.openxmlformats.org/drawingml/2006/main" xmlns:r="http://schemas.openxmlformats.org/officeDocument/2006/relationships" xmlns:p="http://schemas.openxmlformats.org/presentationml/2006/main" type="blank" preserve="1">
   <p:cSld name="Title, 6 Content">
     <p:spTree>
       <p:nvGrpSpPr>
@@ -403,15 +515,16 @@
           </a:prstGeom>
         </p:spPr>
         <p:txBody>
-          <a:bodyPr lIns="0" rIns="0" tIns="0" bIns="0" anchor="ctr"/>
-          <a:p>
-            <a:endParaRPr b="0" lang="en-US" sz="1300" spc="-1" strike="noStrike">
-              <a:solidFill>
-                <a:srgbClr val="000000"/>
-              </a:solidFill>
-              <a:uFill>
-                <a:solidFill>
-                  <a:srgbClr val="ffffff"/>
+          <a:bodyPr lIns="0" tIns="0" rIns="0" bIns="0" anchor="ctr"/>
+          <a:lstStyle/>
+          <a:p>
+            <a:endParaRPr lang="en-US" sz="1300" b="0" strike="noStrike" spc="-1">
+              <a:solidFill>
+                <a:srgbClr val="000000"/>
+              </a:solidFill>
+              <a:uFill>
+                <a:solidFill>
+                  <a:srgbClr val="FFFFFF"/>
                 </a:solidFill>
               </a:uFill>
               <a:latin typeface="Calibri"/>
@@ -439,15 +552,16 @@
           </a:prstGeom>
         </p:spPr>
         <p:txBody>
-          <a:bodyPr lIns="0" rIns="0" tIns="0" bIns="0"/>
-          <a:p>
-            <a:endParaRPr b="0" lang="en-US" sz="2400" spc="-1" strike="noStrike">
-              <a:solidFill>
-                <a:srgbClr val="000000"/>
-              </a:solidFill>
-              <a:uFill>
-                <a:solidFill>
-                  <a:srgbClr val="ffffff"/>
+          <a:bodyPr lIns="0" tIns="0" rIns="0" bIns="0"/>
+          <a:lstStyle/>
+          <a:p>
+            <a:endParaRPr lang="en-US" sz="2400" b="0" strike="noStrike" spc="-1">
+              <a:solidFill>
+                <a:srgbClr val="000000"/>
+              </a:solidFill>
+              <a:uFill>
+                <a:solidFill>
+                  <a:srgbClr val="FFFFFF"/>
                 </a:solidFill>
               </a:uFill>
               <a:latin typeface="Calibri"/>
@@ -475,15 +589,16 @@
           </a:prstGeom>
         </p:spPr>
         <p:txBody>
-          <a:bodyPr lIns="0" rIns="0" tIns="0" bIns="0"/>
-          <a:p>
-            <a:endParaRPr b="0" lang="en-US" sz="2400" spc="-1" strike="noStrike">
-              <a:solidFill>
-                <a:srgbClr val="000000"/>
-              </a:solidFill>
-              <a:uFill>
-                <a:solidFill>
-                  <a:srgbClr val="ffffff"/>
+          <a:bodyPr lIns="0" tIns="0" rIns="0" bIns="0"/>
+          <a:lstStyle/>
+          <a:p>
+            <a:endParaRPr lang="en-US" sz="2400" b="0" strike="noStrike" spc="-1">
+              <a:solidFill>
+                <a:srgbClr val="000000"/>
+              </a:solidFill>
+              <a:uFill>
+                <a:solidFill>
+                  <a:srgbClr val="FFFFFF"/>
                 </a:solidFill>
               </a:uFill>
               <a:latin typeface="Calibri"/>
@@ -511,15 +626,16 @@
           </a:prstGeom>
         </p:spPr>
         <p:txBody>
-          <a:bodyPr lIns="0" rIns="0" tIns="0" bIns="0"/>
-          <a:p>
-            <a:endParaRPr b="0" lang="en-US" sz="2400" spc="-1" strike="noStrike">
-              <a:solidFill>
-                <a:srgbClr val="000000"/>
-              </a:solidFill>
-              <a:uFill>
-                <a:solidFill>
-                  <a:srgbClr val="ffffff"/>
+          <a:bodyPr lIns="0" tIns="0" rIns="0" bIns="0"/>
+          <a:lstStyle/>
+          <a:p>
+            <a:endParaRPr lang="en-US" sz="2400" b="0" strike="noStrike" spc="-1">
+              <a:solidFill>
+                <a:srgbClr val="000000"/>
+              </a:solidFill>
+              <a:uFill>
+                <a:solidFill>
+                  <a:srgbClr val="FFFFFF"/>
                 </a:solidFill>
               </a:uFill>
               <a:latin typeface="Calibri"/>
@@ -547,15 +663,16 @@
           </a:prstGeom>
         </p:spPr>
         <p:txBody>
-          <a:bodyPr lIns="0" rIns="0" tIns="0" bIns="0"/>
-          <a:p>
-            <a:endParaRPr b="0" lang="en-US" sz="2400" spc="-1" strike="noStrike">
-              <a:solidFill>
-                <a:srgbClr val="000000"/>
-              </a:solidFill>
-              <a:uFill>
-                <a:solidFill>
-                  <a:srgbClr val="ffffff"/>
+          <a:bodyPr lIns="0" tIns="0" rIns="0" bIns="0"/>
+          <a:lstStyle/>
+          <a:p>
+            <a:endParaRPr lang="en-US" sz="2400" b="0" strike="noStrike" spc="-1">
+              <a:solidFill>
+                <a:srgbClr val="000000"/>
+              </a:solidFill>
+              <a:uFill>
+                <a:solidFill>
+                  <a:srgbClr val="FFFFFF"/>
                 </a:solidFill>
               </a:uFill>
               <a:latin typeface="Calibri"/>
@@ -583,15 +700,16 @@
           </a:prstGeom>
         </p:spPr>
         <p:txBody>
-          <a:bodyPr lIns="0" rIns="0" tIns="0" bIns="0"/>
-          <a:p>
-            <a:endParaRPr b="0" lang="en-US" sz="2400" spc="-1" strike="noStrike">
-              <a:solidFill>
-                <a:srgbClr val="000000"/>
-              </a:solidFill>
-              <a:uFill>
-                <a:solidFill>
-                  <a:srgbClr val="ffffff"/>
+          <a:bodyPr lIns="0" tIns="0" rIns="0" bIns="0"/>
+          <a:lstStyle/>
+          <a:p>
+            <a:endParaRPr lang="en-US" sz="2400" b="0" strike="noStrike" spc="-1">
+              <a:solidFill>
+                <a:srgbClr val="000000"/>
+              </a:solidFill>
+              <a:uFill>
+                <a:solidFill>
+                  <a:srgbClr val="FFFFFF"/>
                 </a:solidFill>
               </a:uFill>
               <a:latin typeface="Calibri"/>
@@ -619,15 +737,16 @@
           </a:prstGeom>
         </p:spPr>
         <p:txBody>
-          <a:bodyPr lIns="0" rIns="0" tIns="0" bIns="0"/>
-          <a:p>
-            <a:endParaRPr b="0" lang="en-US" sz="2400" spc="-1" strike="noStrike">
-              <a:solidFill>
-                <a:srgbClr val="000000"/>
-              </a:solidFill>
-              <a:uFill>
-                <a:solidFill>
-                  <a:srgbClr val="ffffff"/>
+          <a:bodyPr lIns="0" tIns="0" rIns="0" bIns="0"/>
+          <a:lstStyle/>
+          <a:p>
+            <a:endParaRPr lang="en-US" sz="2400" b="0" strike="noStrike" spc="-1">
+              <a:solidFill>
+                <a:srgbClr val="000000"/>
+              </a:solidFill>
+              <a:uFill>
+                <a:solidFill>
+                  <a:srgbClr val="FFFFFF"/>
                 </a:solidFill>
               </a:uFill>
               <a:latin typeface="Calibri"/>
@@ -637,11 +756,14 @@
       </p:sp>
     </p:spTree>
   </p:cSld>
+  <p:clrMapOvr>
+    <a:masterClrMapping/>
+  </p:clrMapOvr>
 </p:sldLayout>
 </file>
 
 <file path=ppt/slideLayouts/slideLayout2.xml><?xml version="1.0" encoding="utf-8"?>
-<p:sldLayout xmlns:a="http://schemas.openxmlformats.org/drawingml/2006/main" xmlns:p="http://schemas.openxmlformats.org/presentationml/2006/main" xmlns:r="http://schemas.openxmlformats.org/officeDocument/2006/relationships" xmlns:p14="http://schemas.microsoft.com/office/powerpoint/2010/main" xmlns:p15="http://schemas.microsoft.com/office/powerpoint/2012/main" xmlns:mc="http://schemas.openxmlformats.org/markup-compatibility/2006" type="tx" preserve="1">
+<p:sldLayout xmlns:a="http://schemas.openxmlformats.org/drawingml/2006/main" xmlns:r="http://schemas.openxmlformats.org/officeDocument/2006/relationships" xmlns:p="http://schemas.openxmlformats.org/presentationml/2006/main" type="tx" preserve="1">
   <p:cSld name="Title Slide">
     <p:spTree>
       <p:nvGrpSpPr>
@@ -677,15 +799,16 @@
           </a:prstGeom>
         </p:spPr>
         <p:txBody>
-          <a:bodyPr lIns="0" rIns="0" tIns="0" bIns="0" anchor="ctr"/>
-          <a:p>
-            <a:endParaRPr b="0" lang="en-US" sz="1300" spc="-1" strike="noStrike">
-              <a:solidFill>
-                <a:srgbClr val="000000"/>
-              </a:solidFill>
-              <a:uFill>
-                <a:solidFill>
-                  <a:srgbClr val="ffffff"/>
+          <a:bodyPr lIns="0" tIns="0" rIns="0" bIns="0" anchor="ctr"/>
+          <a:lstStyle/>
+          <a:p>
+            <a:endParaRPr lang="en-US" sz="1300" b="0" strike="noStrike" spc="-1">
+              <a:solidFill>
+                <a:srgbClr val="000000"/>
+              </a:solidFill>
+              <a:uFill>
+                <a:solidFill>
+                  <a:srgbClr val="FFFFFF"/>
                 </a:solidFill>
               </a:uFill>
               <a:latin typeface="Calibri"/>
@@ -713,16 +836,17 @@
           </a:prstGeom>
         </p:spPr>
         <p:txBody>
-          <a:bodyPr lIns="0" rIns="0" tIns="0" bIns="0" anchor="ctr"/>
+          <a:bodyPr lIns="0" tIns="0" rIns="0" bIns="0" anchor="ctr"/>
+          <a:lstStyle/>
           <a:p>
             <a:pPr algn="ctr"/>
-            <a:endParaRPr b="0" lang="en-US" sz="3200" spc="-1" strike="noStrike">
-              <a:solidFill>
-                <a:srgbClr val="000000"/>
-              </a:solidFill>
-              <a:uFill>
-                <a:solidFill>
-                  <a:srgbClr val="ffffff"/>
+            <a:endParaRPr lang="en-US" sz="3200" b="0" strike="noStrike" spc="-1">
+              <a:solidFill>
+                <a:srgbClr val="000000"/>
+              </a:solidFill>
+              <a:uFill>
+                <a:solidFill>
+                  <a:srgbClr val="FFFFFF"/>
                 </a:solidFill>
               </a:uFill>
               <a:latin typeface="Arial"/>
@@ -732,11 +856,14 @@
       </p:sp>
     </p:spTree>
   </p:cSld>
+  <p:clrMapOvr>
+    <a:masterClrMapping/>
+  </p:clrMapOvr>
 </p:sldLayout>
 </file>
 
 <file path=ppt/slideLayouts/slideLayout3.xml><?xml version="1.0" encoding="utf-8"?>
-<p:sldLayout xmlns:a="http://schemas.openxmlformats.org/drawingml/2006/main" xmlns:p="http://schemas.openxmlformats.org/presentationml/2006/main" xmlns:r="http://schemas.openxmlformats.org/officeDocument/2006/relationships" xmlns:p14="http://schemas.microsoft.com/office/powerpoint/2010/main" xmlns:p15="http://schemas.microsoft.com/office/powerpoint/2012/main" xmlns:mc="http://schemas.openxmlformats.org/markup-compatibility/2006" type="obj" preserve="1">
+<p:sldLayout xmlns:a="http://schemas.openxmlformats.org/drawingml/2006/main" xmlns:r="http://schemas.openxmlformats.org/officeDocument/2006/relationships" xmlns:p="http://schemas.openxmlformats.org/presentationml/2006/main" type="obj" preserve="1">
   <p:cSld name="Title, Content">
     <p:spTree>
       <p:nvGrpSpPr>
@@ -772,15 +899,16 @@
           </a:prstGeom>
         </p:spPr>
         <p:txBody>
-          <a:bodyPr lIns="0" rIns="0" tIns="0" bIns="0" anchor="ctr"/>
-          <a:p>
-            <a:endParaRPr b="0" lang="en-US" sz="1300" spc="-1" strike="noStrike">
-              <a:solidFill>
-                <a:srgbClr val="000000"/>
-              </a:solidFill>
-              <a:uFill>
-                <a:solidFill>
-                  <a:srgbClr val="ffffff"/>
+          <a:bodyPr lIns="0" tIns="0" rIns="0" bIns="0" anchor="ctr"/>
+          <a:lstStyle/>
+          <a:p>
+            <a:endParaRPr lang="en-US" sz="1300" b="0" strike="noStrike" spc="-1">
+              <a:solidFill>
+                <a:srgbClr val="000000"/>
+              </a:solidFill>
+              <a:uFill>
+                <a:solidFill>
+                  <a:srgbClr val="FFFFFF"/>
                 </a:solidFill>
               </a:uFill>
               <a:latin typeface="Calibri"/>
@@ -808,15 +936,16 @@
           </a:prstGeom>
         </p:spPr>
         <p:txBody>
-          <a:bodyPr lIns="0" rIns="0" tIns="0" bIns="0"/>
-          <a:p>
-            <a:endParaRPr b="0" lang="en-US" sz="2400" spc="-1" strike="noStrike">
-              <a:solidFill>
-                <a:srgbClr val="000000"/>
-              </a:solidFill>
-              <a:uFill>
-                <a:solidFill>
-                  <a:srgbClr val="ffffff"/>
+          <a:bodyPr lIns="0" tIns="0" rIns="0" bIns="0"/>
+          <a:lstStyle/>
+          <a:p>
+            <a:endParaRPr lang="en-US" sz="2400" b="0" strike="noStrike" spc="-1">
+              <a:solidFill>
+                <a:srgbClr val="000000"/>
+              </a:solidFill>
+              <a:uFill>
+                <a:solidFill>
+                  <a:srgbClr val="FFFFFF"/>
                 </a:solidFill>
               </a:uFill>
               <a:latin typeface="Calibri"/>
@@ -826,11 +955,14 @@
       </p:sp>
     </p:spTree>
   </p:cSld>
+  <p:clrMapOvr>
+    <a:masterClrMapping/>
+  </p:clrMapOvr>
 </p:sldLayout>
 </file>
 
 <file path=ppt/slideLayouts/slideLayout4.xml><?xml version="1.0" encoding="utf-8"?>
-<p:sldLayout xmlns:a="http://schemas.openxmlformats.org/drawingml/2006/main" xmlns:p="http://schemas.openxmlformats.org/presentationml/2006/main" xmlns:r="http://schemas.openxmlformats.org/officeDocument/2006/relationships" xmlns:p14="http://schemas.microsoft.com/office/powerpoint/2010/main" xmlns:p15="http://schemas.microsoft.com/office/powerpoint/2012/main" xmlns:mc="http://schemas.openxmlformats.org/markup-compatibility/2006" type="twoObj" preserve="1">
+<p:sldLayout xmlns:a="http://schemas.openxmlformats.org/drawingml/2006/main" xmlns:r="http://schemas.openxmlformats.org/officeDocument/2006/relationships" xmlns:p="http://schemas.openxmlformats.org/presentationml/2006/main" type="twoObj" preserve="1">
   <p:cSld name="Title, 2 Content">
     <p:spTree>
       <p:nvGrpSpPr>
@@ -866,15 +998,16 @@
           </a:prstGeom>
         </p:spPr>
         <p:txBody>
-          <a:bodyPr lIns="0" rIns="0" tIns="0" bIns="0" anchor="ctr"/>
-          <a:p>
-            <a:endParaRPr b="0" lang="en-US" sz="1300" spc="-1" strike="noStrike">
-              <a:solidFill>
-                <a:srgbClr val="000000"/>
-              </a:solidFill>
-              <a:uFill>
-                <a:solidFill>
-                  <a:srgbClr val="ffffff"/>
+          <a:bodyPr lIns="0" tIns="0" rIns="0" bIns="0" anchor="ctr"/>
+          <a:lstStyle/>
+          <a:p>
+            <a:endParaRPr lang="en-US" sz="1300" b="0" strike="noStrike" spc="-1">
+              <a:solidFill>
+                <a:srgbClr val="000000"/>
+              </a:solidFill>
+              <a:uFill>
+                <a:solidFill>
+                  <a:srgbClr val="FFFFFF"/>
                 </a:solidFill>
               </a:uFill>
               <a:latin typeface="Calibri"/>
@@ -902,15 +1035,16 @@
           </a:prstGeom>
         </p:spPr>
         <p:txBody>
-          <a:bodyPr lIns="0" rIns="0" tIns="0" bIns="0"/>
-          <a:p>
-            <a:endParaRPr b="0" lang="en-US" sz="2400" spc="-1" strike="noStrike">
-              <a:solidFill>
-                <a:srgbClr val="000000"/>
-              </a:solidFill>
-              <a:uFill>
-                <a:solidFill>
-                  <a:srgbClr val="ffffff"/>
+          <a:bodyPr lIns="0" tIns="0" rIns="0" bIns="0"/>
+          <a:lstStyle/>
+          <a:p>
+            <a:endParaRPr lang="en-US" sz="2400" b="0" strike="noStrike" spc="-1">
+              <a:solidFill>
+                <a:srgbClr val="000000"/>
+              </a:solidFill>
+              <a:uFill>
+                <a:solidFill>
+                  <a:srgbClr val="FFFFFF"/>
                 </a:solidFill>
               </a:uFill>
               <a:latin typeface="Calibri"/>
@@ -938,15 +1072,16 @@
           </a:prstGeom>
         </p:spPr>
         <p:txBody>
-          <a:bodyPr lIns="0" rIns="0" tIns="0" bIns="0"/>
-          <a:p>
-            <a:endParaRPr b="0" lang="en-US" sz="2400" spc="-1" strike="noStrike">
-              <a:solidFill>
-                <a:srgbClr val="000000"/>
-              </a:solidFill>
-              <a:uFill>
-                <a:solidFill>
-                  <a:srgbClr val="ffffff"/>
+          <a:bodyPr lIns="0" tIns="0" rIns="0" bIns="0"/>
+          <a:lstStyle/>
+          <a:p>
+            <a:endParaRPr lang="en-US" sz="2400" b="0" strike="noStrike" spc="-1">
+              <a:solidFill>
+                <a:srgbClr val="000000"/>
+              </a:solidFill>
+              <a:uFill>
+                <a:solidFill>
+                  <a:srgbClr val="FFFFFF"/>
                 </a:solidFill>
               </a:uFill>
               <a:latin typeface="Calibri"/>
@@ -956,11 +1091,14 @@
       </p:sp>
     </p:spTree>
   </p:cSld>
+  <p:clrMapOvr>
+    <a:masterClrMapping/>
+  </p:clrMapOvr>
 </p:sldLayout>
 </file>
 
 <file path=ppt/slideLayouts/slideLayout5.xml><?xml version="1.0" encoding="utf-8"?>
-<p:sldLayout xmlns:a="http://schemas.openxmlformats.org/drawingml/2006/main" xmlns:p="http://schemas.openxmlformats.org/presentationml/2006/main" xmlns:r="http://schemas.openxmlformats.org/officeDocument/2006/relationships" xmlns:p14="http://schemas.microsoft.com/office/powerpoint/2010/main" xmlns:p15="http://schemas.microsoft.com/office/powerpoint/2012/main" xmlns:mc="http://schemas.openxmlformats.org/markup-compatibility/2006" type="titleOnly" preserve="1">
+<p:sldLayout xmlns:a="http://schemas.openxmlformats.org/drawingml/2006/main" xmlns:r="http://schemas.openxmlformats.org/officeDocument/2006/relationships" xmlns:p="http://schemas.openxmlformats.org/presentationml/2006/main" type="titleOnly" preserve="1">
   <p:cSld name="Title Only">
     <p:spTree>
       <p:nvGrpSpPr>
@@ -996,15 +1134,16 @@
           </a:prstGeom>
         </p:spPr>
         <p:txBody>
-          <a:bodyPr lIns="0" rIns="0" tIns="0" bIns="0" anchor="ctr"/>
-          <a:p>
-            <a:endParaRPr b="0" lang="en-US" sz="1300" spc="-1" strike="noStrike">
-              <a:solidFill>
-                <a:srgbClr val="000000"/>
-              </a:solidFill>
-              <a:uFill>
-                <a:solidFill>
-                  <a:srgbClr val="ffffff"/>
+          <a:bodyPr lIns="0" tIns="0" rIns="0" bIns="0" anchor="ctr"/>
+          <a:lstStyle/>
+          <a:p>
+            <a:endParaRPr lang="en-US" sz="1300" b="0" strike="noStrike" spc="-1">
+              <a:solidFill>
+                <a:srgbClr val="000000"/>
+              </a:solidFill>
+              <a:uFill>
+                <a:solidFill>
+                  <a:srgbClr val="FFFFFF"/>
                 </a:solidFill>
               </a:uFill>
               <a:latin typeface="Calibri"/>
@@ -1014,11 +1153,14 @@
       </p:sp>
     </p:spTree>
   </p:cSld>
+  <p:clrMapOvr>
+    <a:masterClrMapping/>
+  </p:clrMapOvr>
 </p:sldLayout>
 </file>
 
 <file path=ppt/slideLayouts/slideLayout6.xml><?xml version="1.0" encoding="utf-8"?>
-<p:sldLayout xmlns:a="http://schemas.openxmlformats.org/drawingml/2006/main" xmlns:p="http://schemas.openxmlformats.org/presentationml/2006/main" xmlns:r="http://schemas.openxmlformats.org/officeDocument/2006/relationships" xmlns:p14="http://schemas.microsoft.com/office/powerpoint/2010/main" xmlns:p15="http://schemas.microsoft.com/office/powerpoint/2012/main" xmlns:mc="http://schemas.openxmlformats.org/markup-compatibility/2006" type="objOnly" preserve="1">
+<p:sldLayout xmlns:a="http://schemas.openxmlformats.org/drawingml/2006/main" xmlns:r="http://schemas.openxmlformats.org/officeDocument/2006/relationships" xmlns:p="http://schemas.openxmlformats.org/presentationml/2006/main" type="objOnly" preserve="1">
   <p:cSld name="Centered Text">
     <p:spTree>
       <p:nvGrpSpPr>
@@ -1054,16 +1196,17 @@
           </a:prstGeom>
         </p:spPr>
         <p:txBody>
-          <a:bodyPr lIns="0" rIns="0" tIns="0" bIns="0" anchor="ctr"/>
+          <a:bodyPr lIns="0" tIns="0" rIns="0" bIns="0" anchor="ctr"/>
+          <a:lstStyle/>
           <a:p>
             <a:pPr algn="ctr"/>
-            <a:endParaRPr b="0" lang="en-US" sz="3200" spc="-1" strike="noStrike">
-              <a:solidFill>
-                <a:srgbClr val="000000"/>
-              </a:solidFill>
-              <a:uFill>
-                <a:solidFill>
-                  <a:srgbClr val="ffffff"/>
+            <a:endParaRPr lang="en-US" sz="3200" b="0" strike="noStrike" spc="-1">
+              <a:solidFill>
+                <a:srgbClr val="000000"/>
+              </a:solidFill>
+              <a:uFill>
+                <a:solidFill>
+                  <a:srgbClr val="FFFFFF"/>
                 </a:solidFill>
               </a:uFill>
               <a:latin typeface="Arial"/>
@@ -1073,11 +1216,14 @@
       </p:sp>
     </p:spTree>
   </p:cSld>
+  <p:clrMapOvr>
+    <a:masterClrMapping/>
+  </p:clrMapOvr>
 </p:sldLayout>
 </file>
 
 <file path=ppt/slideLayouts/slideLayout7.xml><?xml version="1.0" encoding="utf-8"?>
-<p:sldLayout xmlns:a="http://schemas.openxmlformats.org/drawingml/2006/main" xmlns:p="http://schemas.openxmlformats.org/presentationml/2006/main" xmlns:r="http://schemas.openxmlformats.org/officeDocument/2006/relationships" xmlns:p14="http://schemas.microsoft.com/office/powerpoint/2010/main" xmlns:p15="http://schemas.microsoft.com/office/powerpoint/2012/main" xmlns:mc="http://schemas.openxmlformats.org/markup-compatibility/2006" type="twoObjAndObj" preserve="1">
+<p:sldLayout xmlns:a="http://schemas.openxmlformats.org/drawingml/2006/main" xmlns:r="http://schemas.openxmlformats.org/officeDocument/2006/relationships" xmlns:p="http://schemas.openxmlformats.org/presentationml/2006/main" type="twoObjAndObj" preserve="1">
   <p:cSld name="Title, 2 Content and Content">
     <p:spTree>
       <p:nvGrpSpPr>
@@ -1113,15 +1259,16 @@
           </a:prstGeom>
         </p:spPr>
         <p:txBody>
-          <a:bodyPr lIns="0" rIns="0" tIns="0" bIns="0" anchor="ctr"/>
-          <a:p>
-            <a:endParaRPr b="0" lang="en-US" sz="1300" spc="-1" strike="noStrike">
-              <a:solidFill>
-                <a:srgbClr val="000000"/>
-              </a:solidFill>
-              <a:uFill>
-                <a:solidFill>
-                  <a:srgbClr val="ffffff"/>
+          <a:bodyPr lIns="0" tIns="0" rIns="0" bIns="0" anchor="ctr"/>
+          <a:lstStyle/>
+          <a:p>
+            <a:endParaRPr lang="en-US" sz="1300" b="0" strike="noStrike" spc="-1">
+              <a:solidFill>
+                <a:srgbClr val="000000"/>
+              </a:solidFill>
+              <a:uFill>
+                <a:solidFill>
+                  <a:srgbClr val="FFFFFF"/>
                 </a:solidFill>
               </a:uFill>
               <a:latin typeface="Calibri"/>
@@ -1149,15 +1296,16 @@
           </a:prstGeom>
         </p:spPr>
         <p:txBody>
-          <a:bodyPr lIns="0" rIns="0" tIns="0" bIns="0"/>
-          <a:p>
-            <a:endParaRPr b="0" lang="en-US" sz="2400" spc="-1" strike="noStrike">
-              <a:solidFill>
-                <a:srgbClr val="000000"/>
-              </a:solidFill>
-              <a:uFill>
-                <a:solidFill>
-                  <a:srgbClr val="ffffff"/>
+          <a:bodyPr lIns="0" tIns="0" rIns="0" bIns="0"/>
+          <a:lstStyle/>
+          <a:p>
+            <a:endParaRPr lang="en-US" sz="2400" b="0" strike="noStrike" spc="-1">
+              <a:solidFill>
+                <a:srgbClr val="000000"/>
+              </a:solidFill>
+              <a:uFill>
+                <a:solidFill>
+                  <a:srgbClr val="FFFFFF"/>
                 </a:solidFill>
               </a:uFill>
               <a:latin typeface="Calibri"/>
@@ -1185,15 +1333,16 @@
           </a:prstGeom>
         </p:spPr>
         <p:txBody>
-          <a:bodyPr lIns="0" rIns="0" tIns="0" bIns="0"/>
-          <a:p>
-            <a:endParaRPr b="0" lang="en-US" sz="2400" spc="-1" strike="noStrike">
-              <a:solidFill>
-                <a:srgbClr val="000000"/>
-              </a:solidFill>
-              <a:uFill>
-                <a:solidFill>
-                  <a:srgbClr val="ffffff"/>
+          <a:bodyPr lIns="0" tIns="0" rIns="0" bIns="0"/>
+          <a:lstStyle/>
+          <a:p>
+            <a:endParaRPr lang="en-US" sz="2400" b="0" strike="noStrike" spc="-1">
+              <a:solidFill>
+                <a:srgbClr val="000000"/>
+              </a:solidFill>
+              <a:uFill>
+                <a:solidFill>
+                  <a:srgbClr val="FFFFFF"/>
                 </a:solidFill>
               </a:uFill>
               <a:latin typeface="Calibri"/>
@@ -1221,15 +1370,16 @@
           </a:prstGeom>
         </p:spPr>
         <p:txBody>
-          <a:bodyPr lIns="0" rIns="0" tIns="0" bIns="0"/>
-          <a:p>
-            <a:endParaRPr b="0" lang="en-US" sz="2400" spc="-1" strike="noStrike">
-              <a:solidFill>
-                <a:srgbClr val="000000"/>
-              </a:solidFill>
-              <a:uFill>
-                <a:solidFill>
-                  <a:srgbClr val="ffffff"/>
+          <a:bodyPr lIns="0" tIns="0" rIns="0" bIns="0"/>
+          <a:lstStyle/>
+          <a:p>
+            <a:endParaRPr lang="en-US" sz="2400" b="0" strike="noStrike" spc="-1">
+              <a:solidFill>
+                <a:srgbClr val="000000"/>
+              </a:solidFill>
+              <a:uFill>
+                <a:solidFill>
+                  <a:srgbClr val="FFFFFF"/>
                 </a:solidFill>
               </a:uFill>
               <a:latin typeface="Calibri"/>
@@ -1239,11 +1389,14 @@
       </p:sp>
     </p:spTree>
   </p:cSld>
+  <p:clrMapOvr>
+    <a:masterClrMapping/>
+  </p:clrMapOvr>
 </p:sldLayout>
 </file>
 
 <file path=ppt/slideLayouts/slideLayout8.xml><?xml version="1.0" encoding="utf-8"?>
-<p:sldLayout xmlns:a="http://schemas.openxmlformats.org/drawingml/2006/main" xmlns:p="http://schemas.openxmlformats.org/presentationml/2006/main" xmlns:r="http://schemas.openxmlformats.org/officeDocument/2006/relationships" xmlns:p14="http://schemas.microsoft.com/office/powerpoint/2010/main" xmlns:p15="http://schemas.microsoft.com/office/powerpoint/2012/main" xmlns:mc="http://schemas.openxmlformats.org/markup-compatibility/2006" type="objAndTwoObj" preserve="1">
+<p:sldLayout xmlns:a="http://schemas.openxmlformats.org/drawingml/2006/main" xmlns:r="http://schemas.openxmlformats.org/officeDocument/2006/relationships" xmlns:p="http://schemas.openxmlformats.org/presentationml/2006/main" type="objAndTwoObj" preserve="1">
   <p:cSld name="Title Content and 2 Content">
     <p:spTree>
       <p:nvGrpSpPr>
@@ -1279,15 +1432,16 @@
           </a:prstGeom>
         </p:spPr>
         <p:txBody>
-          <a:bodyPr lIns="0" rIns="0" tIns="0" bIns="0" anchor="ctr"/>
-          <a:p>
-            <a:endParaRPr b="0" lang="en-US" sz="1300" spc="-1" strike="noStrike">
-              <a:solidFill>
-                <a:srgbClr val="000000"/>
-              </a:solidFill>
-              <a:uFill>
-                <a:solidFill>
-                  <a:srgbClr val="ffffff"/>
+          <a:bodyPr lIns="0" tIns="0" rIns="0" bIns="0" anchor="ctr"/>
+          <a:lstStyle/>
+          <a:p>
+            <a:endParaRPr lang="en-US" sz="1300" b="0" strike="noStrike" spc="-1">
+              <a:solidFill>
+                <a:srgbClr val="000000"/>
+              </a:solidFill>
+              <a:uFill>
+                <a:solidFill>
+                  <a:srgbClr val="FFFFFF"/>
                 </a:solidFill>
               </a:uFill>
               <a:latin typeface="Calibri"/>
@@ -1315,15 +1469,16 @@
           </a:prstGeom>
         </p:spPr>
         <p:txBody>
-          <a:bodyPr lIns="0" rIns="0" tIns="0" bIns="0"/>
-          <a:p>
-            <a:endParaRPr b="0" lang="en-US" sz="2400" spc="-1" strike="noStrike">
-              <a:solidFill>
-                <a:srgbClr val="000000"/>
-              </a:solidFill>
-              <a:uFill>
-                <a:solidFill>
-                  <a:srgbClr val="ffffff"/>
+          <a:bodyPr lIns="0" tIns="0" rIns="0" bIns="0"/>
+          <a:lstStyle/>
+          <a:p>
+            <a:endParaRPr lang="en-US" sz="2400" b="0" strike="noStrike" spc="-1">
+              <a:solidFill>
+                <a:srgbClr val="000000"/>
+              </a:solidFill>
+              <a:uFill>
+                <a:solidFill>
+                  <a:srgbClr val="FFFFFF"/>
                 </a:solidFill>
               </a:uFill>
               <a:latin typeface="Calibri"/>
@@ -1351,15 +1506,16 @@
           </a:prstGeom>
         </p:spPr>
         <p:txBody>
-          <a:bodyPr lIns="0" rIns="0" tIns="0" bIns="0"/>
-          <a:p>
-            <a:endParaRPr b="0" lang="en-US" sz="2400" spc="-1" strike="noStrike">
-              <a:solidFill>
-                <a:srgbClr val="000000"/>
-              </a:solidFill>
-              <a:uFill>
-                <a:solidFill>
-                  <a:srgbClr val="ffffff"/>
+          <a:bodyPr lIns="0" tIns="0" rIns="0" bIns="0"/>
+          <a:lstStyle/>
+          <a:p>
+            <a:endParaRPr lang="en-US" sz="2400" b="0" strike="noStrike" spc="-1">
+              <a:solidFill>
+                <a:srgbClr val="000000"/>
+              </a:solidFill>
+              <a:uFill>
+                <a:solidFill>
+                  <a:srgbClr val="FFFFFF"/>
                 </a:solidFill>
               </a:uFill>
               <a:latin typeface="Calibri"/>
@@ -1387,15 +1543,16 @@
           </a:prstGeom>
         </p:spPr>
         <p:txBody>
-          <a:bodyPr lIns="0" rIns="0" tIns="0" bIns="0"/>
-          <a:p>
-            <a:endParaRPr b="0" lang="en-US" sz="2400" spc="-1" strike="noStrike">
-              <a:solidFill>
-                <a:srgbClr val="000000"/>
-              </a:solidFill>
-              <a:uFill>
-                <a:solidFill>
-                  <a:srgbClr val="ffffff"/>
+          <a:bodyPr lIns="0" tIns="0" rIns="0" bIns="0"/>
+          <a:lstStyle/>
+          <a:p>
+            <a:endParaRPr lang="en-US" sz="2400" b="0" strike="noStrike" spc="-1">
+              <a:solidFill>
+                <a:srgbClr val="000000"/>
+              </a:solidFill>
+              <a:uFill>
+                <a:solidFill>
+                  <a:srgbClr val="FFFFFF"/>
                 </a:solidFill>
               </a:uFill>
               <a:latin typeface="Calibri"/>
@@ -1405,11 +1562,14 @@
       </p:sp>
     </p:spTree>
   </p:cSld>
+  <p:clrMapOvr>
+    <a:masterClrMapping/>
+  </p:clrMapOvr>
 </p:sldLayout>
 </file>
 
 <file path=ppt/slideLayouts/slideLayout9.xml><?xml version="1.0" encoding="utf-8"?>
-<p:sldLayout xmlns:a="http://schemas.openxmlformats.org/drawingml/2006/main" xmlns:p="http://schemas.openxmlformats.org/presentationml/2006/main" xmlns:r="http://schemas.openxmlformats.org/officeDocument/2006/relationships" xmlns:p14="http://schemas.microsoft.com/office/powerpoint/2010/main" xmlns:p15="http://schemas.microsoft.com/office/powerpoint/2012/main" xmlns:mc="http://schemas.openxmlformats.org/markup-compatibility/2006" type="twoObjOverTx" preserve="1">
+<p:sldLayout xmlns:a="http://schemas.openxmlformats.org/drawingml/2006/main" xmlns:r="http://schemas.openxmlformats.org/officeDocument/2006/relationships" xmlns:p="http://schemas.openxmlformats.org/presentationml/2006/main" type="twoObjOverTx" preserve="1">
   <p:cSld name="Title, 2 Content over Content">
     <p:spTree>
       <p:nvGrpSpPr>
@@ -1445,15 +1605,16 @@
           </a:prstGeom>
         </p:spPr>
         <p:txBody>
-          <a:bodyPr lIns="0" rIns="0" tIns="0" bIns="0" anchor="ctr"/>
-          <a:p>
-            <a:endParaRPr b="0" lang="en-US" sz="1300" spc="-1" strike="noStrike">
-              <a:solidFill>
-                <a:srgbClr val="000000"/>
-              </a:solidFill>
-              <a:uFill>
-                <a:solidFill>
-                  <a:srgbClr val="ffffff"/>
+          <a:bodyPr lIns="0" tIns="0" rIns="0" bIns="0" anchor="ctr"/>
+          <a:lstStyle/>
+          <a:p>
+            <a:endParaRPr lang="en-US" sz="1300" b="0" strike="noStrike" spc="-1">
+              <a:solidFill>
+                <a:srgbClr val="000000"/>
+              </a:solidFill>
+              <a:uFill>
+                <a:solidFill>
+                  <a:srgbClr val="FFFFFF"/>
                 </a:solidFill>
               </a:uFill>
               <a:latin typeface="Calibri"/>
@@ -1481,15 +1642,16 @@
           </a:prstGeom>
         </p:spPr>
         <p:txBody>
-          <a:bodyPr lIns="0" rIns="0" tIns="0" bIns="0"/>
-          <a:p>
-            <a:endParaRPr b="0" lang="en-US" sz="2400" spc="-1" strike="noStrike">
-              <a:solidFill>
-                <a:srgbClr val="000000"/>
-              </a:solidFill>
-              <a:uFill>
-                <a:solidFill>
-                  <a:srgbClr val="ffffff"/>
+          <a:bodyPr lIns="0" tIns="0" rIns="0" bIns="0"/>
+          <a:lstStyle/>
+          <a:p>
+            <a:endParaRPr lang="en-US" sz="2400" b="0" strike="noStrike" spc="-1">
+              <a:solidFill>
+                <a:srgbClr val="000000"/>
+              </a:solidFill>
+              <a:uFill>
+                <a:solidFill>
+                  <a:srgbClr val="FFFFFF"/>
                 </a:solidFill>
               </a:uFill>
               <a:latin typeface="Calibri"/>
@@ -1517,15 +1679,16 @@
           </a:prstGeom>
         </p:spPr>
         <p:txBody>
-          <a:bodyPr lIns="0" rIns="0" tIns="0" bIns="0"/>
-          <a:p>
-            <a:endParaRPr b="0" lang="en-US" sz="2400" spc="-1" strike="noStrike">
-              <a:solidFill>
-                <a:srgbClr val="000000"/>
-              </a:solidFill>
-              <a:uFill>
-                <a:solidFill>
-                  <a:srgbClr val="ffffff"/>
+          <a:bodyPr lIns="0" tIns="0" rIns="0" bIns="0"/>
+          <a:lstStyle/>
+          <a:p>
+            <a:endParaRPr lang="en-US" sz="2400" b="0" strike="noStrike" spc="-1">
+              <a:solidFill>
+                <a:srgbClr val="000000"/>
+              </a:solidFill>
+              <a:uFill>
+                <a:solidFill>
+                  <a:srgbClr val="FFFFFF"/>
                 </a:solidFill>
               </a:uFill>
               <a:latin typeface="Calibri"/>
@@ -1553,15 +1716,16 @@
           </a:prstGeom>
         </p:spPr>
         <p:txBody>
-          <a:bodyPr lIns="0" rIns="0" tIns="0" bIns="0"/>
-          <a:p>
-            <a:endParaRPr b="0" lang="en-US" sz="2400" spc="-1" strike="noStrike">
-              <a:solidFill>
-                <a:srgbClr val="000000"/>
-              </a:solidFill>
-              <a:uFill>
-                <a:solidFill>
-                  <a:srgbClr val="ffffff"/>
+          <a:bodyPr lIns="0" tIns="0" rIns="0" bIns="0"/>
+          <a:lstStyle/>
+          <a:p>
+            <a:endParaRPr lang="en-US" sz="2400" b="0" strike="noStrike" spc="-1">
+              <a:solidFill>
+                <a:srgbClr val="000000"/>
+              </a:solidFill>
+              <a:uFill>
+                <a:solidFill>
+                  <a:srgbClr val="FFFFFF"/>
                 </a:solidFill>
               </a:uFill>
               <a:latin typeface="Calibri"/>
@@ -1571,17 +1735,21 @@
       </p:sp>
     </p:spTree>
   </p:cSld>
+  <p:clrMapOvr>
+    <a:masterClrMapping/>
+  </p:clrMapOvr>
 </p:sldLayout>
 </file>
 
 <file path=ppt/slideMasters/slideMaster1.xml><?xml version="1.0" encoding="utf-8"?>
-<p:sldMaster xmlns:a="http://schemas.openxmlformats.org/drawingml/2006/main" xmlns:p="http://schemas.openxmlformats.org/presentationml/2006/main" xmlns:r="http://schemas.openxmlformats.org/officeDocument/2006/relationships" xmlns:p14="http://schemas.microsoft.com/office/powerpoint/2010/main" xmlns:p15="http://schemas.microsoft.com/office/powerpoint/2012/main" xmlns:mc="http://schemas.openxmlformats.org/markup-compatibility/2006">
+<p:sldMaster xmlns:a="http://schemas.openxmlformats.org/drawingml/2006/main" xmlns:r="http://schemas.openxmlformats.org/officeDocument/2006/relationships" xmlns:p="http://schemas.openxmlformats.org/presentationml/2006/main">
   <p:cSld>
     <p:bg>
       <p:bgPr>
         <a:solidFill>
-          <a:srgbClr val="ffffff"/>
+          <a:srgbClr val="FFFFFF"/>
         </a:solidFill>
+        <a:effectLst/>
       </p:bgPr>
     </p:bg>
     <p:spTree>
@@ -1600,7 +1768,7 @@
       </p:grpSpPr>
       <p:sp>
         <p:nvSpPr>
-          <p:cNvPr id="0" name="PlaceHolder 1"/>
+          <p:cNvPr id="4" name="PlaceHolder 1"/>
           <p:cNvSpPr>
             <a:spLocks noGrp="1"/>
           </p:cNvSpPr>
@@ -1618,7 +1786,8 @@
           </a:prstGeom>
         </p:spPr>
         <p:txBody>
-          <a:bodyPr lIns="68040" rIns="68040" tIns="33840" bIns="33840" anchor="ctr"/>
+          <a:bodyPr lIns="68040" tIns="33840" rIns="68040" bIns="33840" anchor="ctr"/>
+          <a:lstStyle/>
           <a:p>
             <a:pPr algn="ctr">
               <a:lnSpc>
@@ -1626,36 +1795,25 @@
               </a:lnSpc>
             </a:pPr>
             <a:r>
-              <a:rPr b="0" lang="en-US" sz="3300" spc="-1" strike="noStrike">
+              <a:rPr lang="en-US" sz="3300" b="0" strike="noStrike" spc="-1">
                 <a:solidFill>
                   <a:srgbClr val="000000"/>
                 </a:solidFill>
                 <a:uFill>
                   <a:solidFill>
-                    <a:srgbClr val="ffffff"/>
+                    <a:srgbClr val="FFFFFF"/>
                   </a:solidFill>
                 </a:uFill>
                 <a:latin typeface="Calibri"/>
               </a:rPr>
               <a:t>Click to edit Master title style</a:t>
             </a:r>
-            <a:endParaRPr b="0" lang="en-US" sz="3300" spc="-1" strike="noStrike">
-              <a:solidFill>
-                <a:srgbClr val="000000"/>
-              </a:solidFill>
-              <a:uFill>
-                <a:solidFill>
-                  <a:srgbClr val="ffffff"/>
-                </a:solidFill>
-              </a:uFill>
-              <a:latin typeface="Calibri"/>
-            </a:endParaRPr>
-          </a:p>
-        </p:txBody>
-      </p:sp>
-      <p:sp>
-        <p:nvSpPr>
-          <p:cNvPr id="1" name="PlaceHolder 2"/>
+          </a:p>
+        </p:txBody>
+      </p:sp>
+      <p:sp>
+        <p:nvSpPr>
+          <p:cNvPr id="5" name="PlaceHolder 2"/>
           <p:cNvSpPr>
             <a:spLocks noGrp="1"/>
           </p:cNvSpPr>
@@ -1673,7 +1831,8 @@
           </a:prstGeom>
         </p:spPr>
         <p:txBody>
-          <a:bodyPr lIns="68040" rIns="68040" tIns="33840" bIns="33840" anchor="ctr"/>
+          <a:bodyPr lIns="68040" tIns="33840" rIns="68040" bIns="33840" anchor="ctr"/>
+          <a:lstStyle/>
           <a:p>
             <a:pPr>
               <a:lnSpc>
@@ -1681,26 +1840,26 @@
               </a:lnSpc>
             </a:pPr>
             <a:fld id="{1A745EB0-F297-4D4B-B01F-D11F007E15BF}" type="datetime">
-              <a:rPr b="0" lang="en-US" sz="900" spc="-1" strike="noStrike">
-                <a:solidFill>
-                  <a:srgbClr val="8b8b8b"/>
+              <a:rPr lang="en-US" sz="900" b="0" strike="noStrike" spc="-1">
+                <a:solidFill>
+                  <a:srgbClr val="8B8B8B"/>
                 </a:solidFill>
                 <a:uFill>
                   <a:solidFill>
-                    <a:srgbClr val="ffffff"/>
+                    <a:srgbClr val="FFFFFF"/>
                   </a:solidFill>
                 </a:uFill>
                 <a:latin typeface="Calibri"/>
               </a:rPr>
-              <a:t>7/11/17</a:t>
+              <a:t>8/12/2017</a:t>
             </a:fld>
-            <a:endParaRPr b="0" lang="en-US" sz="1400" spc="-1" strike="noStrike">
-              <a:solidFill>
-                <a:srgbClr val="000000"/>
-              </a:solidFill>
-              <a:uFill>
-                <a:solidFill>
-                  <a:srgbClr val="ffffff"/>
+            <a:endParaRPr lang="en-US" sz="1400" b="0" strike="noStrike" spc="-1">
+              <a:solidFill>
+                <a:srgbClr val="000000"/>
+              </a:solidFill>
+              <a:uFill>
+                <a:solidFill>
+                  <a:srgbClr val="FFFFFF"/>
                 </a:solidFill>
               </a:uFill>
               <a:latin typeface="Times New Roman"/>
@@ -1728,15 +1887,16 @@
           </a:prstGeom>
         </p:spPr>
         <p:txBody>
-          <a:bodyPr lIns="68040" rIns="68040" tIns="33840" bIns="33840" anchor="ctr"/>
-          <a:p>
-            <a:endParaRPr b="0" lang="en-US" sz="2400" spc="-1" strike="noStrike">
-              <a:solidFill>
-                <a:srgbClr val="000000"/>
-              </a:solidFill>
-              <a:uFill>
-                <a:solidFill>
-                  <a:srgbClr val="ffffff"/>
+          <a:bodyPr lIns="68040" tIns="33840" rIns="68040" bIns="33840" anchor="ctr"/>
+          <a:lstStyle/>
+          <a:p>
+            <a:endParaRPr lang="en-US" sz="2400" b="0" strike="noStrike" spc="-1">
+              <a:solidFill>
+                <a:srgbClr val="000000"/>
+              </a:solidFill>
+              <a:uFill>
+                <a:solidFill>
+                  <a:srgbClr val="FFFFFF"/>
                 </a:solidFill>
               </a:uFill>
               <a:latin typeface="Times New Roman"/>
@@ -1764,7 +1924,8 @@
           </a:prstGeom>
         </p:spPr>
         <p:txBody>
-          <a:bodyPr lIns="68040" rIns="68040" tIns="33840" bIns="33840" anchor="ctr"/>
+          <a:bodyPr lIns="68040" tIns="33840" rIns="68040" bIns="33840" anchor="ctr"/>
+          <a:lstStyle/>
           <a:p>
             <a:pPr algn="r">
               <a:lnSpc>
@@ -1772,26 +1933,26 @@
               </a:lnSpc>
             </a:pPr>
             <a:fld id="{FEFD0B67-C703-4842-B8D5-7AB330BDF937}" type="slidenum">
-              <a:rPr b="0" lang="en-US" sz="900" spc="-1" strike="noStrike">
-                <a:solidFill>
-                  <a:srgbClr val="8b8b8b"/>
+              <a:rPr lang="en-US" sz="900" b="0" strike="noStrike" spc="-1">
+                <a:solidFill>
+                  <a:srgbClr val="8B8B8B"/>
                 </a:solidFill>
                 <a:uFill>
                   <a:solidFill>
-                    <a:srgbClr val="ffffff"/>
+                    <a:srgbClr val="FFFFFF"/>
                   </a:solidFill>
                 </a:uFill>
                 <a:latin typeface="Calibri"/>
               </a:rPr>
-              <a:t>&lt;number&gt;</a:t>
+              <a:t>‹#›</a:t>
             </a:fld>
-            <a:endParaRPr b="0" lang="en-US" sz="1400" spc="-1" strike="noStrike">
-              <a:solidFill>
-                <a:srgbClr val="000000"/>
-              </a:solidFill>
-              <a:uFill>
-                <a:solidFill>
-                  <a:srgbClr val="ffffff"/>
+            <a:endParaRPr lang="en-US" sz="1400" b="0" strike="noStrike" spc="-1">
+              <a:solidFill>
+                <a:srgbClr val="000000"/>
+              </a:solidFill>
+              <a:uFill>
+                <a:solidFill>
+                  <a:srgbClr val="FFFFFF"/>
                 </a:solidFill>
               </a:uFill>
               <a:latin typeface="Times New Roman"/>
@@ -1801,26 +1962,31 @@
       </p:sp>
     </p:spTree>
   </p:cSld>
-  <p:clrMap bg1="lt1" bg2="lt2" tx1="dk1" tx2="dk2" accent1="accent1" accent2="accent2" accent3="accent3" accent4="accent4" accent5="accent5" accent6="accent6" hlink="hlink" folHlink="folHlink"/>
+  <p:clrMap bg1="lt1" tx1="dk1" bg2="lt2" tx2="dk2" accent1="accent1" accent2="accent2" accent3="accent3" accent4="accent4" accent5="accent5" accent6="accent6" hlink="hlink" folHlink="folHlink"/>
   <p:sldLayoutIdLst>
-    <p:sldLayoutId id="2147483649" r:id="rId2"/>
-    <p:sldLayoutId id="2147483650" r:id="rId3"/>
-    <p:sldLayoutId id="2147483651" r:id="rId4"/>
-    <p:sldLayoutId id="2147483652" r:id="rId5"/>
-    <p:sldLayoutId id="2147483653" r:id="rId6"/>
-    <p:sldLayoutId id="2147483654" r:id="rId7"/>
-    <p:sldLayoutId id="2147483655" r:id="rId8"/>
-    <p:sldLayoutId id="2147483656" r:id="rId9"/>
-    <p:sldLayoutId id="2147483657" r:id="rId10"/>
-    <p:sldLayoutId id="2147483658" r:id="rId11"/>
-    <p:sldLayoutId id="2147483659" r:id="rId12"/>
-    <p:sldLayoutId id="2147483660" r:id="rId13"/>
+    <p:sldLayoutId id="2147483649" r:id="rId1"/>
+    <p:sldLayoutId id="2147483650" r:id="rId2"/>
+    <p:sldLayoutId id="2147483651" r:id="rId3"/>
+    <p:sldLayoutId id="2147483652" r:id="rId4"/>
+    <p:sldLayoutId id="2147483653" r:id="rId5"/>
+    <p:sldLayoutId id="2147483654" r:id="rId6"/>
+    <p:sldLayoutId id="2147483655" r:id="rId7"/>
+    <p:sldLayoutId id="2147483656" r:id="rId8"/>
+    <p:sldLayoutId id="2147483657" r:id="rId9"/>
+    <p:sldLayoutId id="2147483658" r:id="rId10"/>
+    <p:sldLayoutId id="2147483659" r:id="rId11"/>
+    <p:sldLayoutId id="2147483660" r:id="rId12"/>
   </p:sldLayoutIdLst>
+  <p:txStyles>
+    <p:titleStyle/>
+    <p:bodyStyle/>
+    <p:otherStyle/>
+  </p:txStyles>
 </p:sldMaster>
 </file>
 
 <file path=ppt/slides/slide1.xml><?xml version="1.0" encoding="utf-8"?>
-<p:sld xmlns:a="http://schemas.openxmlformats.org/drawingml/2006/main" xmlns:p="http://schemas.openxmlformats.org/presentationml/2006/main" xmlns:r="http://schemas.openxmlformats.org/officeDocument/2006/relationships" xmlns:p14="http://schemas.microsoft.com/office/powerpoint/2010/main" xmlns:p15="http://schemas.microsoft.com/office/powerpoint/2012/main" xmlns:mc="http://schemas.openxmlformats.org/markup-compatibility/2006">
+<p:sld xmlns:a="http://schemas.openxmlformats.org/drawingml/2006/main" xmlns:r="http://schemas.openxmlformats.org/officeDocument/2006/relationships" xmlns:p="http://schemas.openxmlformats.org/presentationml/2006/main">
   <p:cSld>
     <p:spTree>
       <p:nvGrpSpPr>
@@ -1856,13 +2022,20 @@
           </a:ln>
         </p:spPr>
         <p:style>
-          <a:lnRef idx="0"/>
-          <a:fillRef idx="0"/>
-          <a:effectRef idx="0"/>
-          <a:fontRef idx="minor"/>
-        </p:style>
-        <p:txBody>
-          <a:bodyPr wrap="none" lIns="90000" rIns="90000" tIns="45000" bIns="45000"/>
+          <a:lnRef idx="0">
+            <a:scrgbClr r="0" g="0" b="0"/>
+          </a:lnRef>
+          <a:fillRef idx="0">
+            <a:scrgbClr r="0" g="0" b="0"/>
+          </a:fillRef>
+          <a:effectRef idx="0">
+            <a:scrgbClr r="0" g="0" b="0"/>
+          </a:effectRef>
+          <a:fontRef idx="minor"/>
+        </p:style>
+        <p:txBody>
+          <a:bodyPr wrap="none" lIns="90000" tIns="45000" rIns="90000" bIns="45000"/>
+          <a:lstStyle/>
           <a:p>
             <a:pPr>
               <a:lnSpc>
@@ -1870,26 +2043,26 @@
               </a:lnSpc>
             </a:pPr>
             <a:r>
-              <a:rPr b="0" lang="en-US" sz="2000" spc="-1" strike="noStrike">
+              <a:rPr lang="en-US" sz="2000" b="0" strike="noStrike" spc="-1" dirty="0">
                 <a:solidFill>
                   <a:srgbClr val="000000"/>
                 </a:solidFill>
                 <a:uFill>
                   <a:solidFill>
-                    <a:srgbClr val="ffffff"/>
+                    <a:srgbClr val="FFFFFF"/>
                   </a:solidFill>
                 </a:uFill>
                 <a:latin typeface="Calibri"/>
               </a:rPr>
               <a:t>(a) Symmetric Bandwidth Assignment</a:t>
             </a:r>
-            <a:endParaRPr b="0" lang="en-US" sz="1800" spc="-1" strike="noStrike">
-              <a:solidFill>
-                <a:srgbClr val="000000"/>
-              </a:solidFill>
-              <a:uFill>
-                <a:solidFill>
-                  <a:srgbClr val="ffffff"/>
+            <a:endParaRPr lang="en-US" sz="1800" b="0" strike="noStrike" spc="-1" dirty="0">
+              <a:solidFill>
+                <a:srgbClr val="000000"/>
+              </a:solidFill>
+              <a:uFill>
+                <a:solidFill>
+                  <a:srgbClr val="FFFFFF"/>
                 </a:solidFill>
               </a:uFill>
               <a:latin typeface="Arial"/>
@@ -1917,13 +2090,20 @@
           </a:ln>
         </p:spPr>
         <p:style>
-          <a:lnRef idx="0"/>
-          <a:fillRef idx="0"/>
-          <a:effectRef idx="0"/>
-          <a:fontRef idx="minor"/>
-        </p:style>
-        <p:txBody>
-          <a:bodyPr wrap="none" lIns="90000" rIns="90000" tIns="45000" bIns="45000"/>
+          <a:lnRef idx="0">
+            <a:scrgbClr r="0" g="0" b="0"/>
+          </a:lnRef>
+          <a:fillRef idx="0">
+            <a:scrgbClr r="0" g="0" b="0"/>
+          </a:fillRef>
+          <a:effectRef idx="0">
+            <a:scrgbClr r="0" g="0" b="0"/>
+          </a:effectRef>
+          <a:fontRef idx="minor"/>
+        </p:style>
+        <p:txBody>
+          <a:bodyPr wrap="none" lIns="90000" tIns="45000" rIns="90000" bIns="45000"/>
+          <a:lstStyle/>
           <a:p>
             <a:pPr>
               <a:lnSpc>
@@ -1931,26 +2111,26 @@
               </a:lnSpc>
             </a:pPr>
             <a:r>
-              <a:rPr b="0" lang="en-US" sz="2000" spc="-1" strike="noStrike">
+              <a:rPr lang="en-US" sz="2000" b="0" strike="noStrike" spc="-1">
                 <a:solidFill>
                   <a:srgbClr val="000000"/>
                 </a:solidFill>
                 <a:uFill>
                   <a:solidFill>
-                    <a:srgbClr val="ffffff"/>
+                    <a:srgbClr val="FFFFFF"/>
                   </a:solidFill>
                 </a:uFill>
                 <a:latin typeface="Calibri"/>
               </a:rPr>
               <a:t>(b) Asymmetric Bandwidth Assignment</a:t>
             </a:r>
-            <a:endParaRPr b="0" lang="en-US" sz="1800" spc="-1" strike="noStrike">
-              <a:solidFill>
-                <a:srgbClr val="000000"/>
-              </a:solidFill>
-              <a:uFill>
-                <a:solidFill>
-                  <a:srgbClr val="ffffff"/>
+            <a:endParaRPr lang="en-US" sz="1800" b="0" strike="noStrike" spc="-1">
+              <a:solidFill>
+                <a:srgbClr val="000000"/>
+              </a:solidFill>
+              <a:uFill>
+                <a:solidFill>
+                  <a:srgbClr val="FFFFFF"/>
                 </a:solidFill>
               </a:uFill>
               <a:latin typeface="Arial"/>
@@ -1960,13 +2140,445 @@
       </p:sp>
       <p:sp>
         <p:nvSpPr>
-          <p:cNvPr id="42" name="CustomShape 3"/>
-          <p:cNvSpPr/>
-          <p:nvPr/>
-        </p:nvSpPr>
-        <p:spPr>
-          <a:xfrm>
-            <a:off x="342720" y="523800"/>
+          <p:cNvPr id="43" name="CustomShape 4"/>
+          <p:cNvSpPr/>
+          <p:nvPr/>
+        </p:nvSpPr>
+        <p:spPr>
+          <a:xfrm>
+            <a:off x="1485720" y="658976"/>
+            <a:ext cx="1676160" cy="360"/>
+          </a:xfrm>
+          <a:custGeom>
+            <a:avLst/>
+            <a:gdLst/>
+            <a:ahLst/>
+            <a:cxnLst/>
+            <a:rect l="l" t="t" r="r" b="b"/>
+            <a:pathLst>
+              <a:path w="21600" h="21600">
+                <a:moveTo>
+                  <a:pt x="0" y="0"/>
+                </a:moveTo>
+                <a:lnTo>
+                  <a:pt x="21600" y="21600"/>
+                </a:lnTo>
+              </a:path>
+            </a:pathLst>
+          </a:custGeom>
+          <a:noFill/>
+          <a:ln w="44450">
+            <a:solidFill>
+              <a:srgbClr val="00B050"/>
+            </a:solidFill>
+            <a:round/>
+            <a:tailEnd type="triangle" w="sm" len="med"/>
+          </a:ln>
+        </p:spPr>
+        <p:style>
+          <a:lnRef idx="1">
+            <a:schemeClr val="accent1"/>
+          </a:lnRef>
+          <a:fillRef idx="0">
+            <a:schemeClr val="accent1"/>
+          </a:fillRef>
+          <a:effectRef idx="0">
+            <a:schemeClr val="accent1"/>
+          </a:effectRef>
+          <a:fontRef idx="minor"/>
+        </p:style>
+      </p:sp>
+      <p:sp>
+        <p:nvSpPr>
+          <p:cNvPr id="52" name="CustomShape 13"/>
+          <p:cNvSpPr/>
+          <p:nvPr/>
+        </p:nvSpPr>
+        <p:spPr>
+          <a:xfrm>
+            <a:off x="4533840" y="599760"/>
+            <a:ext cx="151920" cy="599760"/>
+          </a:xfrm>
+          <a:prstGeom prst="rightBrace">
+            <a:avLst>
+              <a:gd name="adj1" fmla="val 8333"/>
+              <a:gd name="adj2" fmla="val 50000"/>
+            </a:avLst>
+          </a:prstGeom>
+          <a:noFill/>
+          <a:ln w="25560">
+            <a:solidFill>
+              <a:schemeClr val="tx1"/>
+            </a:solidFill>
+            <a:round/>
+          </a:ln>
+        </p:spPr>
+        <p:style>
+          <a:lnRef idx="1">
+            <a:schemeClr val="accent1"/>
+          </a:lnRef>
+          <a:fillRef idx="0">
+            <a:schemeClr val="accent1"/>
+          </a:fillRef>
+          <a:effectRef idx="0">
+            <a:schemeClr val="accent1"/>
+          </a:effectRef>
+          <a:fontRef idx="minor"/>
+        </p:style>
+      </p:sp>
+      <p:sp>
+        <p:nvSpPr>
+          <p:cNvPr id="53" name="CustomShape 14"/>
+          <p:cNvSpPr/>
+          <p:nvPr/>
+        </p:nvSpPr>
+        <p:spPr>
+          <a:xfrm>
+            <a:off x="4533840" y="1247400"/>
+            <a:ext cx="151920" cy="599760"/>
+          </a:xfrm>
+          <a:prstGeom prst="rightBrace">
+            <a:avLst>
+              <a:gd name="adj1" fmla="val 8333"/>
+              <a:gd name="adj2" fmla="val 50000"/>
+            </a:avLst>
+          </a:prstGeom>
+          <a:noFill/>
+          <a:ln w="25560">
+            <a:solidFill>
+              <a:schemeClr val="tx1"/>
+            </a:solidFill>
+            <a:round/>
+          </a:ln>
+        </p:spPr>
+        <p:style>
+          <a:lnRef idx="1">
+            <a:schemeClr val="accent1"/>
+          </a:lnRef>
+          <a:fillRef idx="0">
+            <a:schemeClr val="accent1"/>
+          </a:fillRef>
+          <a:effectRef idx="0">
+            <a:schemeClr val="accent1"/>
+          </a:effectRef>
+          <a:fontRef idx="minor"/>
+        </p:style>
+      </p:sp>
+      <p:sp>
+        <p:nvSpPr>
+          <p:cNvPr id="54" name="CustomShape 15"/>
+          <p:cNvSpPr/>
+          <p:nvPr/>
+        </p:nvSpPr>
+        <p:spPr>
+          <a:xfrm>
+            <a:off x="5339160" y="715320"/>
+            <a:ext cx="1433880" cy="364680"/>
+          </a:xfrm>
+          <a:prstGeom prst="rect">
+            <a:avLst/>
+          </a:prstGeom>
+          <a:noFill/>
+          <a:ln>
+            <a:noFill/>
+          </a:ln>
+        </p:spPr>
+        <p:style>
+          <a:lnRef idx="0">
+            <a:scrgbClr r="0" g="0" b="0"/>
+          </a:lnRef>
+          <a:fillRef idx="0">
+            <a:scrgbClr r="0" g="0" b="0"/>
+          </a:fillRef>
+          <a:effectRef idx="0">
+            <a:scrgbClr r="0" g="0" b="0"/>
+          </a:effectRef>
+          <a:fontRef idx="minor"/>
+        </p:style>
+        <p:txBody>
+          <a:bodyPr wrap="none" lIns="90000" tIns="45000" rIns="90000" bIns="45000"/>
+          <a:lstStyle/>
+          <a:p>
+            <a:pPr>
+              <a:lnSpc>
+                <a:spcPct val="100000"/>
+              </a:lnSpc>
+            </a:pPr>
+            <a:r>
+              <a:rPr lang="en-US" sz="1800" b="0" strike="noStrike" spc="-1">
+                <a:solidFill>
+                  <a:srgbClr val="000000"/>
+                </a:solidFill>
+                <a:uFill>
+                  <a:solidFill>
+                    <a:srgbClr val="FFFFFF"/>
+                  </a:solidFill>
+                </a:uFill>
+                <a:latin typeface="Calibri"/>
+              </a:rPr>
+              <a:t>32 of 64 GB/s</a:t>
+            </a:r>
+            <a:endParaRPr lang="en-US" sz="1800" b="0" strike="noStrike" spc="-1">
+              <a:solidFill>
+                <a:srgbClr val="000000"/>
+              </a:solidFill>
+              <a:uFill>
+                <a:solidFill>
+                  <a:srgbClr val="FFFFFF"/>
+                </a:solidFill>
+              </a:uFill>
+              <a:latin typeface="Arial"/>
+            </a:endParaRPr>
+          </a:p>
+        </p:txBody>
+      </p:sp>
+      <p:sp>
+        <p:nvSpPr>
+          <p:cNvPr id="55" name="CustomShape 16"/>
+          <p:cNvSpPr/>
+          <p:nvPr/>
+        </p:nvSpPr>
+        <p:spPr>
+          <a:xfrm>
+            <a:off x="5331960" y="1084680"/>
+            <a:ext cx="1433880" cy="364680"/>
+          </a:xfrm>
+          <a:prstGeom prst="rect">
+            <a:avLst/>
+          </a:prstGeom>
+          <a:noFill/>
+          <a:ln>
+            <a:noFill/>
+          </a:ln>
+        </p:spPr>
+        <p:style>
+          <a:lnRef idx="0">
+            <a:scrgbClr r="0" g="0" b="0"/>
+          </a:lnRef>
+          <a:fillRef idx="0">
+            <a:scrgbClr r="0" g="0" b="0"/>
+          </a:fillRef>
+          <a:effectRef idx="0">
+            <a:scrgbClr r="0" g="0" b="0"/>
+          </a:effectRef>
+          <a:fontRef idx="minor"/>
+        </p:style>
+        <p:txBody>
+          <a:bodyPr wrap="none" lIns="90000" tIns="45000" rIns="90000" bIns="45000"/>
+          <a:lstStyle/>
+          <a:p>
+            <a:pPr>
+              <a:lnSpc>
+                <a:spcPct val="100000"/>
+              </a:lnSpc>
+            </a:pPr>
+            <a:r>
+              <a:rPr lang="en-US" sz="1800" b="0" strike="noStrike" spc="-1">
+                <a:solidFill>
+                  <a:srgbClr val="000000"/>
+                </a:solidFill>
+                <a:uFill>
+                  <a:solidFill>
+                    <a:srgbClr val="FFFFFF"/>
+                  </a:solidFill>
+                </a:uFill>
+                <a:latin typeface="Calibri"/>
+              </a:rPr>
+              <a:t>64 of 64 GB/s</a:t>
+            </a:r>
+            <a:endParaRPr lang="en-US" sz="1800" b="0" strike="noStrike" spc="-1">
+              <a:solidFill>
+                <a:srgbClr val="000000"/>
+              </a:solidFill>
+              <a:uFill>
+                <a:solidFill>
+                  <a:srgbClr val="FFFFFF"/>
+                </a:solidFill>
+              </a:uFill>
+              <a:latin typeface="Arial"/>
+            </a:endParaRPr>
+          </a:p>
+        </p:txBody>
+      </p:sp>
+      <p:sp>
+        <p:nvSpPr>
+          <p:cNvPr id="56" name="CustomShape 17"/>
+          <p:cNvSpPr/>
+          <p:nvPr/>
+        </p:nvSpPr>
+        <p:spPr>
+          <a:xfrm>
+            <a:off x="5868000" y="900000"/>
+            <a:ext cx="295560" cy="364680"/>
+          </a:xfrm>
+          <a:prstGeom prst="rect">
+            <a:avLst/>
+          </a:prstGeom>
+          <a:noFill/>
+          <a:ln>
+            <a:noFill/>
+          </a:ln>
+        </p:spPr>
+        <p:style>
+          <a:lnRef idx="0">
+            <a:scrgbClr r="0" g="0" b="0"/>
+          </a:lnRef>
+          <a:fillRef idx="0">
+            <a:scrgbClr r="0" g="0" b="0"/>
+          </a:fillRef>
+          <a:effectRef idx="0">
+            <a:scrgbClr r="0" g="0" b="0"/>
+          </a:effectRef>
+          <a:fontRef idx="minor"/>
+        </p:style>
+        <p:txBody>
+          <a:bodyPr wrap="none" lIns="90000" tIns="45000" rIns="90000" bIns="45000"/>
+          <a:lstStyle/>
+          <a:p>
+            <a:pPr>
+              <a:lnSpc>
+                <a:spcPct val="100000"/>
+              </a:lnSpc>
+            </a:pPr>
+            <a:r>
+              <a:rPr lang="en-US" sz="1800" b="0" strike="noStrike" spc="-1">
+                <a:solidFill>
+                  <a:srgbClr val="000000"/>
+                </a:solidFill>
+                <a:uFill>
+                  <a:solidFill>
+                    <a:srgbClr val="FFFFFF"/>
+                  </a:solidFill>
+                </a:uFill>
+                <a:latin typeface="Calibri"/>
+              </a:rPr>
+              <a:t>+</a:t>
+            </a:r>
+            <a:endParaRPr lang="en-US" sz="1800" b="0" strike="noStrike" spc="-1">
+              <a:solidFill>
+                <a:srgbClr val="000000"/>
+              </a:solidFill>
+              <a:uFill>
+                <a:solidFill>
+                  <a:srgbClr val="FFFFFF"/>
+                </a:solidFill>
+              </a:uFill>
+              <a:latin typeface="Arial"/>
+            </a:endParaRPr>
+          </a:p>
+        </p:txBody>
+      </p:sp>
+      <p:sp>
+        <p:nvSpPr>
+          <p:cNvPr id="57" name="Line 18"/>
+          <p:cNvSpPr/>
+          <p:nvPr/>
+        </p:nvSpPr>
+        <p:spPr>
+          <a:xfrm>
+            <a:off x="5324400" y="1456560"/>
+            <a:ext cx="1456920" cy="360"/>
+          </a:xfrm>
+          <a:prstGeom prst="line">
+            <a:avLst/>
+          </a:prstGeom>
+          <a:ln w="19080">
+            <a:solidFill>
+              <a:schemeClr val="tx1"/>
+            </a:solidFill>
+            <a:round/>
+          </a:ln>
+        </p:spPr>
+        <p:style>
+          <a:lnRef idx="1">
+            <a:schemeClr val="accent1"/>
+          </a:lnRef>
+          <a:fillRef idx="0">
+            <a:schemeClr val="accent1"/>
+          </a:fillRef>
+          <a:effectRef idx="0">
+            <a:schemeClr val="accent1"/>
+          </a:effectRef>
+          <a:fontRef idx="minor"/>
+        </p:style>
+      </p:sp>
+      <p:sp>
+        <p:nvSpPr>
+          <p:cNvPr id="58" name="CustomShape 19"/>
+          <p:cNvSpPr/>
+          <p:nvPr/>
+        </p:nvSpPr>
+        <p:spPr>
+          <a:xfrm>
+            <a:off x="5247360" y="1456560"/>
+            <a:ext cx="1549800" cy="364680"/>
+          </a:xfrm>
+          <a:prstGeom prst="rect">
+            <a:avLst/>
+          </a:prstGeom>
+          <a:noFill/>
+          <a:ln>
+            <a:noFill/>
+          </a:ln>
+        </p:spPr>
+        <p:style>
+          <a:lnRef idx="0">
+            <a:scrgbClr r="0" g="0" b="0"/>
+          </a:lnRef>
+          <a:fillRef idx="0">
+            <a:scrgbClr r="0" g="0" b="0"/>
+          </a:fillRef>
+          <a:effectRef idx="0">
+            <a:scrgbClr r="0" g="0" b="0"/>
+          </a:effectRef>
+          <a:fontRef idx="minor"/>
+        </p:style>
+        <p:txBody>
+          <a:bodyPr wrap="none" lIns="90000" tIns="45000" rIns="90000" bIns="45000"/>
+          <a:lstStyle/>
+          <a:p>
+            <a:pPr>
+              <a:lnSpc>
+                <a:spcPct val="100000"/>
+              </a:lnSpc>
+            </a:pPr>
+            <a:r>
+              <a:rPr lang="en-US" sz="1800" b="0" strike="noStrike" spc="-1">
+                <a:solidFill>
+                  <a:srgbClr val="000000"/>
+                </a:solidFill>
+                <a:uFill>
+                  <a:solidFill>
+                    <a:srgbClr val="FFFFFF"/>
+                  </a:solidFill>
+                </a:uFill>
+                <a:latin typeface="Calibri"/>
+              </a:rPr>
+              <a:t>96 of 128 GB/s</a:t>
+            </a:r>
+            <a:endParaRPr lang="en-US" sz="1800" b="0" strike="noStrike" spc="-1">
+              <a:solidFill>
+                <a:srgbClr val="000000"/>
+              </a:solidFill>
+              <a:uFill>
+                <a:solidFill>
+                  <a:srgbClr val="FFFFFF"/>
+                </a:solidFill>
+              </a:uFill>
+              <a:latin typeface="Arial"/>
+            </a:endParaRPr>
+          </a:p>
+        </p:txBody>
+      </p:sp>
+      <p:sp>
+        <p:nvSpPr>
+          <p:cNvPr id="59" name="CustomShape 20"/>
+          <p:cNvSpPr/>
+          <p:nvPr/>
+        </p:nvSpPr>
+        <p:spPr>
+          <a:xfrm>
+            <a:off x="342720" y="2634840"/>
             <a:ext cx="1142640" cy="1447560"/>
           </a:xfrm>
           <a:prstGeom prst="roundRect">
@@ -1978,7 +2590,7 @@
             <a:noFill/>
           </a:ln>
           <a:effectLst>
-            <a:outerShdw blurRad="40000" dir="5400000" dist="23000" rotWithShape="0">
+            <a:outerShdw blurRad="40000" dist="23000" dir="5400000" rotWithShape="0">
               <a:srgbClr val="000000">
                 <a:alpha val="35000"/>
               </a:srgbClr>
@@ -1998,7 +2610,8 @@
           <a:fontRef idx="minor"/>
         </p:style>
         <p:txBody>
-          <a:bodyPr lIns="90000" rIns="90000" tIns="45000" bIns="45000" anchor="ctr"/>
+          <a:bodyPr lIns="90000" tIns="45000" rIns="90000" bIns="45000" anchor="ctr"/>
+          <a:lstStyle/>
           <a:p>
             <a:pPr algn="ctr">
               <a:lnSpc>
@@ -2006,26 +2619,26 @@
               </a:lnSpc>
             </a:pPr>
             <a:r>
-              <a:rPr b="1" lang="en-US" sz="2000" spc="-1" strike="noStrike">
-                <a:solidFill>
-                  <a:srgbClr val="ffffff"/>
+              <a:rPr lang="en-US" sz="2000" b="1" strike="noStrike" spc="-1">
+                <a:solidFill>
+                  <a:srgbClr val="FFFFFF"/>
                 </a:solidFill>
                 <a:uFill>
                   <a:solidFill>
-                    <a:srgbClr val="ffffff"/>
+                    <a:srgbClr val="FFFFFF"/>
                   </a:solidFill>
                 </a:uFill>
                 <a:latin typeface="Calibri"/>
               </a:rPr>
               <a:t>GPU</a:t>
             </a:r>
-            <a:endParaRPr b="0" lang="en-US" sz="1800" spc="-1" strike="noStrike">
-              <a:solidFill>
-                <a:srgbClr val="000000"/>
-              </a:solidFill>
-              <a:uFill>
-                <a:solidFill>
-                  <a:srgbClr val="ffffff"/>
+            <a:endParaRPr lang="en-US" sz="1800" b="0" strike="noStrike" spc="-1">
+              <a:solidFill>
+                <a:srgbClr val="000000"/>
+              </a:solidFill>
+              <a:uFill>
+                <a:solidFill>
+                  <a:srgbClr val="FFFFFF"/>
                 </a:solidFill>
               </a:uFill>
               <a:latin typeface="Arial"/>
@@ -2035,19 +2648,504 @@
       </p:sp>
       <p:sp>
         <p:nvSpPr>
-          <p:cNvPr id="43" name="CustomShape 4"/>
-          <p:cNvSpPr/>
-          <p:nvPr/>
-        </p:nvSpPr>
-        <p:spPr>
-          <a:xfrm>
-            <a:off x="1485720" y="743040"/>
-            <a:ext cx="1676160" cy="360"/>
+          <p:cNvPr id="69" name="CustomShape 30"/>
+          <p:cNvSpPr/>
+          <p:nvPr/>
+        </p:nvSpPr>
+        <p:spPr>
+          <a:xfrm>
+            <a:off x="4533840" y="2710800"/>
+            <a:ext cx="151920" cy="599760"/>
+          </a:xfrm>
+          <a:prstGeom prst="rightBrace">
+            <a:avLst>
+              <a:gd name="adj1" fmla="val 8333"/>
+              <a:gd name="adj2" fmla="val 50000"/>
+            </a:avLst>
+          </a:prstGeom>
+          <a:noFill/>
+          <a:ln w="25560">
+            <a:solidFill>
+              <a:schemeClr val="tx1"/>
+            </a:solidFill>
+            <a:round/>
+          </a:ln>
+        </p:spPr>
+        <p:style>
+          <a:lnRef idx="1">
+            <a:schemeClr val="accent1"/>
+          </a:lnRef>
+          <a:fillRef idx="0">
+            <a:schemeClr val="accent1"/>
+          </a:fillRef>
+          <a:effectRef idx="0">
+            <a:schemeClr val="accent1"/>
+          </a:effectRef>
+          <a:fontRef idx="minor"/>
+        </p:style>
+      </p:sp>
+      <p:sp>
+        <p:nvSpPr>
+          <p:cNvPr id="70" name="CustomShape 31"/>
+          <p:cNvSpPr/>
+          <p:nvPr/>
+        </p:nvSpPr>
+        <p:spPr>
+          <a:xfrm>
+            <a:off x="4533840" y="3358800"/>
+            <a:ext cx="151920" cy="599760"/>
+          </a:xfrm>
+          <a:prstGeom prst="rightBrace">
+            <a:avLst>
+              <a:gd name="adj1" fmla="val 8333"/>
+              <a:gd name="adj2" fmla="val 50000"/>
+            </a:avLst>
+          </a:prstGeom>
+          <a:noFill/>
+          <a:ln w="25560">
+            <a:solidFill>
+              <a:schemeClr val="tx1"/>
+            </a:solidFill>
+            <a:round/>
+          </a:ln>
+        </p:spPr>
+        <p:style>
+          <a:lnRef idx="1">
+            <a:schemeClr val="accent1"/>
+          </a:lnRef>
+          <a:fillRef idx="0">
+            <a:schemeClr val="accent1"/>
+          </a:fillRef>
+          <a:effectRef idx="0">
+            <a:schemeClr val="accent1"/>
+          </a:effectRef>
+          <a:fontRef idx="minor"/>
+        </p:style>
+      </p:sp>
+      <p:sp>
+        <p:nvSpPr>
+          <p:cNvPr id="71" name="CustomShape 32"/>
+          <p:cNvSpPr/>
+          <p:nvPr/>
+        </p:nvSpPr>
+        <p:spPr>
+          <a:xfrm>
+            <a:off x="5313240" y="2826360"/>
+            <a:ext cx="1433880" cy="364680"/>
+          </a:xfrm>
+          <a:prstGeom prst="rect">
+            <a:avLst/>
+          </a:prstGeom>
+          <a:noFill/>
+          <a:ln>
+            <a:noFill/>
+          </a:ln>
+        </p:spPr>
+        <p:style>
+          <a:lnRef idx="0">
+            <a:scrgbClr r="0" g="0" b="0"/>
+          </a:lnRef>
+          <a:fillRef idx="0">
+            <a:scrgbClr r="0" g="0" b="0"/>
+          </a:fillRef>
+          <a:effectRef idx="0">
+            <a:scrgbClr r="0" g="0" b="0"/>
+          </a:effectRef>
+          <a:fontRef idx="minor"/>
+        </p:style>
+        <p:txBody>
+          <a:bodyPr wrap="none" lIns="90000" tIns="45000" rIns="90000" bIns="45000"/>
+          <a:lstStyle/>
+          <a:p>
+            <a:pPr>
+              <a:lnSpc>
+                <a:spcPct val="100000"/>
+              </a:lnSpc>
+            </a:pPr>
+            <a:r>
+              <a:rPr lang="en-US" sz="1800" b="0" strike="noStrike" spc="-1">
+                <a:solidFill>
+                  <a:srgbClr val="000000"/>
+                </a:solidFill>
+                <a:uFill>
+                  <a:solidFill>
+                    <a:srgbClr val="FFFFFF"/>
+                  </a:solidFill>
+                </a:uFill>
+                <a:latin typeface="Calibri"/>
+              </a:rPr>
+              <a:t>32 of 32 GB/s</a:t>
+            </a:r>
+            <a:endParaRPr lang="en-US" sz="1800" b="0" strike="noStrike" spc="-1">
+              <a:solidFill>
+                <a:srgbClr val="000000"/>
+              </a:solidFill>
+              <a:uFill>
+                <a:solidFill>
+                  <a:srgbClr val="FFFFFF"/>
+                </a:solidFill>
+              </a:uFill>
+              <a:latin typeface="Arial"/>
+            </a:endParaRPr>
+          </a:p>
+        </p:txBody>
+      </p:sp>
+      <p:sp>
+        <p:nvSpPr>
+          <p:cNvPr id="72" name="CustomShape 33"/>
+          <p:cNvSpPr/>
+          <p:nvPr/>
+        </p:nvSpPr>
+        <p:spPr>
+          <a:xfrm>
+            <a:off x="5313240" y="3200400"/>
+            <a:ext cx="1433880" cy="364680"/>
+          </a:xfrm>
+          <a:prstGeom prst="rect">
+            <a:avLst/>
+          </a:prstGeom>
+          <a:noFill/>
+          <a:ln>
+            <a:noFill/>
+          </a:ln>
+        </p:spPr>
+        <p:style>
+          <a:lnRef idx="0">
+            <a:scrgbClr r="0" g="0" b="0"/>
+          </a:lnRef>
+          <a:fillRef idx="0">
+            <a:scrgbClr r="0" g="0" b="0"/>
+          </a:fillRef>
+          <a:effectRef idx="0">
+            <a:scrgbClr r="0" g="0" b="0"/>
+          </a:effectRef>
+          <a:fontRef idx="minor"/>
+        </p:style>
+        <p:txBody>
+          <a:bodyPr wrap="none" lIns="90000" tIns="45000" rIns="90000" bIns="45000"/>
+          <a:lstStyle/>
+          <a:p>
+            <a:pPr>
+              <a:lnSpc>
+                <a:spcPct val="100000"/>
+              </a:lnSpc>
+            </a:pPr>
+            <a:r>
+              <a:rPr lang="en-US" sz="1800" b="0" strike="noStrike" spc="-1">
+                <a:solidFill>
+                  <a:srgbClr val="000000"/>
+                </a:solidFill>
+                <a:uFill>
+                  <a:solidFill>
+                    <a:srgbClr val="FFFFFF"/>
+                  </a:solidFill>
+                </a:uFill>
+                <a:latin typeface="Calibri"/>
+              </a:rPr>
+              <a:t>96 of 96 GB/s</a:t>
+            </a:r>
+            <a:endParaRPr lang="en-US" sz="1800" b="0" strike="noStrike" spc="-1">
+              <a:solidFill>
+                <a:srgbClr val="000000"/>
+              </a:solidFill>
+              <a:uFill>
+                <a:solidFill>
+                  <a:srgbClr val="FFFFFF"/>
+                </a:solidFill>
+              </a:uFill>
+              <a:latin typeface="Arial"/>
+            </a:endParaRPr>
+          </a:p>
+        </p:txBody>
+      </p:sp>
+      <p:sp>
+        <p:nvSpPr>
+          <p:cNvPr id="73" name="CustomShape 34"/>
+          <p:cNvSpPr/>
+          <p:nvPr/>
+        </p:nvSpPr>
+        <p:spPr>
+          <a:xfrm>
+            <a:off x="5868000" y="3009960"/>
+            <a:ext cx="295560" cy="364680"/>
+          </a:xfrm>
+          <a:prstGeom prst="rect">
+            <a:avLst/>
+          </a:prstGeom>
+          <a:noFill/>
+          <a:ln>
+            <a:noFill/>
+          </a:ln>
+        </p:spPr>
+        <p:style>
+          <a:lnRef idx="0">
+            <a:scrgbClr r="0" g="0" b="0"/>
+          </a:lnRef>
+          <a:fillRef idx="0">
+            <a:scrgbClr r="0" g="0" b="0"/>
+          </a:fillRef>
+          <a:effectRef idx="0">
+            <a:scrgbClr r="0" g="0" b="0"/>
+          </a:effectRef>
+          <a:fontRef idx="minor"/>
+        </p:style>
+        <p:txBody>
+          <a:bodyPr wrap="none" lIns="90000" tIns="45000" rIns="90000" bIns="45000"/>
+          <a:lstStyle/>
+          <a:p>
+            <a:pPr>
+              <a:lnSpc>
+                <a:spcPct val="100000"/>
+              </a:lnSpc>
+            </a:pPr>
+            <a:r>
+              <a:rPr lang="en-US" sz="1800" b="0" strike="noStrike" spc="-1">
+                <a:solidFill>
+                  <a:srgbClr val="000000"/>
+                </a:solidFill>
+                <a:uFill>
+                  <a:solidFill>
+                    <a:srgbClr val="FFFFFF"/>
+                  </a:solidFill>
+                </a:uFill>
+                <a:latin typeface="Calibri"/>
+              </a:rPr>
+              <a:t>+</a:t>
+            </a:r>
+            <a:endParaRPr lang="en-US" sz="1800" b="0" strike="noStrike" spc="-1">
+              <a:solidFill>
+                <a:srgbClr val="000000"/>
+              </a:solidFill>
+              <a:uFill>
+                <a:solidFill>
+                  <a:srgbClr val="FFFFFF"/>
+                </a:solidFill>
+              </a:uFill>
+              <a:latin typeface="Arial"/>
+            </a:endParaRPr>
+          </a:p>
+        </p:txBody>
+      </p:sp>
+      <p:sp>
+        <p:nvSpPr>
+          <p:cNvPr id="74" name="CustomShape 35"/>
+          <p:cNvSpPr/>
+          <p:nvPr/>
+        </p:nvSpPr>
+        <p:spPr>
+          <a:xfrm>
+            <a:off x="5099400" y="3592440"/>
+            <a:ext cx="1665360" cy="364680"/>
+          </a:xfrm>
+          <a:prstGeom prst="rect">
+            <a:avLst/>
+          </a:prstGeom>
+          <a:noFill/>
+          <a:ln>
+            <a:noFill/>
+          </a:ln>
+        </p:spPr>
+        <p:style>
+          <a:lnRef idx="0">
+            <a:scrgbClr r="0" g="0" b="0"/>
+          </a:lnRef>
+          <a:fillRef idx="0">
+            <a:scrgbClr r="0" g="0" b="0"/>
+          </a:fillRef>
+          <a:effectRef idx="0">
+            <a:scrgbClr r="0" g="0" b="0"/>
+          </a:effectRef>
+          <a:fontRef idx="minor"/>
+        </p:style>
+        <p:txBody>
+          <a:bodyPr wrap="none" lIns="90000" tIns="45000" rIns="90000" bIns="45000"/>
+          <a:lstStyle/>
+          <a:p>
+            <a:pPr>
+              <a:lnSpc>
+                <a:spcPct val="100000"/>
+              </a:lnSpc>
+            </a:pPr>
+            <a:r>
+              <a:rPr lang="en-US" sz="1800" b="0" strike="noStrike" spc="-1">
+                <a:solidFill>
+                  <a:srgbClr val="000000"/>
+                </a:solidFill>
+                <a:uFill>
+                  <a:solidFill>
+                    <a:srgbClr val="FFFFFF"/>
+                  </a:solidFill>
+                </a:uFill>
+                <a:latin typeface="Calibri"/>
+              </a:rPr>
+              <a:t>128 of 128 GB/s</a:t>
+            </a:r>
+            <a:endParaRPr lang="en-US" sz="1800" b="0" strike="noStrike" spc="-1">
+              <a:solidFill>
+                <a:srgbClr val="000000"/>
+              </a:solidFill>
+              <a:uFill>
+                <a:solidFill>
+                  <a:srgbClr val="FFFFFF"/>
+                </a:solidFill>
+              </a:uFill>
+              <a:latin typeface="Arial"/>
+            </a:endParaRPr>
+          </a:p>
+        </p:txBody>
+      </p:sp>
+      <p:sp>
+        <p:nvSpPr>
+          <p:cNvPr id="75" name="Line 36"/>
+          <p:cNvSpPr/>
+          <p:nvPr/>
+        </p:nvSpPr>
+        <p:spPr>
+          <a:xfrm>
+            <a:off x="4685760" y="899640"/>
+            <a:ext cx="645840" cy="360"/>
+          </a:xfrm>
+          <a:prstGeom prst="line">
+            <a:avLst/>
+          </a:prstGeom>
+          <a:ln w="25560">
+            <a:solidFill>
+              <a:schemeClr val="tx1"/>
+            </a:solidFill>
+            <a:round/>
+          </a:ln>
+        </p:spPr>
+        <p:style>
+          <a:lnRef idx="1">
+            <a:schemeClr val="accent1"/>
+          </a:lnRef>
+          <a:fillRef idx="0">
+            <a:schemeClr val="accent1"/>
+          </a:fillRef>
+          <a:effectRef idx="0">
+            <a:schemeClr val="accent1"/>
+          </a:effectRef>
+          <a:fontRef idx="minor"/>
+        </p:style>
+      </p:sp>
+      <p:sp>
+        <p:nvSpPr>
+          <p:cNvPr id="76" name="Line 37"/>
+          <p:cNvSpPr/>
+          <p:nvPr/>
+        </p:nvSpPr>
+        <p:spPr>
+          <a:xfrm flipV="1">
+            <a:off x="4685760" y="1269000"/>
+            <a:ext cx="638640" cy="278640"/>
+          </a:xfrm>
+          <a:prstGeom prst="line">
+            <a:avLst/>
+          </a:prstGeom>
+          <a:ln w="25560">
+            <a:solidFill>
+              <a:schemeClr val="tx1"/>
+            </a:solidFill>
+            <a:round/>
+          </a:ln>
+        </p:spPr>
+        <p:style>
+          <a:lnRef idx="1">
+            <a:schemeClr val="accent1"/>
+          </a:lnRef>
+          <a:fillRef idx="0">
+            <a:schemeClr val="accent1"/>
+          </a:fillRef>
+          <a:effectRef idx="0">
+            <a:schemeClr val="accent1"/>
+          </a:effectRef>
+          <a:fontRef idx="minor"/>
+        </p:style>
+      </p:sp>
+      <p:sp>
+        <p:nvSpPr>
+          <p:cNvPr id="77" name="Line 38"/>
+          <p:cNvSpPr/>
+          <p:nvPr/>
+        </p:nvSpPr>
+        <p:spPr>
+          <a:xfrm>
+            <a:off x="4685760" y="3011040"/>
+            <a:ext cx="592920" cy="360"/>
+          </a:xfrm>
+          <a:prstGeom prst="line">
+            <a:avLst/>
+          </a:prstGeom>
+          <a:ln w="25560">
+            <a:solidFill>
+              <a:schemeClr val="tx1"/>
+            </a:solidFill>
+            <a:round/>
+          </a:ln>
+        </p:spPr>
+        <p:style>
+          <a:lnRef idx="1">
+            <a:schemeClr val="accent1"/>
+          </a:lnRef>
+          <a:fillRef idx="0">
+            <a:schemeClr val="accent1"/>
+          </a:fillRef>
+          <a:effectRef idx="0">
+            <a:schemeClr val="accent1"/>
+          </a:effectRef>
+          <a:fontRef idx="minor"/>
+        </p:style>
+      </p:sp>
+      <p:sp>
+        <p:nvSpPr>
+          <p:cNvPr id="78" name="Line 39"/>
+          <p:cNvSpPr/>
+          <p:nvPr/>
+        </p:nvSpPr>
+        <p:spPr>
+          <a:xfrm flipV="1">
+            <a:off x="4685760" y="3384720"/>
+            <a:ext cx="592920" cy="273960"/>
+          </a:xfrm>
+          <a:prstGeom prst="line">
+            <a:avLst/>
+          </a:prstGeom>
+          <a:ln w="25560">
+            <a:solidFill>
+              <a:schemeClr val="tx1"/>
+            </a:solidFill>
+            <a:round/>
+          </a:ln>
+        </p:spPr>
+        <p:style>
+          <a:lnRef idx="1">
+            <a:schemeClr val="accent1"/>
+          </a:lnRef>
+          <a:fillRef idx="0">
+            <a:schemeClr val="accent1"/>
+          </a:fillRef>
+          <a:effectRef idx="0">
+            <a:schemeClr val="accent1"/>
+          </a:effectRef>
+          <a:fontRef idx="minor"/>
+        </p:style>
+      </p:sp>
+      <p:sp>
+        <p:nvSpPr>
+          <p:cNvPr id="79" name="CustomShape 40"/>
+          <p:cNvSpPr/>
+          <p:nvPr/>
+        </p:nvSpPr>
+        <p:spPr>
+          <a:xfrm>
+            <a:off x="228600" y="243360"/>
+            <a:ext cx="468720" cy="360"/>
           </a:xfrm>
           <a:custGeom>
             <a:avLst/>
             <a:gdLst/>
             <a:ahLst/>
+            <a:cxnLst/>
             <a:rect l="l" t="t" r="r" b="b"/>
             <a:pathLst>
               <a:path w="21600" h="21600">
@@ -2063,10 +3161,10 @@
           <a:noFill/>
           <a:ln w="63360">
             <a:solidFill>
-              <a:srgbClr val="00b050"/>
+              <a:srgbClr val="00B050"/>
             </a:solidFill>
             <a:round/>
-            <a:tailEnd len="med" type="triangle" w="sm"/>
+            <a:tailEnd type="triangle" w="sm" len="med"/>
           </a:ln>
         </p:spPr>
         <p:style>
@@ -2084,19 +3182,209 @@
       </p:sp>
       <p:sp>
         <p:nvSpPr>
-          <p:cNvPr id="44" name="CustomShape 5"/>
-          <p:cNvSpPr/>
-          <p:nvPr/>
-        </p:nvSpPr>
-        <p:spPr>
-          <a:xfrm>
-            <a:off x="1485720" y="871920"/>
-            <a:ext cx="1676160" cy="360"/>
+          <p:cNvPr id="80" name="CustomShape 41"/>
+          <p:cNvSpPr/>
+          <p:nvPr/>
+        </p:nvSpPr>
+        <p:spPr>
+          <a:xfrm>
+            <a:off x="713880" y="74160"/>
+            <a:ext cx="1375920" cy="333720"/>
+          </a:xfrm>
+          <a:prstGeom prst="rect">
+            <a:avLst/>
+          </a:prstGeom>
+          <a:noFill/>
+          <a:ln>
+            <a:noFill/>
+          </a:ln>
+        </p:spPr>
+        <p:style>
+          <a:lnRef idx="0">
+            <a:scrgbClr r="0" g="0" b="0"/>
+          </a:lnRef>
+          <a:fillRef idx="0">
+            <a:scrgbClr r="0" g="0" b="0"/>
+          </a:fillRef>
+          <a:effectRef idx="0">
+            <a:scrgbClr r="0" g="0" b="0"/>
+          </a:effectRef>
+          <a:fontRef idx="minor"/>
+        </p:style>
+        <p:txBody>
+          <a:bodyPr wrap="none" lIns="90000" tIns="45000" rIns="90000" bIns="45000"/>
+          <a:lstStyle/>
+          <a:p>
+            <a:pPr>
+              <a:lnSpc>
+                <a:spcPct val="100000"/>
+              </a:lnSpc>
+            </a:pPr>
+            <a:r>
+              <a:rPr lang="en-US" sz="1600" b="0" strike="noStrike" spc="-1">
+                <a:solidFill>
+                  <a:srgbClr val="000000"/>
+                </a:solidFill>
+                <a:uFill>
+                  <a:solidFill>
+                    <a:srgbClr val="FFFFFF"/>
+                  </a:solidFill>
+                </a:uFill>
+                <a:latin typeface="Calibri"/>
+              </a:rPr>
+              <a:t>Saturated lane</a:t>
+            </a:r>
+            <a:endParaRPr lang="en-US" sz="1800" b="0" strike="noStrike" spc="-1">
+              <a:solidFill>
+                <a:srgbClr val="000000"/>
+              </a:solidFill>
+              <a:uFill>
+                <a:solidFill>
+                  <a:srgbClr val="FFFFFF"/>
+                </a:solidFill>
+              </a:uFill>
+              <a:latin typeface="Arial"/>
+            </a:endParaRPr>
+          </a:p>
+        </p:txBody>
+      </p:sp>
+      <p:sp>
+        <p:nvSpPr>
+          <p:cNvPr id="81" name="CustomShape 42"/>
+          <p:cNvSpPr/>
+          <p:nvPr/>
+        </p:nvSpPr>
+        <p:spPr>
+          <a:xfrm>
+            <a:off x="2209680" y="232200"/>
+            <a:ext cx="464760" cy="360"/>
           </a:xfrm>
           <a:custGeom>
             <a:avLst/>
             <a:gdLst/>
             <a:ahLst/>
+            <a:cxnLst/>
+            <a:rect l="l" t="t" r="r" b="b"/>
+            <a:pathLst>
+              <a:path w="21600" h="21600">
+                <a:moveTo>
+                  <a:pt x="0" y="0"/>
+                </a:moveTo>
+                <a:lnTo>
+                  <a:pt x="21600" y="21600"/>
+                </a:lnTo>
+              </a:path>
+            </a:pathLst>
+          </a:custGeom>
+          <a:noFill/>
+          <a:ln w="50760">
+            <a:solidFill>
+              <a:srgbClr val="00B050"/>
+            </a:solidFill>
+            <a:custDash>
+              <a:ds d="300000" sp="100000"/>
+            </a:custDash>
+            <a:round/>
+            <a:tailEnd type="triangle" w="sm" len="med"/>
+          </a:ln>
+        </p:spPr>
+        <p:style>
+          <a:lnRef idx="1">
+            <a:schemeClr val="accent1"/>
+          </a:lnRef>
+          <a:fillRef idx="0">
+            <a:schemeClr val="accent1"/>
+          </a:fillRef>
+          <a:effectRef idx="0">
+            <a:schemeClr val="accent1"/>
+          </a:effectRef>
+          <a:fontRef idx="minor"/>
+        </p:style>
+      </p:sp>
+      <p:sp>
+        <p:nvSpPr>
+          <p:cNvPr id="82" name="CustomShape 43"/>
+          <p:cNvSpPr/>
+          <p:nvPr/>
+        </p:nvSpPr>
+        <p:spPr>
+          <a:xfrm>
+            <a:off x="2684160" y="73800"/>
+            <a:ext cx="1598400" cy="333720"/>
+          </a:xfrm>
+          <a:prstGeom prst="rect">
+            <a:avLst/>
+          </a:prstGeom>
+          <a:noFill/>
+          <a:ln>
+            <a:noFill/>
+          </a:ln>
+        </p:spPr>
+        <p:style>
+          <a:lnRef idx="0">
+            <a:scrgbClr r="0" g="0" b="0"/>
+          </a:lnRef>
+          <a:fillRef idx="0">
+            <a:scrgbClr r="0" g="0" b="0"/>
+          </a:fillRef>
+          <a:effectRef idx="0">
+            <a:scrgbClr r="0" g="0" b="0"/>
+          </a:effectRef>
+          <a:fontRef idx="minor"/>
+        </p:style>
+        <p:txBody>
+          <a:bodyPr wrap="none" lIns="90000" tIns="45000" rIns="90000" bIns="45000"/>
+          <a:lstStyle/>
+          <a:p>
+            <a:pPr>
+              <a:lnSpc>
+                <a:spcPct val="100000"/>
+              </a:lnSpc>
+            </a:pPr>
+            <a:r>
+              <a:rPr lang="en-US" sz="1600" b="0" strike="noStrike" spc="-1">
+                <a:solidFill>
+                  <a:srgbClr val="000000"/>
+                </a:solidFill>
+                <a:uFill>
+                  <a:solidFill>
+                    <a:srgbClr val="FFFFFF"/>
+                  </a:solidFill>
+                </a:uFill>
+                <a:latin typeface="Calibri"/>
+              </a:rPr>
+              <a:t>Unsaturated lane</a:t>
+            </a:r>
+            <a:endParaRPr lang="en-US" sz="1800" b="0" strike="noStrike" spc="-1">
+              <a:solidFill>
+                <a:srgbClr val="000000"/>
+              </a:solidFill>
+              <a:uFill>
+                <a:solidFill>
+                  <a:srgbClr val="FFFFFF"/>
+                </a:solidFill>
+              </a:uFill>
+              <a:latin typeface="Arial"/>
+            </a:endParaRPr>
+          </a:p>
+        </p:txBody>
+      </p:sp>
+      <p:sp>
+        <p:nvSpPr>
+          <p:cNvPr id="83" name="CustomShape 44"/>
+          <p:cNvSpPr/>
+          <p:nvPr/>
+        </p:nvSpPr>
+        <p:spPr>
+          <a:xfrm>
+            <a:off x="4407840" y="243360"/>
+            <a:ext cx="468720" cy="360"/>
+          </a:xfrm>
+          <a:custGeom>
+            <a:avLst/>
+            <a:gdLst/>
+            <a:ahLst/>
+            <a:cxnLst/>
             <a:rect l="l" t="t" r="r" b="b"/>
             <a:pathLst>
               <a:path w="21600" h="21600">
@@ -2112,10 +3400,10 @@
           <a:noFill/>
           <a:ln w="63360">
             <a:solidFill>
-              <a:srgbClr val="00b050"/>
+              <a:srgbClr val="FF0000"/>
             </a:solidFill>
             <a:round/>
-            <a:tailEnd len="med" type="triangle" w="sm"/>
+            <a:tailEnd type="triangle" w="sm" len="med"/>
           </a:ln>
         </p:spPr>
         <p:style>
@@ -2133,19 +3421,314 @@
       </p:sp>
       <p:sp>
         <p:nvSpPr>
-          <p:cNvPr id="45" name="CustomShape 6"/>
-          <p:cNvSpPr/>
-          <p:nvPr/>
-        </p:nvSpPr>
-        <p:spPr>
-          <a:xfrm>
-            <a:off x="1485720" y="995040"/>
+          <p:cNvPr id="84" name="CustomShape 45"/>
+          <p:cNvSpPr/>
+          <p:nvPr/>
+        </p:nvSpPr>
+        <p:spPr>
+          <a:xfrm>
+            <a:off x="4894200" y="63000"/>
+            <a:ext cx="2370960" cy="333720"/>
+          </a:xfrm>
+          <a:prstGeom prst="rect">
+            <a:avLst/>
+          </a:prstGeom>
+          <a:noFill/>
+          <a:ln>
+            <a:noFill/>
+          </a:ln>
+        </p:spPr>
+        <p:style>
+          <a:lnRef idx="0">
+            <a:scrgbClr r="0" g="0" b="0"/>
+          </a:lnRef>
+          <a:fillRef idx="0">
+            <a:scrgbClr r="0" g="0" b="0"/>
+          </a:fillRef>
+          <a:effectRef idx="0">
+            <a:scrgbClr r="0" g="0" b="0"/>
+          </a:effectRef>
+          <a:fontRef idx="minor"/>
+        </p:style>
+        <p:txBody>
+          <a:bodyPr wrap="none" lIns="90000" tIns="45000" rIns="90000" bIns="45000"/>
+          <a:lstStyle/>
+          <a:p>
+            <a:pPr>
+              <a:lnSpc>
+                <a:spcPct val="100000"/>
+              </a:lnSpc>
+            </a:pPr>
+            <a:r>
+              <a:rPr lang="en-US" sz="1600" b="0" strike="noStrike" spc="-1">
+                <a:solidFill>
+                  <a:srgbClr val="000000"/>
+                </a:solidFill>
+                <a:uFill>
+                  <a:solidFill>
+                    <a:srgbClr val="FFFFFF"/>
+                  </a:solidFill>
+                </a:uFill>
+                <a:latin typeface="Calibri"/>
+              </a:rPr>
+              <a:t>Dynamically allocated lane</a:t>
+            </a:r>
+            <a:endParaRPr lang="en-US" sz="1800" b="0" strike="noStrike" spc="-1">
+              <a:solidFill>
+                <a:srgbClr val="000000"/>
+              </a:solidFill>
+              <a:uFill>
+                <a:solidFill>
+                  <a:srgbClr val="FFFFFF"/>
+                </a:solidFill>
+              </a:uFill>
+              <a:latin typeface="Arial"/>
+            </a:endParaRPr>
+          </a:p>
+        </p:txBody>
+      </p:sp>
+      <p:sp>
+        <p:nvSpPr>
+          <p:cNvPr id="85" name="CustomShape 46"/>
+          <p:cNvSpPr/>
+          <p:nvPr/>
+        </p:nvSpPr>
+        <p:spPr>
+          <a:xfrm>
+            <a:off x="4887720" y="1733400"/>
+            <a:ext cx="2130480" cy="364680"/>
+          </a:xfrm>
+          <a:prstGeom prst="rect">
+            <a:avLst/>
+          </a:prstGeom>
+          <a:noFill/>
+          <a:ln>
+            <a:noFill/>
+          </a:ln>
+        </p:spPr>
+        <p:style>
+          <a:lnRef idx="0">
+            <a:scrgbClr r="0" g="0" b="0"/>
+          </a:lnRef>
+          <a:fillRef idx="0">
+            <a:scrgbClr r="0" g="0" b="0"/>
+          </a:fillRef>
+          <a:effectRef idx="0">
+            <a:scrgbClr r="0" g="0" b="0"/>
+          </a:effectRef>
+          <a:fontRef idx="minor"/>
+        </p:style>
+        <p:txBody>
+          <a:bodyPr wrap="none" lIns="90000" tIns="45000" rIns="90000" bIns="45000"/>
+          <a:lstStyle/>
+          <a:p>
+            <a:pPr>
+              <a:lnSpc>
+                <a:spcPct val="100000"/>
+              </a:lnSpc>
+            </a:pPr>
+            <a:r>
+              <a:rPr lang="en-US" sz="1800" b="0" strike="noStrike" spc="-1">
+                <a:solidFill>
+                  <a:srgbClr val="000000"/>
+                </a:solidFill>
+                <a:uFill>
+                  <a:solidFill>
+                    <a:srgbClr val="FFFFFF"/>
+                  </a:solidFill>
+                </a:uFill>
+                <a:latin typeface="Calibri"/>
+              </a:rPr>
+              <a:t>[</a:t>
+            </a:r>
+            <a:r>
+              <a:rPr lang="en-US" sz="1800" b="1" strike="noStrike" spc="-1">
+                <a:solidFill>
+                  <a:srgbClr val="000000"/>
+                </a:solidFill>
+                <a:uFill>
+                  <a:solidFill>
+                    <a:srgbClr val="FFFFFF"/>
+                  </a:solidFill>
+                </a:uFill>
+                <a:latin typeface="Calibri"/>
+              </a:rPr>
+              <a:t>75% BW Utilization</a:t>
+            </a:r>
+            <a:r>
+              <a:rPr lang="en-US" sz="1800" b="0" strike="noStrike" spc="-1">
+                <a:solidFill>
+                  <a:srgbClr val="000000"/>
+                </a:solidFill>
+                <a:uFill>
+                  <a:solidFill>
+                    <a:srgbClr val="FFFFFF"/>
+                  </a:solidFill>
+                </a:uFill>
+                <a:latin typeface="Calibri"/>
+              </a:rPr>
+              <a:t>]</a:t>
+            </a:r>
+            <a:endParaRPr lang="en-US" sz="1800" b="0" strike="noStrike" spc="-1">
+              <a:solidFill>
+                <a:srgbClr val="000000"/>
+              </a:solidFill>
+              <a:uFill>
+                <a:solidFill>
+                  <a:srgbClr val="FFFFFF"/>
+                </a:solidFill>
+              </a:uFill>
+              <a:latin typeface="Arial"/>
+            </a:endParaRPr>
+          </a:p>
+        </p:txBody>
+      </p:sp>
+      <p:sp>
+        <p:nvSpPr>
+          <p:cNvPr id="86" name="Line 47"/>
+          <p:cNvSpPr/>
+          <p:nvPr/>
+        </p:nvSpPr>
+        <p:spPr>
+          <a:xfrm>
+            <a:off x="5181120" y="3569400"/>
+            <a:ext cx="1600200" cy="360"/>
+          </a:xfrm>
+          <a:prstGeom prst="line">
+            <a:avLst/>
+          </a:prstGeom>
+          <a:ln w="19080">
+            <a:solidFill>
+              <a:schemeClr val="tx1"/>
+            </a:solidFill>
+            <a:round/>
+          </a:ln>
+        </p:spPr>
+        <p:style>
+          <a:lnRef idx="1">
+            <a:schemeClr val="accent1"/>
+          </a:lnRef>
+          <a:fillRef idx="0">
+            <a:schemeClr val="accent1"/>
+          </a:fillRef>
+          <a:effectRef idx="0">
+            <a:schemeClr val="accent1"/>
+          </a:effectRef>
+          <a:fontRef idx="minor"/>
+        </p:style>
+      </p:sp>
+      <p:sp>
+        <p:nvSpPr>
+          <p:cNvPr id="87" name="CustomShape 48"/>
+          <p:cNvSpPr/>
+          <p:nvPr/>
+        </p:nvSpPr>
+        <p:spPr>
+          <a:xfrm>
+            <a:off x="4829760" y="3890160"/>
+            <a:ext cx="2246400" cy="364680"/>
+          </a:xfrm>
+          <a:prstGeom prst="rect">
+            <a:avLst/>
+          </a:prstGeom>
+          <a:noFill/>
+          <a:ln>
+            <a:noFill/>
+          </a:ln>
+        </p:spPr>
+        <p:style>
+          <a:lnRef idx="0">
+            <a:scrgbClr r="0" g="0" b="0"/>
+          </a:lnRef>
+          <a:fillRef idx="0">
+            <a:scrgbClr r="0" g="0" b="0"/>
+          </a:fillRef>
+          <a:effectRef idx="0">
+            <a:scrgbClr r="0" g="0" b="0"/>
+          </a:effectRef>
+          <a:fontRef idx="minor"/>
+        </p:style>
+        <p:txBody>
+          <a:bodyPr wrap="none" lIns="90000" tIns="45000" rIns="90000" bIns="45000"/>
+          <a:lstStyle/>
+          <a:p>
+            <a:pPr>
+              <a:lnSpc>
+                <a:spcPct val="100000"/>
+              </a:lnSpc>
+            </a:pPr>
+            <a:r>
+              <a:rPr lang="en-US" sz="1800" b="0" strike="noStrike" spc="-1">
+                <a:solidFill>
+                  <a:srgbClr val="000000"/>
+                </a:solidFill>
+                <a:uFill>
+                  <a:solidFill>
+                    <a:srgbClr val="FFFFFF"/>
+                  </a:solidFill>
+                </a:uFill>
+                <a:latin typeface="Calibri"/>
+              </a:rPr>
+              <a:t>[</a:t>
+            </a:r>
+            <a:r>
+              <a:rPr lang="en-US" sz="1800" b="1" strike="noStrike" spc="-1">
+                <a:solidFill>
+                  <a:srgbClr val="000000"/>
+                </a:solidFill>
+                <a:uFill>
+                  <a:solidFill>
+                    <a:srgbClr val="FFFFFF"/>
+                  </a:solidFill>
+                </a:uFill>
+                <a:latin typeface="Calibri"/>
+              </a:rPr>
+              <a:t>100% BW Utilization</a:t>
+            </a:r>
+            <a:r>
+              <a:rPr lang="en-US" sz="1800" b="0" strike="noStrike" spc="-1">
+                <a:solidFill>
+                  <a:srgbClr val="000000"/>
+                </a:solidFill>
+                <a:uFill>
+                  <a:solidFill>
+                    <a:srgbClr val="FFFFFF"/>
+                  </a:solidFill>
+                </a:uFill>
+                <a:latin typeface="Calibri"/>
+              </a:rPr>
+              <a:t>]</a:t>
+            </a:r>
+            <a:endParaRPr lang="en-US" sz="1800" b="0" strike="noStrike" spc="-1">
+              <a:solidFill>
+                <a:srgbClr val="000000"/>
+              </a:solidFill>
+              <a:uFill>
+                <a:solidFill>
+                  <a:srgbClr val="FFFFFF"/>
+                </a:solidFill>
+              </a:uFill>
+              <a:latin typeface="Arial"/>
+            </a:endParaRPr>
+          </a:p>
+        </p:txBody>
+      </p:sp>
+      <p:sp>
+        <p:nvSpPr>
+          <p:cNvPr id="88" name="CustomShape 4"/>
+          <p:cNvSpPr/>
+          <p:nvPr/>
+        </p:nvSpPr>
+        <p:spPr>
+          <a:xfrm>
+            <a:off x="1486080" y="735176"/>
             <a:ext cx="1676160" cy="360"/>
           </a:xfrm>
           <a:custGeom>
             <a:avLst/>
             <a:gdLst/>
             <a:ahLst/>
+            <a:cxnLst/>
             <a:rect l="l" t="t" r="r" b="b"/>
             <a:pathLst>
               <a:path w="21600" h="21600">
@@ -2159,15 +3742,12 @@
             </a:pathLst>
           </a:custGeom>
           <a:noFill/>
-          <a:ln w="50760">
+          <a:ln w="44450">
             <a:solidFill>
-              <a:srgbClr val="00b050"/>
+              <a:srgbClr val="00B050"/>
             </a:solidFill>
-            <a:custDash>
-              <a:ds d="300000" sp="100000"/>
-            </a:custDash>
             <a:round/>
-            <a:tailEnd len="med" type="triangle" w="sm"/>
+            <a:tailEnd type="triangle" w="sm" len="med"/>
           </a:ln>
         </p:spPr>
         <p:style>
@@ -2185,19 +3765,20 @@
       </p:sp>
       <p:sp>
         <p:nvSpPr>
-          <p:cNvPr id="46" name="CustomShape 7"/>
-          <p:cNvSpPr/>
-          <p:nvPr/>
-        </p:nvSpPr>
-        <p:spPr>
-          <a:xfrm>
-            <a:off x="1485720" y="1123920"/>
+          <p:cNvPr id="98" name="CustomShape 4"/>
+          <p:cNvSpPr/>
+          <p:nvPr/>
+        </p:nvSpPr>
+        <p:spPr>
+          <a:xfrm>
+            <a:off x="1486080" y="811736"/>
             <a:ext cx="1676160" cy="360"/>
           </a:xfrm>
           <a:custGeom>
             <a:avLst/>
             <a:gdLst/>
             <a:ahLst/>
+            <a:cxnLst/>
             <a:rect l="l" t="t" r="r" b="b"/>
             <a:pathLst>
               <a:path w="21600" h="21600">
@@ -2211,15 +3792,12 @@
             </a:pathLst>
           </a:custGeom>
           <a:noFill/>
-          <a:ln w="50760">
+          <a:ln w="44450">
             <a:solidFill>
-              <a:srgbClr val="00b050"/>
+              <a:srgbClr val="00B050"/>
             </a:solidFill>
-            <a:custDash>
-              <a:ds d="300000" sp="100000"/>
-            </a:custDash>
             <a:round/>
-            <a:tailEnd len="med" type="triangle" w="sm"/>
+            <a:tailEnd type="triangle" w="sm" len="med"/>
           </a:ln>
         </p:spPr>
         <p:style>
@@ -2237,19 +3815,20 @@
       </p:sp>
       <p:sp>
         <p:nvSpPr>
-          <p:cNvPr id="47" name="CustomShape 8"/>
-          <p:cNvSpPr/>
-          <p:nvPr/>
-        </p:nvSpPr>
-        <p:spPr>
-          <a:xfrm flipH="1">
-            <a:off x="1485720" y="1352520"/>
+          <p:cNvPr id="99" name="CustomShape 4"/>
+          <p:cNvSpPr/>
+          <p:nvPr/>
+        </p:nvSpPr>
+        <p:spPr>
+          <a:xfrm>
+            <a:off x="1486440" y="887936"/>
             <a:ext cx="1676160" cy="360"/>
           </a:xfrm>
           <a:custGeom>
             <a:avLst/>
             <a:gdLst/>
             <a:ahLst/>
+            <a:cxnLst/>
             <a:rect l="l" t="t" r="r" b="b"/>
             <a:pathLst>
               <a:path w="21600" h="21600">
@@ -2263,12 +3842,12 @@
             </a:pathLst>
           </a:custGeom>
           <a:noFill/>
-          <a:ln w="63360">
+          <a:ln w="44450">
             <a:solidFill>
-              <a:srgbClr val="00b050"/>
+              <a:srgbClr val="00B050"/>
             </a:solidFill>
             <a:round/>
-            <a:tailEnd len="med" type="triangle" w="sm"/>
+            <a:tailEnd type="triangle" w="sm" len="med"/>
           </a:ln>
         </p:spPr>
         <p:style>
@@ -2286,19 +3865,20 @@
       </p:sp>
       <p:sp>
         <p:nvSpPr>
-          <p:cNvPr id="48" name="CustomShape 9"/>
-          <p:cNvSpPr/>
-          <p:nvPr/>
-        </p:nvSpPr>
-        <p:spPr>
-          <a:xfrm flipH="1">
-            <a:off x="1485720" y="1481400"/>
+          <p:cNvPr id="100" name="CustomShape 4"/>
+          <p:cNvSpPr/>
+          <p:nvPr/>
+        </p:nvSpPr>
+        <p:spPr>
+          <a:xfrm>
+            <a:off x="1486440" y="968521"/>
             <a:ext cx="1676160" cy="360"/>
           </a:xfrm>
           <a:custGeom>
             <a:avLst/>
             <a:gdLst/>
             <a:ahLst/>
+            <a:cxnLst/>
             <a:rect l="l" t="t" r="r" b="b"/>
             <a:pathLst>
               <a:path w="21600" h="21600">
@@ -2312,12 +3892,13 @@
             </a:pathLst>
           </a:custGeom>
           <a:noFill/>
-          <a:ln w="63360">
+          <a:ln w="44450">
             <a:solidFill>
-              <a:srgbClr val="00b050"/>
+              <a:srgbClr val="00B050"/>
             </a:solidFill>
+            <a:prstDash val="sysDash"/>
             <a:round/>
-            <a:tailEnd len="med" type="triangle" w="sm"/>
+            <a:tailEnd type="triangle" w="sm" len="med"/>
           </a:ln>
         </p:spPr>
         <p:style>
@@ -2335,19 +3916,20 @@
       </p:sp>
       <p:sp>
         <p:nvSpPr>
-          <p:cNvPr id="49" name="CustomShape 10"/>
-          <p:cNvSpPr/>
-          <p:nvPr/>
-        </p:nvSpPr>
-        <p:spPr>
-          <a:xfrm flipH="1">
-            <a:off x="1485720" y="1604520"/>
+          <p:cNvPr id="101" name="CustomShape 4"/>
+          <p:cNvSpPr/>
+          <p:nvPr/>
+        </p:nvSpPr>
+        <p:spPr>
+          <a:xfrm>
+            <a:off x="1486800" y="1044721"/>
             <a:ext cx="1676160" cy="360"/>
           </a:xfrm>
           <a:custGeom>
             <a:avLst/>
             <a:gdLst/>
             <a:ahLst/>
+            <a:cxnLst/>
             <a:rect l="l" t="t" r="r" b="b"/>
             <a:pathLst>
               <a:path w="21600" h="21600">
@@ -2361,12 +3943,13 @@
             </a:pathLst>
           </a:custGeom>
           <a:noFill/>
-          <a:ln w="63360">
+          <a:ln w="44450">
             <a:solidFill>
-              <a:srgbClr val="00b050"/>
+              <a:srgbClr val="00B050"/>
             </a:solidFill>
+            <a:prstDash val="sysDash"/>
             <a:round/>
-            <a:tailEnd len="med" type="triangle" w="sm"/>
+            <a:tailEnd type="triangle" w="sm" len="med"/>
           </a:ln>
         </p:spPr>
         <p:style>
@@ -2384,19 +3967,20 @@
       </p:sp>
       <p:sp>
         <p:nvSpPr>
-          <p:cNvPr id="50" name="CustomShape 11"/>
-          <p:cNvSpPr/>
-          <p:nvPr/>
-        </p:nvSpPr>
-        <p:spPr>
-          <a:xfrm flipH="1">
-            <a:off x="1485720" y="1733400"/>
+          <p:cNvPr id="102" name="CustomShape 4"/>
+          <p:cNvSpPr/>
+          <p:nvPr/>
+        </p:nvSpPr>
+        <p:spPr>
+          <a:xfrm>
+            <a:off x="1486800" y="1121281"/>
             <a:ext cx="1676160" cy="360"/>
           </a:xfrm>
           <a:custGeom>
             <a:avLst/>
             <a:gdLst/>
             <a:ahLst/>
+            <a:cxnLst/>
             <a:rect l="l" t="t" r="r" b="b"/>
             <a:pathLst>
               <a:path w="21600" h="21600">
@@ -2410,12 +3994,13 @@
             </a:pathLst>
           </a:custGeom>
           <a:noFill/>
-          <a:ln w="63360">
+          <a:ln w="44450">
             <a:solidFill>
-              <a:srgbClr val="00b050"/>
+              <a:srgbClr val="00B050"/>
             </a:solidFill>
+            <a:prstDash val="sysDash"/>
             <a:round/>
-            <a:tailEnd len="med" type="triangle" w="sm"/>
+            <a:tailEnd type="triangle" w="sm" len="med"/>
           </a:ln>
         </p:spPr>
         <p:style>
@@ -2433,545 +4018,20 @@
       </p:sp>
       <p:sp>
         <p:nvSpPr>
-          <p:cNvPr id="51" name="CustomShape 12"/>
-          <p:cNvSpPr/>
-          <p:nvPr/>
-        </p:nvSpPr>
-        <p:spPr>
-          <a:xfrm>
-            <a:off x="3162240" y="599760"/>
-            <a:ext cx="1218960" cy="1294920"/>
-          </a:xfrm>
-          <a:prstGeom prst="rect">
-            <a:avLst/>
-          </a:prstGeom>
-          <a:ln>
-            <a:round/>
-          </a:ln>
-        </p:spPr>
-        <p:style>
-          <a:lnRef idx="2">
-            <a:schemeClr val="dk1">
-              <a:shade val="50000"/>
-            </a:schemeClr>
-          </a:lnRef>
-          <a:fillRef idx="1">
-            <a:schemeClr val="dk1"/>
-          </a:fillRef>
-          <a:effectRef idx="0">
-            <a:schemeClr val="dk1"/>
-          </a:effectRef>
-          <a:fontRef idx="minor"/>
-        </p:style>
-        <p:txBody>
-          <a:bodyPr lIns="90000" rIns="90000" tIns="45000" bIns="45000" anchor="ctr"/>
-          <a:p>
-            <a:pPr algn="ctr">
-              <a:lnSpc>
-                <a:spcPct val="100000"/>
-              </a:lnSpc>
-            </a:pPr>
-            <a:r>
-              <a:rPr b="1" lang="en-US" sz="2000" spc="-1" strike="noStrike">
-                <a:solidFill>
-                  <a:srgbClr val="ffffff"/>
-                </a:solidFill>
-                <a:uFill>
-                  <a:solidFill>
-                    <a:srgbClr val="ffffff"/>
-                  </a:solidFill>
-                </a:uFill>
-                <a:latin typeface="Calibri"/>
-              </a:rPr>
-              <a:t>High BW</a:t>
-            </a:r>
-            <a:r>
-              <a:rPr b="1" lang="en-US" sz="2000" spc="-1" strike="noStrike">
-                <a:solidFill>
-                  <a:srgbClr val="ffffff"/>
-                </a:solidFill>
-                <a:uFill>
-                  <a:solidFill>
-                    <a:srgbClr val="ffffff"/>
-                  </a:solidFill>
-                </a:uFill>
-                <a:latin typeface="Calibri"/>
-              </a:rPr>
-              <a:t>
-</a:t>
-            </a:r>
-            <a:r>
-              <a:rPr b="1" lang="en-US" sz="2000" spc="-1" strike="noStrike">
-                <a:solidFill>
-                  <a:srgbClr val="ffffff"/>
-                </a:solidFill>
-                <a:uFill>
-                  <a:solidFill>
-                    <a:srgbClr val="ffffff"/>
-                  </a:solidFill>
-                </a:uFill>
-                <a:latin typeface="Calibri"/>
-              </a:rPr>
-              <a:t>Switch</a:t>
-            </a:r>
-            <a:endParaRPr b="0" lang="en-US" sz="1800" spc="-1" strike="noStrike">
-              <a:solidFill>
-                <a:srgbClr val="000000"/>
-              </a:solidFill>
-              <a:uFill>
-                <a:solidFill>
-                  <a:srgbClr val="ffffff"/>
-                </a:solidFill>
-              </a:uFill>
-              <a:latin typeface="Arial"/>
-            </a:endParaRPr>
-          </a:p>
-        </p:txBody>
-      </p:sp>
-      <p:sp>
-        <p:nvSpPr>
-          <p:cNvPr id="52" name="CustomShape 13"/>
-          <p:cNvSpPr/>
-          <p:nvPr/>
-        </p:nvSpPr>
-        <p:spPr>
-          <a:xfrm>
-            <a:off x="4533840" y="599760"/>
-            <a:ext cx="151920" cy="599760"/>
-          </a:xfrm>
-          <a:prstGeom prst="rightBrace">
-            <a:avLst>
-              <a:gd name="adj1" fmla="val 8333"/>
-              <a:gd name="adj2" fmla="val 50000"/>
-            </a:avLst>
-          </a:prstGeom>
-          <a:noFill/>
-          <a:ln w="25560">
-            <a:solidFill>
-              <a:schemeClr val="tx1"/>
-            </a:solidFill>
-            <a:round/>
-          </a:ln>
-        </p:spPr>
-        <p:style>
-          <a:lnRef idx="1">
-            <a:schemeClr val="accent1"/>
-          </a:lnRef>
-          <a:fillRef idx="0">
-            <a:schemeClr val="accent1"/>
-          </a:fillRef>
-          <a:effectRef idx="0">
-            <a:schemeClr val="accent1"/>
-          </a:effectRef>
-          <a:fontRef idx="minor"/>
-        </p:style>
-      </p:sp>
-      <p:sp>
-        <p:nvSpPr>
-          <p:cNvPr id="53" name="CustomShape 14"/>
-          <p:cNvSpPr/>
-          <p:nvPr/>
-        </p:nvSpPr>
-        <p:spPr>
-          <a:xfrm>
-            <a:off x="4533840" y="1247400"/>
-            <a:ext cx="151920" cy="599760"/>
-          </a:xfrm>
-          <a:prstGeom prst="rightBrace">
-            <a:avLst>
-              <a:gd name="adj1" fmla="val 8333"/>
-              <a:gd name="adj2" fmla="val 50000"/>
-            </a:avLst>
-          </a:prstGeom>
-          <a:noFill/>
-          <a:ln w="25560">
-            <a:solidFill>
-              <a:schemeClr val="tx1"/>
-            </a:solidFill>
-            <a:round/>
-          </a:ln>
-        </p:spPr>
-        <p:style>
-          <a:lnRef idx="1">
-            <a:schemeClr val="accent1"/>
-          </a:lnRef>
-          <a:fillRef idx="0">
-            <a:schemeClr val="accent1"/>
-          </a:fillRef>
-          <a:effectRef idx="0">
-            <a:schemeClr val="accent1"/>
-          </a:effectRef>
-          <a:fontRef idx="minor"/>
-        </p:style>
-      </p:sp>
-      <p:sp>
-        <p:nvSpPr>
-          <p:cNvPr id="54" name="CustomShape 15"/>
-          <p:cNvSpPr/>
-          <p:nvPr/>
-        </p:nvSpPr>
-        <p:spPr>
-          <a:xfrm>
-            <a:off x="5339160" y="715320"/>
-            <a:ext cx="1433880" cy="364680"/>
-          </a:xfrm>
-          <a:prstGeom prst="rect">
-            <a:avLst/>
-          </a:prstGeom>
-          <a:noFill/>
-          <a:ln>
-            <a:noFill/>
-          </a:ln>
-        </p:spPr>
-        <p:style>
-          <a:lnRef idx="0"/>
-          <a:fillRef idx="0"/>
-          <a:effectRef idx="0"/>
-          <a:fontRef idx="minor"/>
-        </p:style>
-        <p:txBody>
-          <a:bodyPr wrap="none" lIns="90000" rIns="90000" tIns="45000" bIns="45000"/>
-          <a:p>
-            <a:pPr>
-              <a:lnSpc>
-                <a:spcPct val="100000"/>
-              </a:lnSpc>
-            </a:pPr>
-            <a:r>
-              <a:rPr b="0" lang="en-US" sz="1800" spc="-1" strike="noStrike">
-                <a:solidFill>
-                  <a:srgbClr val="000000"/>
-                </a:solidFill>
-                <a:uFill>
-                  <a:solidFill>
-                    <a:srgbClr val="ffffff"/>
-                  </a:solidFill>
-                </a:uFill>
-                <a:latin typeface="Calibri"/>
-              </a:rPr>
-              <a:t>32 of 64 GB/s</a:t>
-            </a:r>
-            <a:endParaRPr b="0" lang="en-US" sz="1800" spc="-1" strike="noStrike">
-              <a:solidFill>
-                <a:srgbClr val="000000"/>
-              </a:solidFill>
-              <a:uFill>
-                <a:solidFill>
-                  <a:srgbClr val="ffffff"/>
-                </a:solidFill>
-              </a:uFill>
-              <a:latin typeface="Arial"/>
-            </a:endParaRPr>
-          </a:p>
-        </p:txBody>
-      </p:sp>
-      <p:sp>
-        <p:nvSpPr>
-          <p:cNvPr id="55" name="CustomShape 16"/>
-          <p:cNvSpPr/>
-          <p:nvPr/>
-        </p:nvSpPr>
-        <p:spPr>
-          <a:xfrm>
-            <a:off x="5331960" y="1084680"/>
-            <a:ext cx="1433880" cy="364680"/>
-          </a:xfrm>
-          <a:prstGeom prst="rect">
-            <a:avLst/>
-          </a:prstGeom>
-          <a:noFill/>
-          <a:ln>
-            <a:noFill/>
-          </a:ln>
-        </p:spPr>
-        <p:style>
-          <a:lnRef idx="0"/>
-          <a:fillRef idx="0"/>
-          <a:effectRef idx="0"/>
-          <a:fontRef idx="minor"/>
-        </p:style>
-        <p:txBody>
-          <a:bodyPr wrap="none" lIns="90000" rIns="90000" tIns="45000" bIns="45000"/>
-          <a:p>
-            <a:pPr>
-              <a:lnSpc>
-                <a:spcPct val="100000"/>
-              </a:lnSpc>
-            </a:pPr>
-            <a:r>
-              <a:rPr b="0" lang="en-US" sz="1800" spc="-1" strike="noStrike">
-                <a:solidFill>
-                  <a:srgbClr val="000000"/>
-                </a:solidFill>
-                <a:uFill>
-                  <a:solidFill>
-                    <a:srgbClr val="ffffff"/>
-                  </a:solidFill>
-                </a:uFill>
-                <a:latin typeface="Calibri"/>
-              </a:rPr>
-              <a:t>64 of 64 GB/s</a:t>
-            </a:r>
-            <a:endParaRPr b="0" lang="en-US" sz="1800" spc="-1" strike="noStrike">
-              <a:solidFill>
-                <a:srgbClr val="000000"/>
-              </a:solidFill>
-              <a:uFill>
-                <a:solidFill>
-                  <a:srgbClr val="ffffff"/>
-                </a:solidFill>
-              </a:uFill>
-              <a:latin typeface="Arial"/>
-            </a:endParaRPr>
-          </a:p>
-        </p:txBody>
-      </p:sp>
-      <p:sp>
-        <p:nvSpPr>
-          <p:cNvPr id="56" name="CustomShape 17"/>
-          <p:cNvSpPr/>
-          <p:nvPr/>
-        </p:nvSpPr>
-        <p:spPr>
-          <a:xfrm>
-            <a:off x="5868000" y="900000"/>
-            <a:ext cx="295560" cy="364680"/>
-          </a:xfrm>
-          <a:prstGeom prst="rect">
-            <a:avLst/>
-          </a:prstGeom>
-          <a:noFill/>
-          <a:ln>
-            <a:noFill/>
-          </a:ln>
-        </p:spPr>
-        <p:style>
-          <a:lnRef idx="0"/>
-          <a:fillRef idx="0"/>
-          <a:effectRef idx="0"/>
-          <a:fontRef idx="minor"/>
-        </p:style>
-        <p:txBody>
-          <a:bodyPr wrap="none" lIns="90000" rIns="90000" tIns="45000" bIns="45000"/>
-          <a:p>
-            <a:pPr>
-              <a:lnSpc>
-                <a:spcPct val="100000"/>
-              </a:lnSpc>
-            </a:pPr>
-            <a:r>
-              <a:rPr b="0" lang="en-US" sz="1800" spc="-1" strike="noStrike">
-                <a:solidFill>
-                  <a:srgbClr val="000000"/>
-                </a:solidFill>
-                <a:uFill>
-                  <a:solidFill>
-                    <a:srgbClr val="ffffff"/>
-                  </a:solidFill>
-                </a:uFill>
-                <a:latin typeface="Calibri"/>
-              </a:rPr>
-              <a:t>+</a:t>
-            </a:r>
-            <a:endParaRPr b="0" lang="en-US" sz="1800" spc="-1" strike="noStrike">
-              <a:solidFill>
-                <a:srgbClr val="000000"/>
-              </a:solidFill>
-              <a:uFill>
-                <a:solidFill>
-                  <a:srgbClr val="ffffff"/>
-                </a:solidFill>
-              </a:uFill>
-              <a:latin typeface="Arial"/>
-            </a:endParaRPr>
-          </a:p>
-        </p:txBody>
-      </p:sp>
-      <p:sp>
-        <p:nvSpPr>
-          <p:cNvPr id="57" name="Line 18"/>
-          <p:cNvSpPr/>
-          <p:nvPr/>
-        </p:nvSpPr>
-        <p:spPr>
-          <a:xfrm>
-            <a:off x="5324400" y="1456560"/>
-            <a:ext cx="1456920" cy="360"/>
-          </a:xfrm>
-          <a:prstGeom prst="line">
-            <a:avLst/>
-          </a:prstGeom>
-          <a:ln w="19080">
-            <a:solidFill>
-              <a:schemeClr val="tx1"/>
-            </a:solidFill>
-            <a:round/>
-          </a:ln>
-        </p:spPr>
-        <p:style>
-          <a:lnRef idx="1">
-            <a:schemeClr val="accent1"/>
-          </a:lnRef>
-          <a:fillRef idx="0">
-            <a:schemeClr val="accent1"/>
-          </a:fillRef>
-          <a:effectRef idx="0">
-            <a:schemeClr val="accent1"/>
-          </a:effectRef>
-          <a:fontRef idx="minor"/>
-        </p:style>
-      </p:sp>
-      <p:sp>
-        <p:nvSpPr>
-          <p:cNvPr id="58" name="CustomShape 19"/>
-          <p:cNvSpPr/>
-          <p:nvPr/>
-        </p:nvSpPr>
-        <p:spPr>
-          <a:xfrm>
-            <a:off x="5247360" y="1456560"/>
-            <a:ext cx="1549800" cy="364680"/>
-          </a:xfrm>
-          <a:prstGeom prst="rect">
-            <a:avLst/>
-          </a:prstGeom>
-          <a:noFill/>
-          <a:ln>
-            <a:noFill/>
-          </a:ln>
-        </p:spPr>
-        <p:style>
-          <a:lnRef idx="0"/>
-          <a:fillRef idx="0"/>
-          <a:effectRef idx="0"/>
-          <a:fontRef idx="minor"/>
-        </p:style>
-        <p:txBody>
-          <a:bodyPr wrap="none" lIns="90000" rIns="90000" tIns="45000" bIns="45000"/>
-          <a:p>
-            <a:pPr>
-              <a:lnSpc>
-                <a:spcPct val="100000"/>
-              </a:lnSpc>
-            </a:pPr>
-            <a:r>
-              <a:rPr b="0" lang="en-US" sz="1800" spc="-1" strike="noStrike">
-                <a:solidFill>
-                  <a:srgbClr val="000000"/>
-                </a:solidFill>
-                <a:uFill>
-                  <a:solidFill>
-                    <a:srgbClr val="ffffff"/>
-                  </a:solidFill>
-                </a:uFill>
-                <a:latin typeface="Calibri"/>
-              </a:rPr>
-              <a:t>96 of 128 GB/s</a:t>
-            </a:r>
-            <a:endParaRPr b="0" lang="en-US" sz="1800" spc="-1" strike="noStrike">
-              <a:solidFill>
-                <a:srgbClr val="000000"/>
-              </a:solidFill>
-              <a:uFill>
-                <a:solidFill>
-                  <a:srgbClr val="ffffff"/>
-                </a:solidFill>
-              </a:uFill>
-              <a:latin typeface="Arial"/>
-            </a:endParaRPr>
-          </a:p>
-        </p:txBody>
-      </p:sp>
-      <p:sp>
-        <p:nvSpPr>
-          <p:cNvPr id="59" name="CustomShape 20"/>
-          <p:cNvSpPr/>
-          <p:nvPr/>
-        </p:nvSpPr>
-        <p:spPr>
-          <a:xfrm>
-            <a:off x="342720" y="2634840"/>
-            <a:ext cx="1142640" cy="1447560"/>
-          </a:xfrm>
-          <a:prstGeom prst="roundRect">
-            <a:avLst>
-              <a:gd name="adj" fmla="val 16667"/>
-            </a:avLst>
-          </a:prstGeom>
-          <a:ln>
-            <a:noFill/>
-          </a:ln>
-          <a:effectLst>
-            <a:outerShdw blurRad="40000" dir="5400000" dist="23000" rotWithShape="0">
-              <a:srgbClr val="000000">
-                <a:alpha val="35000"/>
-              </a:srgbClr>
-            </a:outerShdw>
-          </a:effectLst>
-        </p:spPr>
-        <p:style>
-          <a:lnRef idx="0">
-            <a:schemeClr val="accent3"/>
-          </a:lnRef>
-          <a:fillRef idx="3">
-            <a:schemeClr val="accent3"/>
-          </a:fillRef>
-          <a:effectRef idx="3">
-            <a:schemeClr val="accent3"/>
-          </a:effectRef>
-          <a:fontRef idx="minor"/>
-        </p:style>
-        <p:txBody>
-          <a:bodyPr lIns="90000" rIns="90000" tIns="45000" bIns="45000" anchor="ctr"/>
-          <a:p>
-            <a:pPr algn="ctr">
-              <a:lnSpc>
-                <a:spcPct val="100000"/>
-              </a:lnSpc>
-            </a:pPr>
-            <a:r>
-              <a:rPr b="1" lang="en-US" sz="2000" spc="-1" strike="noStrike">
-                <a:solidFill>
-                  <a:srgbClr val="ffffff"/>
-                </a:solidFill>
-                <a:uFill>
-                  <a:solidFill>
-                    <a:srgbClr val="ffffff"/>
-                  </a:solidFill>
-                </a:uFill>
-                <a:latin typeface="Calibri"/>
-              </a:rPr>
-              <a:t>GPU</a:t>
-            </a:r>
-            <a:endParaRPr b="0" lang="en-US" sz="1800" spc="-1" strike="noStrike">
-              <a:solidFill>
-                <a:srgbClr val="000000"/>
-              </a:solidFill>
-              <a:uFill>
-                <a:solidFill>
-                  <a:srgbClr val="ffffff"/>
-                </a:solidFill>
-              </a:uFill>
-              <a:latin typeface="Arial"/>
-            </a:endParaRPr>
-          </a:p>
-        </p:txBody>
-      </p:sp>
-      <p:sp>
-        <p:nvSpPr>
-          <p:cNvPr id="60" name="CustomShape 21"/>
-          <p:cNvSpPr/>
-          <p:nvPr/>
-        </p:nvSpPr>
-        <p:spPr>
-          <a:xfrm>
-            <a:off x="1485720" y="2854080"/>
+          <p:cNvPr id="103" name="CustomShape 4"/>
+          <p:cNvSpPr/>
+          <p:nvPr/>
+        </p:nvSpPr>
+        <p:spPr>
+          <a:xfrm>
+            <a:off x="1487160" y="1197481"/>
             <a:ext cx="1676160" cy="360"/>
           </a:xfrm>
           <a:custGeom>
             <a:avLst/>
             <a:gdLst/>
             <a:ahLst/>
+            <a:cxnLst/>
             <a:rect l="l" t="t" r="r" b="b"/>
             <a:pathLst>
               <a:path w="21600" h="21600">
@@ -2985,12 +4045,13 @@
             </a:pathLst>
           </a:custGeom>
           <a:noFill/>
-          <a:ln w="63360">
+          <a:ln w="44450">
             <a:solidFill>
-              <a:srgbClr val="00b050"/>
+              <a:srgbClr val="00B050"/>
             </a:solidFill>
+            <a:prstDash val="sysDash"/>
             <a:round/>
-            <a:tailEnd len="med" type="triangle" w="sm"/>
+            <a:tailEnd type="triangle" w="sm" len="med"/>
           </a:ln>
         </p:spPr>
         <p:style>
@@ -3008,19 +4069,20 @@
       </p:sp>
       <p:sp>
         <p:nvSpPr>
-          <p:cNvPr id="61" name="CustomShape 22"/>
-          <p:cNvSpPr/>
-          <p:nvPr/>
-        </p:nvSpPr>
-        <p:spPr>
-          <a:xfrm>
-            <a:off x="1485720" y="2982960"/>
+          <p:cNvPr id="104" name="CustomShape 4"/>
+          <p:cNvSpPr/>
+          <p:nvPr/>
+        </p:nvSpPr>
+        <p:spPr>
+          <a:xfrm flipH="1">
+            <a:off x="1483177" y="1308655"/>
             <a:ext cx="1676160" cy="360"/>
           </a:xfrm>
           <a:custGeom>
             <a:avLst/>
             <a:gdLst/>
             <a:ahLst/>
+            <a:cxnLst/>
             <a:rect l="l" t="t" r="r" b="b"/>
             <a:pathLst>
               <a:path w="21600" h="21600">
@@ -3034,12 +4096,12 @@
             </a:pathLst>
           </a:custGeom>
           <a:noFill/>
-          <a:ln w="63360">
+          <a:ln w="44450">
             <a:solidFill>
-              <a:srgbClr val="00b050"/>
+              <a:srgbClr val="00B050"/>
             </a:solidFill>
             <a:round/>
-            <a:tailEnd len="med" type="triangle" w="sm"/>
+            <a:tailEnd type="triangle" w="sm" len="med"/>
           </a:ln>
         </p:spPr>
         <p:style>
@@ -3057,19 +4119,20 @@
       </p:sp>
       <p:sp>
         <p:nvSpPr>
-          <p:cNvPr id="62" name="CustomShape 23"/>
+          <p:cNvPr id="105" name="CustomShape 4"/>
           <p:cNvSpPr/>
           <p:nvPr/>
         </p:nvSpPr>
         <p:spPr>
           <a:xfrm flipH="1">
-            <a:off x="1485720" y="3106080"/>
+            <a:off x="1483537" y="1384855"/>
             <a:ext cx="1676160" cy="360"/>
           </a:xfrm>
           <a:custGeom>
             <a:avLst/>
             <a:gdLst/>
             <a:ahLst/>
+            <a:cxnLst/>
             <a:rect l="l" t="t" r="r" b="b"/>
             <a:pathLst>
               <a:path w="21600" h="21600">
@@ -3083,12 +4146,12 @@
             </a:pathLst>
           </a:custGeom>
           <a:noFill/>
-          <a:ln w="63360">
+          <a:ln w="44450">
             <a:solidFill>
-              <a:srgbClr val="ff0000"/>
+              <a:srgbClr val="00B050"/>
             </a:solidFill>
             <a:round/>
-            <a:tailEnd len="med" type="triangle" w="sm"/>
+            <a:tailEnd type="triangle" w="sm" len="med"/>
           </a:ln>
         </p:spPr>
         <p:style>
@@ -3106,19 +4169,20 @@
       </p:sp>
       <p:sp>
         <p:nvSpPr>
-          <p:cNvPr id="63" name="CustomShape 24"/>
+          <p:cNvPr id="106" name="CustomShape 4"/>
           <p:cNvSpPr/>
           <p:nvPr/>
         </p:nvSpPr>
         <p:spPr>
           <a:xfrm flipH="1">
-            <a:off x="1485720" y="3234960"/>
+            <a:off x="1483537" y="1461415"/>
             <a:ext cx="1676160" cy="360"/>
           </a:xfrm>
           <a:custGeom>
             <a:avLst/>
             <a:gdLst/>
             <a:ahLst/>
+            <a:cxnLst/>
             <a:rect l="l" t="t" r="r" b="b"/>
             <a:pathLst>
               <a:path w="21600" h="21600">
@@ -3132,12 +4196,12 @@
             </a:pathLst>
           </a:custGeom>
           <a:noFill/>
-          <a:ln w="63360">
+          <a:ln w="44450">
             <a:solidFill>
-              <a:srgbClr val="ff0000"/>
+              <a:srgbClr val="00B050"/>
             </a:solidFill>
             <a:round/>
-            <a:tailEnd len="med" type="triangle" w="sm"/>
+            <a:tailEnd type="triangle" w="sm" len="med"/>
           </a:ln>
         </p:spPr>
         <p:style>
@@ -3155,19 +4219,20 @@
       </p:sp>
       <p:sp>
         <p:nvSpPr>
-          <p:cNvPr id="64" name="CustomShape 25"/>
+          <p:cNvPr id="107" name="CustomShape 4"/>
           <p:cNvSpPr/>
           <p:nvPr/>
         </p:nvSpPr>
         <p:spPr>
           <a:xfrm flipH="1">
-            <a:off x="1485720" y="3463560"/>
+            <a:off x="1483897" y="1537615"/>
             <a:ext cx="1676160" cy="360"/>
           </a:xfrm>
           <a:custGeom>
             <a:avLst/>
             <a:gdLst/>
             <a:ahLst/>
+            <a:cxnLst/>
             <a:rect l="l" t="t" r="r" b="b"/>
             <a:pathLst>
               <a:path w="21600" h="21600">
@@ -3181,12 +4246,12 @@
             </a:pathLst>
           </a:custGeom>
           <a:noFill/>
-          <a:ln w="63360">
+          <a:ln w="44450">
             <a:solidFill>
-              <a:srgbClr val="00b050"/>
+              <a:srgbClr val="00B050"/>
             </a:solidFill>
             <a:round/>
-            <a:tailEnd len="med" type="triangle" w="sm"/>
+            <a:tailEnd type="triangle" w="sm" len="med"/>
           </a:ln>
         </p:spPr>
         <p:style>
@@ -3204,19 +4269,20 @@
       </p:sp>
       <p:sp>
         <p:nvSpPr>
-          <p:cNvPr id="65" name="CustomShape 26"/>
+          <p:cNvPr id="108" name="CustomShape 4"/>
           <p:cNvSpPr/>
           <p:nvPr/>
         </p:nvSpPr>
         <p:spPr>
           <a:xfrm flipH="1">
-            <a:off x="1485720" y="3592440"/>
+            <a:off x="1483897" y="1618200"/>
             <a:ext cx="1676160" cy="360"/>
           </a:xfrm>
           <a:custGeom>
             <a:avLst/>
             <a:gdLst/>
             <a:ahLst/>
+            <a:cxnLst/>
             <a:rect l="l" t="t" r="r" b="b"/>
             <a:pathLst>
               <a:path w="21600" h="21600">
@@ -3230,12 +4296,12 @@
             </a:pathLst>
           </a:custGeom>
           <a:noFill/>
-          <a:ln w="63360">
+          <a:ln w="44450">
             <a:solidFill>
-              <a:srgbClr val="00b050"/>
+              <a:srgbClr val="00B050"/>
             </a:solidFill>
             <a:round/>
-            <a:tailEnd len="med" type="triangle" w="sm"/>
+            <a:tailEnd type="triangle" w="sm" len="med"/>
           </a:ln>
         </p:spPr>
         <p:style>
@@ -3253,19 +4319,20 @@
       </p:sp>
       <p:sp>
         <p:nvSpPr>
-          <p:cNvPr id="66" name="CustomShape 27"/>
+          <p:cNvPr id="109" name="CustomShape 4"/>
           <p:cNvSpPr/>
           <p:nvPr/>
         </p:nvSpPr>
         <p:spPr>
           <a:xfrm flipH="1">
-            <a:off x="1485720" y="3715560"/>
+            <a:off x="1484257" y="1694400"/>
             <a:ext cx="1676160" cy="360"/>
           </a:xfrm>
           <a:custGeom>
             <a:avLst/>
             <a:gdLst/>
             <a:ahLst/>
+            <a:cxnLst/>
             <a:rect l="l" t="t" r="r" b="b"/>
             <a:pathLst>
               <a:path w="21600" h="21600">
@@ -3279,12 +4346,12 @@
             </a:pathLst>
           </a:custGeom>
           <a:noFill/>
-          <a:ln w="63360">
+          <a:ln w="44450">
             <a:solidFill>
-              <a:srgbClr val="00b050"/>
+              <a:srgbClr val="00B050"/>
             </a:solidFill>
             <a:round/>
-            <a:tailEnd len="med" type="triangle" w="sm"/>
+            <a:tailEnd type="triangle" w="sm" len="med"/>
           </a:ln>
         </p:spPr>
         <p:style>
@@ -3302,19 +4369,20 @@
       </p:sp>
       <p:sp>
         <p:nvSpPr>
-          <p:cNvPr id="67" name="CustomShape 28"/>
+          <p:cNvPr id="110" name="CustomShape 4"/>
           <p:cNvSpPr/>
           <p:nvPr/>
         </p:nvSpPr>
         <p:spPr>
           <a:xfrm flipH="1">
-            <a:off x="1485720" y="3844440"/>
+            <a:off x="1484257" y="1770960"/>
             <a:ext cx="1676160" cy="360"/>
           </a:xfrm>
           <a:custGeom>
             <a:avLst/>
             <a:gdLst/>
             <a:ahLst/>
+            <a:cxnLst/>
             <a:rect l="l" t="t" r="r" b="b"/>
             <a:pathLst>
               <a:path w="21600" h="21600">
@@ -3328,12 +4396,12 @@
             </a:pathLst>
           </a:custGeom>
           <a:noFill/>
-          <a:ln w="63360">
+          <a:ln w="44450">
             <a:solidFill>
-              <a:srgbClr val="00b050"/>
+              <a:srgbClr val="00B050"/>
             </a:solidFill>
             <a:round/>
-            <a:tailEnd len="med" type="triangle" w="sm"/>
+            <a:tailEnd type="triangle" w="sm" len="med"/>
           </a:ln>
         </p:spPr>
         <p:style>
@@ -3351,575 +4419,20 @@
       </p:sp>
       <p:sp>
         <p:nvSpPr>
-          <p:cNvPr id="68" name="CustomShape 29"/>
-          <p:cNvSpPr/>
-          <p:nvPr/>
-        </p:nvSpPr>
-        <p:spPr>
-          <a:xfrm>
-            <a:off x="3162240" y="2710800"/>
-            <a:ext cx="1218960" cy="1294920"/>
-          </a:xfrm>
-          <a:prstGeom prst="rect">
-            <a:avLst/>
-          </a:prstGeom>
-          <a:ln>
-            <a:round/>
-          </a:ln>
-        </p:spPr>
-        <p:style>
-          <a:lnRef idx="2">
-            <a:schemeClr val="dk1">
-              <a:shade val="50000"/>
-            </a:schemeClr>
-          </a:lnRef>
-          <a:fillRef idx="1">
-            <a:schemeClr val="dk1"/>
-          </a:fillRef>
-          <a:effectRef idx="0">
-            <a:schemeClr val="dk1"/>
-          </a:effectRef>
-          <a:fontRef idx="minor"/>
-        </p:style>
-        <p:txBody>
-          <a:bodyPr lIns="90000" rIns="90000" tIns="45000" bIns="45000" anchor="ctr"/>
-          <a:p>
-            <a:pPr algn="ctr">
-              <a:lnSpc>
-                <a:spcPct val="100000"/>
-              </a:lnSpc>
-            </a:pPr>
-            <a:r>
-              <a:rPr b="1" lang="en-US" sz="2000" spc="-1" strike="noStrike">
-                <a:solidFill>
-                  <a:srgbClr val="ffffff"/>
-                </a:solidFill>
-                <a:uFill>
-                  <a:solidFill>
-                    <a:srgbClr val="ffffff"/>
-                  </a:solidFill>
-                </a:uFill>
-                <a:latin typeface="Calibri"/>
-              </a:rPr>
-              <a:t>High BW</a:t>
-            </a:r>
-            <a:endParaRPr b="0" lang="en-US" sz="1800" spc="-1" strike="noStrike">
-              <a:solidFill>
-                <a:srgbClr val="000000"/>
-              </a:solidFill>
-              <a:uFill>
-                <a:solidFill>
-                  <a:srgbClr val="ffffff"/>
-                </a:solidFill>
-              </a:uFill>
-              <a:latin typeface="Arial"/>
-            </a:endParaRPr>
-          </a:p>
-          <a:p>
-            <a:pPr algn="ctr">
-              <a:lnSpc>
-                <a:spcPct val="100000"/>
-              </a:lnSpc>
-            </a:pPr>
-            <a:r>
-              <a:rPr b="1" lang="en-US" sz="2000" spc="-1" strike="noStrike">
-                <a:solidFill>
-                  <a:srgbClr val="ffffff"/>
-                </a:solidFill>
-                <a:uFill>
-                  <a:solidFill>
-                    <a:srgbClr val="ffffff"/>
-                  </a:solidFill>
-                </a:uFill>
-                <a:latin typeface="Calibri"/>
-              </a:rPr>
-              <a:t>Switch</a:t>
-            </a:r>
-            <a:endParaRPr b="0" lang="en-US" sz="1800" spc="-1" strike="noStrike">
-              <a:solidFill>
-                <a:srgbClr val="000000"/>
-              </a:solidFill>
-              <a:uFill>
-                <a:solidFill>
-                  <a:srgbClr val="ffffff"/>
-                </a:solidFill>
-              </a:uFill>
-              <a:latin typeface="Arial"/>
-            </a:endParaRPr>
-          </a:p>
-        </p:txBody>
-      </p:sp>
-      <p:sp>
-        <p:nvSpPr>
-          <p:cNvPr id="69" name="CustomShape 30"/>
-          <p:cNvSpPr/>
-          <p:nvPr/>
-        </p:nvSpPr>
-        <p:spPr>
-          <a:xfrm>
-            <a:off x="4533840" y="2710800"/>
-            <a:ext cx="151920" cy="599760"/>
-          </a:xfrm>
-          <a:prstGeom prst="rightBrace">
-            <a:avLst>
-              <a:gd name="adj1" fmla="val 8333"/>
-              <a:gd name="adj2" fmla="val 50000"/>
-            </a:avLst>
-          </a:prstGeom>
-          <a:noFill/>
-          <a:ln w="25560">
-            <a:solidFill>
-              <a:schemeClr val="tx1"/>
-            </a:solidFill>
-            <a:round/>
-          </a:ln>
-        </p:spPr>
-        <p:style>
-          <a:lnRef idx="1">
-            <a:schemeClr val="accent1"/>
-          </a:lnRef>
-          <a:fillRef idx="0">
-            <a:schemeClr val="accent1"/>
-          </a:fillRef>
-          <a:effectRef idx="0">
-            <a:schemeClr val="accent1"/>
-          </a:effectRef>
-          <a:fontRef idx="minor"/>
-        </p:style>
-      </p:sp>
-      <p:sp>
-        <p:nvSpPr>
-          <p:cNvPr id="70" name="CustomShape 31"/>
-          <p:cNvSpPr/>
-          <p:nvPr/>
-        </p:nvSpPr>
-        <p:spPr>
-          <a:xfrm>
-            <a:off x="4533840" y="3358800"/>
-            <a:ext cx="151920" cy="599760"/>
-          </a:xfrm>
-          <a:prstGeom prst="rightBrace">
-            <a:avLst>
-              <a:gd name="adj1" fmla="val 8333"/>
-              <a:gd name="adj2" fmla="val 50000"/>
-            </a:avLst>
-          </a:prstGeom>
-          <a:noFill/>
-          <a:ln w="25560">
-            <a:solidFill>
-              <a:schemeClr val="tx1"/>
-            </a:solidFill>
-            <a:round/>
-          </a:ln>
-        </p:spPr>
-        <p:style>
-          <a:lnRef idx="1">
-            <a:schemeClr val="accent1"/>
-          </a:lnRef>
-          <a:fillRef idx="0">
-            <a:schemeClr val="accent1"/>
-          </a:fillRef>
-          <a:effectRef idx="0">
-            <a:schemeClr val="accent1"/>
-          </a:effectRef>
-          <a:fontRef idx="minor"/>
-        </p:style>
-      </p:sp>
-      <p:sp>
-        <p:nvSpPr>
-          <p:cNvPr id="71" name="CustomShape 32"/>
-          <p:cNvSpPr/>
-          <p:nvPr/>
-        </p:nvSpPr>
-        <p:spPr>
-          <a:xfrm>
-            <a:off x="5313240" y="2826360"/>
-            <a:ext cx="1433880" cy="364680"/>
-          </a:xfrm>
-          <a:prstGeom prst="rect">
-            <a:avLst/>
-          </a:prstGeom>
-          <a:noFill/>
-          <a:ln>
-            <a:noFill/>
-          </a:ln>
-        </p:spPr>
-        <p:style>
-          <a:lnRef idx="0"/>
-          <a:fillRef idx="0"/>
-          <a:effectRef idx="0"/>
-          <a:fontRef idx="minor"/>
-        </p:style>
-        <p:txBody>
-          <a:bodyPr wrap="none" lIns="90000" rIns="90000" tIns="45000" bIns="45000"/>
-          <a:p>
-            <a:pPr>
-              <a:lnSpc>
-                <a:spcPct val="100000"/>
-              </a:lnSpc>
-            </a:pPr>
-            <a:r>
-              <a:rPr b="0" lang="en-US" sz="1800" spc="-1" strike="noStrike">
-                <a:solidFill>
-                  <a:srgbClr val="000000"/>
-                </a:solidFill>
-                <a:uFill>
-                  <a:solidFill>
-                    <a:srgbClr val="ffffff"/>
-                  </a:solidFill>
-                </a:uFill>
-                <a:latin typeface="Calibri"/>
-              </a:rPr>
-              <a:t>32 of 32 GB/s</a:t>
-            </a:r>
-            <a:endParaRPr b="0" lang="en-US" sz="1800" spc="-1" strike="noStrike">
-              <a:solidFill>
-                <a:srgbClr val="000000"/>
-              </a:solidFill>
-              <a:uFill>
-                <a:solidFill>
-                  <a:srgbClr val="ffffff"/>
-                </a:solidFill>
-              </a:uFill>
-              <a:latin typeface="Arial"/>
-            </a:endParaRPr>
-          </a:p>
-        </p:txBody>
-      </p:sp>
-      <p:sp>
-        <p:nvSpPr>
-          <p:cNvPr id="72" name="CustomShape 33"/>
-          <p:cNvSpPr/>
-          <p:nvPr/>
-        </p:nvSpPr>
-        <p:spPr>
-          <a:xfrm>
-            <a:off x="5313240" y="3200400"/>
-            <a:ext cx="1433880" cy="364680"/>
-          </a:xfrm>
-          <a:prstGeom prst="rect">
-            <a:avLst/>
-          </a:prstGeom>
-          <a:noFill/>
-          <a:ln>
-            <a:noFill/>
-          </a:ln>
-        </p:spPr>
-        <p:style>
-          <a:lnRef idx="0"/>
-          <a:fillRef idx="0"/>
-          <a:effectRef idx="0"/>
-          <a:fontRef idx="minor"/>
-        </p:style>
-        <p:txBody>
-          <a:bodyPr wrap="none" lIns="90000" rIns="90000" tIns="45000" bIns="45000"/>
-          <a:p>
-            <a:pPr>
-              <a:lnSpc>
-                <a:spcPct val="100000"/>
-              </a:lnSpc>
-            </a:pPr>
-            <a:r>
-              <a:rPr b="0" lang="en-US" sz="1800" spc="-1" strike="noStrike">
-                <a:solidFill>
-                  <a:srgbClr val="000000"/>
-                </a:solidFill>
-                <a:uFill>
-                  <a:solidFill>
-                    <a:srgbClr val="ffffff"/>
-                  </a:solidFill>
-                </a:uFill>
-                <a:latin typeface="Calibri"/>
-              </a:rPr>
-              <a:t>96 of 96 GB/s</a:t>
-            </a:r>
-            <a:endParaRPr b="0" lang="en-US" sz="1800" spc="-1" strike="noStrike">
-              <a:solidFill>
-                <a:srgbClr val="000000"/>
-              </a:solidFill>
-              <a:uFill>
-                <a:solidFill>
-                  <a:srgbClr val="ffffff"/>
-                </a:solidFill>
-              </a:uFill>
-              <a:latin typeface="Arial"/>
-            </a:endParaRPr>
-          </a:p>
-        </p:txBody>
-      </p:sp>
-      <p:sp>
-        <p:nvSpPr>
-          <p:cNvPr id="73" name="CustomShape 34"/>
-          <p:cNvSpPr/>
-          <p:nvPr/>
-        </p:nvSpPr>
-        <p:spPr>
-          <a:xfrm>
-            <a:off x="5868000" y="3009960"/>
-            <a:ext cx="295560" cy="364680"/>
-          </a:xfrm>
-          <a:prstGeom prst="rect">
-            <a:avLst/>
-          </a:prstGeom>
-          <a:noFill/>
-          <a:ln>
-            <a:noFill/>
-          </a:ln>
-        </p:spPr>
-        <p:style>
-          <a:lnRef idx="0"/>
-          <a:fillRef idx="0"/>
-          <a:effectRef idx="0"/>
-          <a:fontRef idx="minor"/>
-        </p:style>
-        <p:txBody>
-          <a:bodyPr wrap="none" lIns="90000" rIns="90000" tIns="45000" bIns="45000"/>
-          <a:p>
-            <a:pPr>
-              <a:lnSpc>
-                <a:spcPct val="100000"/>
-              </a:lnSpc>
-            </a:pPr>
-            <a:r>
-              <a:rPr b="0" lang="en-US" sz="1800" spc="-1" strike="noStrike">
-                <a:solidFill>
-                  <a:srgbClr val="000000"/>
-                </a:solidFill>
-                <a:uFill>
-                  <a:solidFill>
-                    <a:srgbClr val="ffffff"/>
-                  </a:solidFill>
-                </a:uFill>
-                <a:latin typeface="Calibri"/>
-              </a:rPr>
-              <a:t>+</a:t>
-            </a:r>
-            <a:endParaRPr b="0" lang="en-US" sz="1800" spc="-1" strike="noStrike">
-              <a:solidFill>
-                <a:srgbClr val="000000"/>
-              </a:solidFill>
-              <a:uFill>
-                <a:solidFill>
-                  <a:srgbClr val="ffffff"/>
-                </a:solidFill>
-              </a:uFill>
-              <a:latin typeface="Arial"/>
-            </a:endParaRPr>
-          </a:p>
-        </p:txBody>
-      </p:sp>
-      <p:sp>
-        <p:nvSpPr>
-          <p:cNvPr id="74" name="CustomShape 35"/>
-          <p:cNvSpPr/>
-          <p:nvPr/>
-        </p:nvSpPr>
-        <p:spPr>
-          <a:xfrm>
-            <a:off x="5099400" y="3592440"/>
-            <a:ext cx="1665360" cy="364680"/>
-          </a:xfrm>
-          <a:prstGeom prst="rect">
-            <a:avLst/>
-          </a:prstGeom>
-          <a:noFill/>
-          <a:ln>
-            <a:noFill/>
-          </a:ln>
-        </p:spPr>
-        <p:style>
-          <a:lnRef idx="0"/>
-          <a:fillRef idx="0"/>
-          <a:effectRef idx="0"/>
-          <a:fontRef idx="minor"/>
-        </p:style>
-        <p:txBody>
-          <a:bodyPr wrap="none" lIns="90000" rIns="90000" tIns="45000" bIns="45000"/>
-          <a:p>
-            <a:pPr>
-              <a:lnSpc>
-                <a:spcPct val="100000"/>
-              </a:lnSpc>
-            </a:pPr>
-            <a:r>
-              <a:rPr b="0" lang="en-US" sz="1800" spc="-1" strike="noStrike">
-                <a:solidFill>
-                  <a:srgbClr val="000000"/>
-                </a:solidFill>
-                <a:uFill>
-                  <a:solidFill>
-                    <a:srgbClr val="ffffff"/>
-                  </a:solidFill>
-                </a:uFill>
-                <a:latin typeface="Calibri"/>
-              </a:rPr>
-              <a:t>128 of 128 GB/s</a:t>
-            </a:r>
-            <a:endParaRPr b="0" lang="en-US" sz="1800" spc="-1" strike="noStrike">
-              <a:solidFill>
-                <a:srgbClr val="000000"/>
-              </a:solidFill>
-              <a:uFill>
-                <a:solidFill>
-                  <a:srgbClr val="ffffff"/>
-                </a:solidFill>
-              </a:uFill>
-              <a:latin typeface="Arial"/>
-            </a:endParaRPr>
-          </a:p>
-        </p:txBody>
-      </p:sp>
-      <p:sp>
-        <p:nvSpPr>
-          <p:cNvPr id="75" name="Line 36"/>
-          <p:cNvSpPr/>
-          <p:nvPr/>
-        </p:nvSpPr>
-        <p:spPr>
-          <a:xfrm>
-            <a:off x="4685760" y="899640"/>
-            <a:ext cx="645840" cy="360"/>
-          </a:xfrm>
-          <a:prstGeom prst="line">
-            <a:avLst/>
-          </a:prstGeom>
-          <a:ln w="25560">
-            <a:solidFill>
-              <a:schemeClr val="tx1"/>
-            </a:solidFill>
-            <a:round/>
-          </a:ln>
-        </p:spPr>
-        <p:style>
-          <a:lnRef idx="1">
-            <a:schemeClr val="accent1"/>
-          </a:lnRef>
-          <a:fillRef idx="0">
-            <a:schemeClr val="accent1"/>
-          </a:fillRef>
-          <a:effectRef idx="0">
-            <a:schemeClr val="accent1"/>
-          </a:effectRef>
-          <a:fontRef idx="minor"/>
-        </p:style>
-      </p:sp>
-      <p:sp>
-        <p:nvSpPr>
-          <p:cNvPr id="76" name="Line 37"/>
-          <p:cNvSpPr/>
-          <p:nvPr/>
-        </p:nvSpPr>
-        <p:spPr>
-          <a:xfrm flipV="1">
-            <a:off x="4685760" y="1269000"/>
-            <a:ext cx="638640" cy="278640"/>
-          </a:xfrm>
-          <a:prstGeom prst="line">
-            <a:avLst/>
-          </a:prstGeom>
-          <a:ln w="25560">
-            <a:solidFill>
-              <a:schemeClr val="tx1"/>
-            </a:solidFill>
-            <a:round/>
-          </a:ln>
-        </p:spPr>
-        <p:style>
-          <a:lnRef idx="1">
-            <a:schemeClr val="accent1"/>
-          </a:lnRef>
-          <a:fillRef idx="0">
-            <a:schemeClr val="accent1"/>
-          </a:fillRef>
-          <a:effectRef idx="0">
-            <a:schemeClr val="accent1"/>
-          </a:effectRef>
-          <a:fontRef idx="minor"/>
-        </p:style>
-      </p:sp>
-      <p:sp>
-        <p:nvSpPr>
-          <p:cNvPr id="77" name="Line 38"/>
-          <p:cNvSpPr/>
-          <p:nvPr/>
-        </p:nvSpPr>
-        <p:spPr>
-          <a:xfrm>
-            <a:off x="4685760" y="3011040"/>
-            <a:ext cx="592920" cy="360"/>
-          </a:xfrm>
-          <a:prstGeom prst="line">
-            <a:avLst/>
-          </a:prstGeom>
-          <a:ln w="25560">
-            <a:solidFill>
-              <a:schemeClr val="tx1"/>
-            </a:solidFill>
-            <a:round/>
-          </a:ln>
-        </p:spPr>
-        <p:style>
-          <a:lnRef idx="1">
-            <a:schemeClr val="accent1"/>
-          </a:lnRef>
-          <a:fillRef idx="0">
-            <a:schemeClr val="accent1"/>
-          </a:fillRef>
-          <a:effectRef idx="0">
-            <a:schemeClr val="accent1"/>
-          </a:effectRef>
-          <a:fontRef idx="minor"/>
-        </p:style>
-      </p:sp>
-      <p:sp>
-        <p:nvSpPr>
-          <p:cNvPr id="78" name="Line 39"/>
-          <p:cNvSpPr/>
-          <p:nvPr/>
-        </p:nvSpPr>
-        <p:spPr>
-          <a:xfrm flipV="1">
-            <a:off x="4685760" y="3384720"/>
-            <a:ext cx="592920" cy="273960"/>
-          </a:xfrm>
-          <a:prstGeom prst="line">
-            <a:avLst/>
-          </a:prstGeom>
-          <a:ln w="25560">
-            <a:solidFill>
-              <a:schemeClr val="tx1"/>
-            </a:solidFill>
-            <a:round/>
-          </a:ln>
-        </p:spPr>
-        <p:style>
-          <a:lnRef idx="1">
-            <a:schemeClr val="accent1"/>
-          </a:lnRef>
-          <a:fillRef idx="0">
-            <a:schemeClr val="accent1"/>
-          </a:fillRef>
-          <a:effectRef idx="0">
-            <a:schemeClr val="accent1"/>
-          </a:effectRef>
-          <a:fontRef idx="minor"/>
-        </p:style>
-      </p:sp>
-      <p:sp>
-        <p:nvSpPr>
-          <p:cNvPr id="79" name="CustomShape 40"/>
-          <p:cNvSpPr/>
-          <p:nvPr/>
-        </p:nvSpPr>
-        <p:spPr>
-          <a:xfrm>
-            <a:off x="228600" y="243360"/>
-            <a:ext cx="468720" cy="360"/>
+          <p:cNvPr id="111" name="CustomShape 4"/>
+          <p:cNvSpPr/>
+          <p:nvPr/>
+        </p:nvSpPr>
+        <p:spPr>
+          <a:xfrm flipH="1">
+            <a:off x="1484617" y="1847160"/>
+            <a:ext cx="1676160" cy="360"/>
           </a:xfrm>
           <a:custGeom>
             <a:avLst/>
             <a:gdLst/>
             <a:ahLst/>
+            <a:cxnLst/>
             <a:rect l="l" t="t" r="r" b="b"/>
             <a:pathLst>
               <a:path w="21600" h="21600">
@@ -3933,12 +4446,12 @@
             </a:pathLst>
           </a:custGeom>
           <a:noFill/>
-          <a:ln w="63360">
+          <a:ln w="44450">
             <a:solidFill>
-              <a:srgbClr val="00b050"/>
+              <a:srgbClr val="00B050"/>
             </a:solidFill>
             <a:round/>
-            <a:tailEnd len="med" type="triangle" w="sm"/>
+            <a:tailEnd type="triangle" w="sm" len="med"/>
           </a:ln>
         </p:spPr>
         <p:style>
@@ -3956,58 +4469,67 @@
       </p:sp>
       <p:sp>
         <p:nvSpPr>
-          <p:cNvPr id="80" name="CustomShape 41"/>
-          <p:cNvSpPr/>
-          <p:nvPr/>
-        </p:nvSpPr>
-        <p:spPr>
-          <a:xfrm>
-            <a:off x="713880" y="74160"/>
-            <a:ext cx="1375920" cy="333720"/>
+          <p:cNvPr id="51" name="CustomShape 12"/>
+          <p:cNvSpPr/>
+          <p:nvPr/>
+        </p:nvSpPr>
+        <p:spPr>
+          <a:xfrm>
+            <a:off x="3162240" y="599760"/>
+            <a:ext cx="1218960" cy="1294920"/>
           </a:xfrm>
           <a:prstGeom prst="rect">
             <a:avLst/>
           </a:prstGeom>
-          <a:noFill/>
           <a:ln>
-            <a:noFill/>
-          </a:ln>
-        </p:spPr>
-        <p:style>
-          <a:lnRef idx="0"/>
-          <a:fillRef idx="0"/>
-          <a:effectRef idx="0"/>
-          <a:fontRef idx="minor"/>
-        </p:style>
-        <p:txBody>
-          <a:bodyPr wrap="none" lIns="90000" rIns="90000" tIns="45000" bIns="45000"/>
-          <a:p>
-            <a:pPr>
+            <a:round/>
+          </a:ln>
+        </p:spPr>
+        <p:style>
+          <a:lnRef idx="2">
+            <a:schemeClr val="dk1">
+              <a:shade val="50000"/>
+            </a:schemeClr>
+          </a:lnRef>
+          <a:fillRef idx="1">
+            <a:schemeClr val="dk1"/>
+          </a:fillRef>
+          <a:effectRef idx="0">
+            <a:schemeClr val="dk1"/>
+          </a:effectRef>
+          <a:fontRef idx="minor"/>
+        </p:style>
+        <p:txBody>
+          <a:bodyPr lIns="90000" tIns="45000" rIns="90000" bIns="45000" anchor="ctr"/>
+          <a:lstStyle/>
+          <a:p>
+            <a:pPr algn="ctr">
               <a:lnSpc>
                 <a:spcPct val="100000"/>
               </a:lnSpc>
             </a:pPr>
             <a:r>
-              <a:rPr b="0" lang="en-US" sz="1600" spc="-1" strike="noStrike">
-                <a:solidFill>
-                  <a:srgbClr val="000000"/>
+              <a:rPr lang="en-US" sz="2000" b="1" strike="noStrike" spc="-1">
+                <a:solidFill>
+                  <a:srgbClr val="FFFFFF"/>
                 </a:solidFill>
                 <a:uFill>
                   <a:solidFill>
-                    <a:srgbClr val="ffffff"/>
+                    <a:srgbClr val="FFFFFF"/>
                   </a:solidFill>
                 </a:uFill>
                 <a:latin typeface="Calibri"/>
               </a:rPr>
-              <a:t>Saturated lane</a:t>
+              <a:t>High BW
+Switch</a:t>
             </a:r>
-            <a:endParaRPr b="0" lang="en-US" sz="1800" spc="-1" strike="noStrike">
-              <a:solidFill>
-                <a:srgbClr val="000000"/>
-              </a:solidFill>
-              <a:uFill>
-                <a:solidFill>
-                  <a:srgbClr val="ffffff"/>
+            <a:endParaRPr lang="en-US" sz="1800" b="0" strike="noStrike" spc="-1">
+              <a:solidFill>
+                <a:srgbClr val="000000"/>
+              </a:solidFill>
+              <a:uFill>
+                <a:solidFill>
+                  <a:srgbClr val="FFFFFF"/>
                 </a:solidFill>
               </a:uFill>
               <a:latin typeface="Arial"/>
@@ -4017,19 +4539,96 @@
       </p:sp>
       <p:sp>
         <p:nvSpPr>
-          <p:cNvPr id="81" name="CustomShape 42"/>
-          <p:cNvSpPr/>
-          <p:nvPr/>
-        </p:nvSpPr>
-        <p:spPr>
-          <a:xfrm>
-            <a:off x="2209680" y="232200"/>
-            <a:ext cx="464760" cy="360"/>
+          <p:cNvPr id="42" name="CustomShape 3"/>
+          <p:cNvSpPr/>
+          <p:nvPr/>
+        </p:nvSpPr>
+        <p:spPr>
+          <a:xfrm>
+            <a:off x="347482" y="523800"/>
+            <a:ext cx="1142640" cy="1447560"/>
+          </a:xfrm>
+          <a:prstGeom prst="roundRect">
+            <a:avLst>
+              <a:gd name="adj" fmla="val 16667"/>
+            </a:avLst>
+          </a:prstGeom>
+          <a:ln>
+            <a:noFill/>
+          </a:ln>
+          <a:effectLst>
+            <a:outerShdw blurRad="40000" dist="23000" dir="5400000" rotWithShape="0">
+              <a:srgbClr val="000000">
+                <a:alpha val="35000"/>
+              </a:srgbClr>
+            </a:outerShdw>
+          </a:effectLst>
+        </p:spPr>
+        <p:style>
+          <a:lnRef idx="0">
+            <a:schemeClr val="accent3"/>
+          </a:lnRef>
+          <a:fillRef idx="3">
+            <a:schemeClr val="accent3"/>
+          </a:fillRef>
+          <a:effectRef idx="3">
+            <a:schemeClr val="accent3"/>
+          </a:effectRef>
+          <a:fontRef idx="minor"/>
+        </p:style>
+        <p:txBody>
+          <a:bodyPr lIns="90000" tIns="45000" rIns="90000" bIns="45000" anchor="ctr"/>
+          <a:lstStyle/>
+          <a:p>
+            <a:pPr algn="ctr">
+              <a:lnSpc>
+                <a:spcPct val="100000"/>
+              </a:lnSpc>
+            </a:pPr>
+            <a:r>
+              <a:rPr lang="en-US" sz="2000" b="1" strike="noStrike" spc="-1">
+                <a:solidFill>
+                  <a:srgbClr val="FFFFFF"/>
+                </a:solidFill>
+                <a:uFill>
+                  <a:solidFill>
+                    <a:srgbClr val="FFFFFF"/>
+                  </a:solidFill>
+                </a:uFill>
+                <a:latin typeface="Calibri"/>
+              </a:rPr>
+              <a:t>GPU</a:t>
+            </a:r>
+            <a:endParaRPr lang="en-US" sz="1800" b="0" strike="noStrike" spc="-1">
+              <a:solidFill>
+                <a:srgbClr val="000000"/>
+              </a:solidFill>
+              <a:uFill>
+                <a:solidFill>
+                  <a:srgbClr val="FFFFFF"/>
+                </a:solidFill>
+              </a:uFill>
+              <a:latin typeface="Arial"/>
+            </a:endParaRPr>
+          </a:p>
+        </p:txBody>
+      </p:sp>
+      <p:sp>
+        <p:nvSpPr>
+          <p:cNvPr id="112" name="CustomShape 4"/>
+          <p:cNvSpPr/>
+          <p:nvPr/>
+        </p:nvSpPr>
+        <p:spPr>
+          <a:xfrm>
+            <a:off x="1484280" y="2768246"/>
+            <a:ext cx="1676160" cy="360"/>
           </a:xfrm>
           <a:custGeom>
             <a:avLst/>
             <a:gdLst/>
             <a:ahLst/>
+            <a:cxnLst/>
             <a:rect l="l" t="t" r="r" b="b"/>
             <a:pathLst>
               <a:path w="21600" h="21600">
@@ -4043,15 +4642,12 @@
             </a:pathLst>
           </a:custGeom>
           <a:noFill/>
-          <a:ln w="50760">
+          <a:ln w="44450">
             <a:solidFill>
-              <a:srgbClr val="00b050"/>
+              <a:srgbClr val="00B050"/>
             </a:solidFill>
-            <a:custDash>
-              <a:ds d="300000" sp="100000"/>
-            </a:custDash>
             <a:round/>
-            <a:tailEnd len="med" type="triangle" w="sm"/>
+            <a:tailEnd type="triangle" w="sm" len="med"/>
           </a:ln>
         </p:spPr>
         <p:style>
@@ -4069,80 +4665,20 @@
       </p:sp>
       <p:sp>
         <p:nvSpPr>
-          <p:cNvPr id="82" name="CustomShape 43"/>
-          <p:cNvSpPr/>
-          <p:nvPr/>
-        </p:nvSpPr>
-        <p:spPr>
-          <a:xfrm>
-            <a:off x="2684160" y="73800"/>
-            <a:ext cx="1598400" cy="333720"/>
-          </a:xfrm>
-          <a:prstGeom prst="rect">
-            <a:avLst/>
-          </a:prstGeom>
-          <a:noFill/>
-          <a:ln>
-            <a:noFill/>
-          </a:ln>
-        </p:spPr>
-        <p:style>
-          <a:lnRef idx="0"/>
-          <a:fillRef idx="0"/>
-          <a:effectRef idx="0"/>
-          <a:fontRef idx="minor"/>
-        </p:style>
-        <p:txBody>
-          <a:bodyPr wrap="none" lIns="90000" rIns="90000" tIns="45000" bIns="45000"/>
-          <a:p>
-            <a:pPr>
-              <a:lnSpc>
-                <a:spcPct val="100000"/>
-              </a:lnSpc>
-            </a:pPr>
-            <a:r>
-              <a:rPr b="0" lang="en-US" sz="1600" spc="-1" strike="noStrike">
-                <a:solidFill>
-                  <a:srgbClr val="000000"/>
-                </a:solidFill>
-                <a:uFill>
-                  <a:solidFill>
-                    <a:srgbClr val="ffffff"/>
-                  </a:solidFill>
-                </a:uFill>
-                <a:latin typeface="Calibri"/>
-              </a:rPr>
-              <a:t>Unsaturated lane</a:t>
-            </a:r>
-            <a:endParaRPr b="0" lang="en-US" sz="1800" spc="-1" strike="noStrike">
-              <a:solidFill>
-                <a:srgbClr val="000000"/>
-              </a:solidFill>
-              <a:uFill>
-                <a:solidFill>
-                  <a:srgbClr val="ffffff"/>
-                </a:solidFill>
-              </a:uFill>
-              <a:latin typeface="Arial"/>
-            </a:endParaRPr>
-          </a:p>
-        </p:txBody>
-      </p:sp>
-      <p:sp>
-        <p:nvSpPr>
-          <p:cNvPr id="83" name="CustomShape 44"/>
-          <p:cNvSpPr/>
-          <p:nvPr/>
-        </p:nvSpPr>
-        <p:spPr>
-          <a:xfrm>
-            <a:off x="4407840" y="243360"/>
-            <a:ext cx="468720" cy="360"/>
+          <p:cNvPr id="113" name="CustomShape 4"/>
+          <p:cNvSpPr/>
+          <p:nvPr/>
+        </p:nvSpPr>
+        <p:spPr>
+          <a:xfrm>
+            <a:off x="1484640" y="2844446"/>
+            <a:ext cx="1676160" cy="360"/>
           </a:xfrm>
           <a:custGeom>
             <a:avLst/>
             <a:gdLst/>
             <a:ahLst/>
+            <a:cxnLst/>
             <a:rect l="l" t="t" r="r" b="b"/>
             <a:pathLst>
               <a:path w="21600" h="21600">
@@ -4156,12 +4692,12 @@
             </a:pathLst>
           </a:custGeom>
           <a:noFill/>
-          <a:ln w="63360">
+          <a:ln w="44450">
             <a:solidFill>
-              <a:srgbClr val="ff0000"/>
+              <a:srgbClr val="00B050"/>
             </a:solidFill>
             <a:round/>
-            <a:tailEnd len="med" type="triangle" w="sm"/>
+            <a:tailEnd type="triangle" w="sm" len="med"/>
           </a:ln>
         </p:spPr>
         <p:style>
@@ -4179,270 +4715,802 @@
       </p:sp>
       <p:sp>
         <p:nvSpPr>
-          <p:cNvPr id="84" name="CustomShape 45"/>
-          <p:cNvSpPr/>
-          <p:nvPr/>
-        </p:nvSpPr>
-        <p:spPr>
-          <a:xfrm>
-            <a:off x="4894200" y="63000"/>
-            <a:ext cx="2370960" cy="333720"/>
+          <p:cNvPr id="114" name="CustomShape 4"/>
+          <p:cNvSpPr/>
+          <p:nvPr/>
+        </p:nvSpPr>
+        <p:spPr>
+          <a:xfrm>
+            <a:off x="1484640" y="2921006"/>
+            <a:ext cx="1676160" cy="360"/>
+          </a:xfrm>
+          <a:custGeom>
+            <a:avLst/>
+            <a:gdLst/>
+            <a:ahLst/>
+            <a:cxnLst/>
+            <a:rect l="l" t="t" r="r" b="b"/>
+            <a:pathLst>
+              <a:path w="21600" h="21600">
+                <a:moveTo>
+                  <a:pt x="0" y="0"/>
+                </a:moveTo>
+                <a:lnTo>
+                  <a:pt x="21600" y="21600"/>
+                </a:lnTo>
+              </a:path>
+            </a:pathLst>
+          </a:custGeom>
+          <a:noFill/>
+          <a:ln w="44450">
+            <a:solidFill>
+              <a:srgbClr val="00B050"/>
+            </a:solidFill>
+            <a:round/>
+            <a:tailEnd type="triangle" w="sm" len="med"/>
+          </a:ln>
+        </p:spPr>
+        <p:style>
+          <a:lnRef idx="1">
+            <a:schemeClr val="accent1"/>
+          </a:lnRef>
+          <a:fillRef idx="0">
+            <a:schemeClr val="accent1"/>
+          </a:fillRef>
+          <a:effectRef idx="0">
+            <a:schemeClr val="accent1"/>
+          </a:effectRef>
+          <a:fontRef idx="minor"/>
+        </p:style>
+      </p:sp>
+      <p:sp>
+        <p:nvSpPr>
+          <p:cNvPr id="115" name="CustomShape 4"/>
+          <p:cNvSpPr/>
+          <p:nvPr/>
+        </p:nvSpPr>
+        <p:spPr>
+          <a:xfrm>
+            <a:off x="1485000" y="2997206"/>
+            <a:ext cx="1676160" cy="360"/>
+          </a:xfrm>
+          <a:custGeom>
+            <a:avLst/>
+            <a:gdLst/>
+            <a:ahLst/>
+            <a:cxnLst/>
+            <a:rect l="l" t="t" r="r" b="b"/>
+            <a:pathLst>
+              <a:path w="21600" h="21600">
+                <a:moveTo>
+                  <a:pt x="0" y="0"/>
+                </a:moveTo>
+                <a:lnTo>
+                  <a:pt x="21600" y="21600"/>
+                </a:lnTo>
+              </a:path>
+            </a:pathLst>
+          </a:custGeom>
+          <a:noFill/>
+          <a:ln w="44450">
+            <a:solidFill>
+              <a:srgbClr val="00B050"/>
+            </a:solidFill>
+            <a:round/>
+            <a:tailEnd type="triangle" w="sm" len="med"/>
+          </a:ln>
+        </p:spPr>
+        <p:style>
+          <a:lnRef idx="1">
+            <a:schemeClr val="accent1"/>
+          </a:lnRef>
+          <a:fillRef idx="0">
+            <a:schemeClr val="accent1"/>
+          </a:fillRef>
+          <a:effectRef idx="0">
+            <a:schemeClr val="accent1"/>
+          </a:effectRef>
+          <a:fontRef idx="minor"/>
+        </p:style>
+      </p:sp>
+      <p:sp>
+        <p:nvSpPr>
+          <p:cNvPr id="116" name="CustomShape 4"/>
+          <p:cNvSpPr/>
+          <p:nvPr/>
+        </p:nvSpPr>
+        <p:spPr>
+          <a:xfrm flipH="1">
+            <a:off x="1485000" y="3077791"/>
+            <a:ext cx="1676160" cy="360"/>
+          </a:xfrm>
+          <a:custGeom>
+            <a:avLst/>
+            <a:gdLst/>
+            <a:ahLst/>
+            <a:cxnLst/>
+            <a:rect l="l" t="t" r="r" b="b"/>
+            <a:pathLst>
+              <a:path w="21600" h="21600">
+                <a:moveTo>
+                  <a:pt x="0" y="0"/>
+                </a:moveTo>
+                <a:lnTo>
+                  <a:pt x="21600" y="21600"/>
+                </a:lnTo>
+              </a:path>
+            </a:pathLst>
+          </a:custGeom>
+          <a:noFill/>
+          <a:ln w="44450">
+            <a:solidFill>
+              <a:srgbClr val="FF0000"/>
+            </a:solidFill>
+            <a:prstDash val="solid"/>
+            <a:round/>
+            <a:tailEnd type="triangle" w="sm" len="med"/>
+          </a:ln>
+        </p:spPr>
+        <p:style>
+          <a:lnRef idx="1">
+            <a:schemeClr val="accent1"/>
+          </a:lnRef>
+          <a:fillRef idx="0">
+            <a:schemeClr val="accent1"/>
+          </a:fillRef>
+          <a:effectRef idx="0">
+            <a:schemeClr val="accent1"/>
+          </a:effectRef>
+          <a:fontRef idx="minor"/>
+        </p:style>
+      </p:sp>
+      <p:sp>
+        <p:nvSpPr>
+          <p:cNvPr id="117" name="CustomShape 4"/>
+          <p:cNvSpPr/>
+          <p:nvPr/>
+        </p:nvSpPr>
+        <p:spPr>
+          <a:xfrm flipH="1">
+            <a:off x="1485360" y="3153991"/>
+            <a:ext cx="1676160" cy="360"/>
+          </a:xfrm>
+          <a:custGeom>
+            <a:avLst/>
+            <a:gdLst/>
+            <a:ahLst/>
+            <a:cxnLst/>
+            <a:rect l="l" t="t" r="r" b="b"/>
+            <a:pathLst>
+              <a:path w="21600" h="21600">
+                <a:moveTo>
+                  <a:pt x="0" y="0"/>
+                </a:moveTo>
+                <a:lnTo>
+                  <a:pt x="21600" y="21600"/>
+                </a:lnTo>
+              </a:path>
+            </a:pathLst>
+          </a:custGeom>
+          <a:noFill/>
+          <a:ln w="44450">
+            <a:solidFill>
+              <a:srgbClr val="FF0000"/>
+            </a:solidFill>
+            <a:prstDash val="solid"/>
+            <a:round/>
+            <a:tailEnd type="triangle" w="sm" len="med"/>
+          </a:ln>
+        </p:spPr>
+        <p:style>
+          <a:lnRef idx="1">
+            <a:schemeClr val="accent1"/>
+          </a:lnRef>
+          <a:fillRef idx="0">
+            <a:schemeClr val="accent1"/>
+          </a:fillRef>
+          <a:effectRef idx="0">
+            <a:schemeClr val="accent1"/>
+          </a:effectRef>
+          <a:fontRef idx="minor"/>
+        </p:style>
+      </p:sp>
+      <p:sp>
+        <p:nvSpPr>
+          <p:cNvPr id="118" name="CustomShape 4"/>
+          <p:cNvSpPr/>
+          <p:nvPr/>
+        </p:nvSpPr>
+        <p:spPr>
+          <a:xfrm flipH="1">
+            <a:off x="1485360" y="3230551"/>
+            <a:ext cx="1676160" cy="360"/>
+          </a:xfrm>
+          <a:custGeom>
+            <a:avLst/>
+            <a:gdLst/>
+            <a:ahLst/>
+            <a:cxnLst/>
+            <a:rect l="l" t="t" r="r" b="b"/>
+            <a:pathLst>
+              <a:path w="21600" h="21600">
+                <a:moveTo>
+                  <a:pt x="0" y="0"/>
+                </a:moveTo>
+                <a:lnTo>
+                  <a:pt x="21600" y="21600"/>
+                </a:lnTo>
+              </a:path>
+            </a:pathLst>
+          </a:custGeom>
+          <a:noFill/>
+          <a:ln w="44450">
+            <a:solidFill>
+              <a:srgbClr val="FF0000"/>
+            </a:solidFill>
+            <a:prstDash val="solid"/>
+            <a:round/>
+            <a:tailEnd type="triangle" w="sm" len="med"/>
+          </a:ln>
+        </p:spPr>
+        <p:style>
+          <a:lnRef idx="1">
+            <a:schemeClr val="accent1"/>
+          </a:lnRef>
+          <a:fillRef idx="0">
+            <a:schemeClr val="accent1"/>
+          </a:fillRef>
+          <a:effectRef idx="0">
+            <a:schemeClr val="accent1"/>
+          </a:effectRef>
+          <a:fontRef idx="minor"/>
+        </p:style>
+      </p:sp>
+      <p:sp>
+        <p:nvSpPr>
+          <p:cNvPr id="119" name="CustomShape 4"/>
+          <p:cNvSpPr/>
+          <p:nvPr/>
+        </p:nvSpPr>
+        <p:spPr>
+          <a:xfrm flipH="1">
+            <a:off x="1485720" y="3306751"/>
+            <a:ext cx="1676160" cy="360"/>
+          </a:xfrm>
+          <a:custGeom>
+            <a:avLst/>
+            <a:gdLst/>
+            <a:ahLst/>
+            <a:cxnLst/>
+            <a:rect l="l" t="t" r="r" b="b"/>
+            <a:pathLst>
+              <a:path w="21600" h="21600">
+                <a:moveTo>
+                  <a:pt x="0" y="0"/>
+                </a:moveTo>
+                <a:lnTo>
+                  <a:pt x="21600" y="21600"/>
+                </a:lnTo>
+              </a:path>
+            </a:pathLst>
+          </a:custGeom>
+          <a:noFill/>
+          <a:ln w="44450">
+            <a:solidFill>
+              <a:srgbClr val="FF0000"/>
+            </a:solidFill>
+            <a:prstDash val="solid"/>
+            <a:round/>
+            <a:tailEnd type="triangle" w="sm" len="med"/>
+          </a:ln>
+        </p:spPr>
+        <p:style>
+          <a:lnRef idx="1">
+            <a:schemeClr val="accent1"/>
+          </a:lnRef>
+          <a:fillRef idx="0">
+            <a:schemeClr val="accent1"/>
+          </a:fillRef>
+          <a:effectRef idx="0">
+            <a:schemeClr val="accent1"/>
+          </a:effectRef>
+          <a:fontRef idx="minor"/>
+        </p:style>
+      </p:sp>
+      <p:sp>
+        <p:nvSpPr>
+          <p:cNvPr id="120" name="CustomShape 4"/>
+          <p:cNvSpPr/>
+          <p:nvPr/>
+        </p:nvSpPr>
+        <p:spPr>
+          <a:xfrm flipH="1">
+            <a:off x="1481737" y="3417925"/>
+            <a:ext cx="1676160" cy="360"/>
+          </a:xfrm>
+          <a:custGeom>
+            <a:avLst/>
+            <a:gdLst/>
+            <a:ahLst/>
+            <a:cxnLst/>
+            <a:rect l="l" t="t" r="r" b="b"/>
+            <a:pathLst>
+              <a:path w="21600" h="21600">
+                <a:moveTo>
+                  <a:pt x="0" y="0"/>
+                </a:moveTo>
+                <a:lnTo>
+                  <a:pt x="21600" y="21600"/>
+                </a:lnTo>
+              </a:path>
+            </a:pathLst>
+          </a:custGeom>
+          <a:noFill/>
+          <a:ln w="44450">
+            <a:solidFill>
+              <a:srgbClr val="00B050"/>
+            </a:solidFill>
+            <a:round/>
+            <a:tailEnd type="triangle" w="sm" len="med"/>
+          </a:ln>
+        </p:spPr>
+        <p:style>
+          <a:lnRef idx="1">
+            <a:schemeClr val="accent1"/>
+          </a:lnRef>
+          <a:fillRef idx="0">
+            <a:schemeClr val="accent1"/>
+          </a:fillRef>
+          <a:effectRef idx="0">
+            <a:schemeClr val="accent1"/>
+          </a:effectRef>
+          <a:fontRef idx="minor"/>
+        </p:style>
+      </p:sp>
+      <p:sp>
+        <p:nvSpPr>
+          <p:cNvPr id="121" name="CustomShape 4"/>
+          <p:cNvSpPr/>
+          <p:nvPr/>
+        </p:nvSpPr>
+        <p:spPr>
+          <a:xfrm flipH="1">
+            <a:off x="1482097" y="3494125"/>
+            <a:ext cx="1676160" cy="360"/>
+          </a:xfrm>
+          <a:custGeom>
+            <a:avLst/>
+            <a:gdLst/>
+            <a:ahLst/>
+            <a:cxnLst/>
+            <a:rect l="l" t="t" r="r" b="b"/>
+            <a:pathLst>
+              <a:path w="21600" h="21600">
+                <a:moveTo>
+                  <a:pt x="0" y="0"/>
+                </a:moveTo>
+                <a:lnTo>
+                  <a:pt x="21600" y="21600"/>
+                </a:lnTo>
+              </a:path>
+            </a:pathLst>
+          </a:custGeom>
+          <a:noFill/>
+          <a:ln w="44450">
+            <a:solidFill>
+              <a:srgbClr val="00B050"/>
+            </a:solidFill>
+            <a:round/>
+            <a:tailEnd type="triangle" w="sm" len="med"/>
+          </a:ln>
+        </p:spPr>
+        <p:style>
+          <a:lnRef idx="1">
+            <a:schemeClr val="accent1"/>
+          </a:lnRef>
+          <a:fillRef idx="0">
+            <a:schemeClr val="accent1"/>
+          </a:fillRef>
+          <a:effectRef idx="0">
+            <a:schemeClr val="accent1"/>
+          </a:effectRef>
+          <a:fontRef idx="minor"/>
+        </p:style>
+      </p:sp>
+      <p:sp>
+        <p:nvSpPr>
+          <p:cNvPr id="122" name="CustomShape 4"/>
+          <p:cNvSpPr/>
+          <p:nvPr/>
+        </p:nvSpPr>
+        <p:spPr>
+          <a:xfrm flipH="1">
+            <a:off x="1482097" y="3570685"/>
+            <a:ext cx="1676160" cy="360"/>
+          </a:xfrm>
+          <a:custGeom>
+            <a:avLst/>
+            <a:gdLst/>
+            <a:ahLst/>
+            <a:cxnLst/>
+            <a:rect l="l" t="t" r="r" b="b"/>
+            <a:pathLst>
+              <a:path w="21600" h="21600">
+                <a:moveTo>
+                  <a:pt x="0" y="0"/>
+                </a:moveTo>
+                <a:lnTo>
+                  <a:pt x="21600" y="21600"/>
+                </a:lnTo>
+              </a:path>
+            </a:pathLst>
+          </a:custGeom>
+          <a:noFill/>
+          <a:ln w="44450">
+            <a:solidFill>
+              <a:srgbClr val="00B050"/>
+            </a:solidFill>
+            <a:round/>
+            <a:tailEnd type="triangle" w="sm" len="med"/>
+          </a:ln>
+        </p:spPr>
+        <p:style>
+          <a:lnRef idx="1">
+            <a:schemeClr val="accent1"/>
+          </a:lnRef>
+          <a:fillRef idx="0">
+            <a:schemeClr val="accent1"/>
+          </a:fillRef>
+          <a:effectRef idx="0">
+            <a:schemeClr val="accent1"/>
+          </a:effectRef>
+          <a:fontRef idx="minor"/>
+        </p:style>
+      </p:sp>
+      <p:sp>
+        <p:nvSpPr>
+          <p:cNvPr id="123" name="CustomShape 4"/>
+          <p:cNvSpPr/>
+          <p:nvPr/>
+        </p:nvSpPr>
+        <p:spPr>
+          <a:xfrm flipH="1">
+            <a:off x="1482457" y="3646885"/>
+            <a:ext cx="1676160" cy="360"/>
+          </a:xfrm>
+          <a:custGeom>
+            <a:avLst/>
+            <a:gdLst/>
+            <a:ahLst/>
+            <a:cxnLst/>
+            <a:rect l="l" t="t" r="r" b="b"/>
+            <a:pathLst>
+              <a:path w="21600" h="21600">
+                <a:moveTo>
+                  <a:pt x="0" y="0"/>
+                </a:moveTo>
+                <a:lnTo>
+                  <a:pt x="21600" y="21600"/>
+                </a:lnTo>
+              </a:path>
+            </a:pathLst>
+          </a:custGeom>
+          <a:noFill/>
+          <a:ln w="44450">
+            <a:solidFill>
+              <a:srgbClr val="00B050"/>
+            </a:solidFill>
+            <a:round/>
+            <a:tailEnd type="triangle" w="sm" len="med"/>
+          </a:ln>
+        </p:spPr>
+        <p:style>
+          <a:lnRef idx="1">
+            <a:schemeClr val="accent1"/>
+          </a:lnRef>
+          <a:fillRef idx="0">
+            <a:schemeClr val="accent1"/>
+          </a:fillRef>
+          <a:effectRef idx="0">
+            <a:schemeClr val="accent1"/>
+          </a:effectRef>
+          <a:fontRef idx="minor"/>
+        </p:style>
+      </p:sp>
+      <p:sp>
+        <p:nvSpPr>
+          <p:cNvPr id="124" name="CustomShape 4"/>
+          <p:cNvSpPr/>
+          <p:nvPr/>
+        </p:nvSpPr>
+        <p:spPr>
+          <a:xfrm flipH="1">
+            <a:off x="1482457" y="3727470"/>
+            <a:ext cx="1676160" cy="360"/>
+          </a:xfrm>
+          <a:custGeom>
+            <a:avLst/>
+            <a:gdLst/>
+            <a:ahLst/>
+            <a:cxnLst/>
+            <a:rect l="l" t="t" r="r" b="b"/>
+            <a:pathLst>
+              <a:path w="21600" h="21600">
+                <a:moveTo>
+                  <a:pt x="0" y="0"/>
+                </a:moveTo>
+                <a:lnTo>
+                  <a:pt x="21600" y="21600"/>
+                </a:lnTo>
+              </a:path>
+            </a:pathLst>
+          </a:custGeom>
+          <a:noFill/>
+          <a:ln w="44450">
+            <a:solidFill>
+              <a:srgbClr val="00B050"/>
+            </a:solidFill>
+            <a:round/>
+            <a:tailEnd type="triangle" w="sm" len="med"/>
+          </a:ln>
+        </p:spPr>
+        <p:style>
+          <a:lnRef idx="1">
+            <a:schemeClr val="accent1"/>
+          </a:lnRef>
+          <a:fillRef idx="0">
+            <a:schemeClr val="accent1"/>
+          </a:fillRef>
+          <a:effectRef idx="0">
+            <a:schemeClr val="accent1"/>
+          </a:effectRef>
+          <a:fontRef idx="minor"/>
+        </p:style>
+      </p:sp>
+      <p:sp>
+        <p:nvSpPr>
+          <p:cNvPr id="125" name="CustomShape 4"/>
+          <p:cNvSpPr/>
+          <p:nvPr/>
+        </p:nvSpPr>
+        <p:spPr>
+          <a:xfrm flipH="1">
+            <a:off x="1482817" y="3803670"/>
+            <a:ext cx="1676160" cy="360"/>
+          </a:xfrm>
+          <a:custGeom>
+            <a:avLst/>
+            <a:gdLst/>
+            <a:ahLst/>
+            <a:cxnLst/>
+            <a:rect l="l" t="t" r="r" b="b"/>
+            <a:pathLst>
+              <a:path w="21600" h="21600">
+                <a:moveTo>
+                  <a:pt x="0" y="0"/>
+                </a:moveTo>
+                <a:lnTo>
+                  <a:pt x="21600" y="21600"/>
+                </a:lnTo>
+              </a:path>
+            </a:pathLst>
+          </a:custGeom>
+          <a:noFill/>
+          <a:ln w="44450">
+            <a:solidFill>
+              <a:srgbClr val="00B050"/>
+            </a:solidFill>
+            <a:round/>
+            <a:tailEnd type="triangle" w="sm" len="med"/>
+          </a:ln>
+        </p:spPr>
+        <p:style>
+          <a:lnRef idx="1">
+            <a:schemeClr val="accent1"/>
+          </a:lnRef>
+          <a:fillRef idx="0">
+            <a:schemeClr val="accent1"/>
+          </a:fillRef>
+          <a:effectRef idx="0">
+            <a:schemeClr val="accent1"/>
+          </a:effectRef>
+          <a:fontRef idx="minor"/>
+        </p:style>
+      </p:sp>
+      <p:sp>
+        <p:nvSpPr>
+          <p:cNvPr id="126" name="CustomShape 4"/>
+          <p:cNvSpPr/>
+          <p:nvPr/>
+        </p:nvSpPr>
+        <p:spPr>
+          <a:xfrm flipH="1">
+            <a:off x="1482817" y="3880230"/>
+            <a:ext cx="1676160" cy="360"/>
+          </a:xfrm>
+          <a:custGeom>
+            <a:avLst/>
+            <a:gdLst/>
+            <a:ahLst/>
+            <a:cxnLst/>
+            <a:rect l="l" t="t" r="r" b="b"/>
+            <a:pathLst>
+              <a:path w="21600" h="21600">
+                <a:moveTo>
+                  <a:pt x="0" y="0"/>
+                </a:moveTo>
+                <a:lnTo>
+                  <a:pt x="21600" y="21600"/>
+                </a:lnTo>
+              </a:path>
+            </a:pathLst>
+          </a:custGeom>
+          <a:noFill/>
+          <a:ln w="44450">
+            <a:solidFill>
+              <a:srgbClr val="00B050"/>
+            </a:solidFill>
+            <a:round/>
+            <a:tailEnd type="triangle" w="sm" len="med"/>
+          </a:ln>
+        </p:spPr>
+        <p:style>
+          <a:lnRef idx="1">
+            <a:schemeClr val="accent1"/>
+          </a:lnRef>
+          <a:fillRef idx="0">
+            <a:schemeClr val="accent1"/>
+          </a:fillRef>
+          <a:effectRef idx="0">
+            <a:schemeClr val="accent1"/>
+          </a:effectRef>
+          <a:fontRef idx="minor"/>
+        </p:style>
+      </p:sp>
+      <p:sp>
+        <p:nvSpPr>
+          <p:cNvPr id="127" name="CustomShape 4"/>
+          <p:cNvSpPr/>
+          <p:nvPr/>
+        </p:nvSpPr>
+        <p:spPr>
+          <a:xfrm flipH="1">
+            <a:off x="1483177" y="3956430"/>
+            <a:ext cx="1676160" cy="360"/>
+          </a:xfrm>
+          <a:custGeom>
+            <a:avLst/>
+            <a:gdLst/>
+            <a:ahLst/>
+            <a:cxnLst/>
+            <a:rect l="l" t="t" r="r" b="b"/>
+            <a:pathLst>
+              <a:path w="21600" h="21600">
+                <a:moveTo>
+                  <a:pt x="0" y="0"/>
+                </a:moveTo>
+                <a:lnTo>
+                  <a:pt x="21600" y="21600"/>
+                </a:lnTo>
+              </a:path>
+            </a:pathLst>
+          </a:custGeom>
+          <a:noFill/>
+          <a:ln w="44450">
+            <a:solidFill>
+              <a:srgbClr val="00B050"/>
+            </a:solidFill>
+            <a:round/>
+            <a:tailEnd type="triangle" w="sm" len="med"/>
+          </a:ln>
+        </p:spPr>
+        <p:style>
+          <a:lnRef idx="1">
+            <a:schemeClr val="accent1"/>
+          </a:lnRef>
+          <a:fillRef idx="0">
+            <a:schemeClr val="accent1"/>
+          </a:fillRef>
+          <a:effectRef idx="0">
+            <a:schemeClr val="accent1"/>
+          </a:effectRef>
+          <a:fontRef idx="minor"/>
+        </p:style>
+      </p:sp>
+      <p:sp>
+        <p:nvSpPr>
+          <p:cNvPr id="68" name="CustomShape 29"/>
+          <p:cNvSpPr/>
+          <p:nvPr/>
+        </p:nvSpPr>
+        <p:spPr>
+          <a:xfrm>
+            <a:off x="3162240" y="2710800"/>
+            <a:ext cx="1218960" cy="1294920"/>
           </a:xfrm>
           <a:prstGeom prst="rect">
             <a:avLst/>
           </a:prstGeom>
-          <a:noFill/>
           <a:ln>
-            <a:noFill/>
-          </a:ln>
-        </p:spPr>
-        <p:style>
-          <a:lnRef idx="0"/>
-          <a:fillRef idx="0"/>
-          <a:effectRef idx="0"/>
-          <a:fontRef idx="minor"/>
-        </p:style>
-        <p:txBody>
-          <a:bodyPr wrap="none" lIns="90000" rIns="90000" tIns="45000" bIns="45000"/>
-          <a:p>
-            <a:pPr>
+            <a:round/>
+          </a:ln>
+        </p:spPr>
+        <p:style>
+          <a:lnRef idx="2">
+            <a:schemeClr val="dk1">
+              <a:shade val="50000"/>
+            </a:schemeClr>
+          </a:lnRef>
+          <a:fillRef idx="1">
+            <a:schemeClr val="dk1"/>
+          </a:fillRef>
+          <a:effectRef idx="0">
+            <a:schemeClr val="dk1"/>
+          </a:effectRef>
+          <a:fontRef idx="minor"/>
+        </p:style>
+        <p:txBody>
+          <a:bodyPr lIns="90000" tIns="45000" rIns="90000" bIns="45000" anchor="ctr"/>
+          <a:lstStyle/>
+          <a:p>
+            <a:pPr algn="ctr">
               <a:lnSpc>
                 <a:spcPct val="100000"/>
               </a:lnSpc>
             </a:pPr>
             <a:r>
-              <a:rPr b="0" lang="en-US" sz="1600" spc="-1" strike="noStrike">
-                <a:solidFill>
-                  <a:srgbClr val="000000"/>
+              <a:rPr lang="en-US" sz="2000" b="1" strike="noStrike" spc="-1">
+                <a:solidFill>
+                  <a:srgbClr val="FFFFFF"/>
                 </a:solidFill>
                 <a:uFill>
                   <a:solidFill>
-                    <a:srgbClr val="ffffff"/>
+                    <a:srgbClr val="FFFFFF"/>
                   </a:solidFill>
                 </a:uFill>
                 <a:latin typeface="Calibri"/>
               </a:rPr>
-              <a:t>Dynamically allocated lane</a:t>
+              <a:t>High BW</a:t>
             </a:r>
-            <a:endParaRPr b="0" lang="en-US" sz="1800" spc="-1" strike="noStrike">
-              <a:solidFill>
-                <a:srgbClr val="000000"/>
-              </a:solidFill>
-              <a:uFill>
-                <a:solidFill>
-                  <a:srgbClr val="ffffff"/>
+            <a:endParaRPr lang="en-US" sz="1800" b="0" strike="noStrike" spc="-1">
+              <a:solidFill>
+                <a:srgbClr val="000000"/>
+              </a:solidFill>
+              <a:uFill>
+                <a:solidFill>
+                  <a:srgbClr val="FFFFFF"/>
                 </a:solidFill>
               </a:uFill>
               <a:latin typeface="Arial"/>
             </a:endParaRPr>
           </a:p>
-        </p:txBody>
-      </p:sp>
-      <p:sp>
-        <p:nvSpPr>
-          <p:cNvPr id="85" name="CustomShape 46"/>
-          <p:cNvSpPr/>
-          <p:nvPr/>
-        </p:nvSpPr>
-        <p:spPr>
-          <a:xfrm>
-            <a:off x="4887720" y="1733400"/>
-            <a:ext cx="2130480" cy="364680"/>
-          </a:xfrm>
-          <a:prstGeom prst="rect">
-            <a:avLst/>
-          </a:prstGeom>
-          <a:noFill/>
-          <a:ln>
-            <a:noFill/>
-          </a:ln>
-        </p:spPr>
-        <p:style>
-          <a:lnRef idx="0"/>
-          <a:fillRef idx="0"/>
-          <a:effectRef idx="0"/>
-          <a:fontRef idx="minor"/>
-        </p:style>
-        <p:txBody>
-          <a:bodyPr wrap="none" lIns="90000" rIns="90000" tIns="45000" bIns="45000"/>
-          <a:p>
-            <a:pPr>
+          <a:p>
+            <a:pPr algn="ctr">
               <a:lnSpc>
                 <a:spcPct val="100000"/>
               </a:lnSpc>
             </a:pPr>
             <a:r>
-              <a:rPr b="0" lang="en-US" sz="1800" spc="-1" strike="noStrike">
-                <a:solidFill>
-                  <a:srgbClr val="000000"/>
+              <a:rPr lang="en-US" sz="2000" b="1" strike="noStrike" spc="-1">
+                <a:solidFill>
+                  <a:srgbClr val="FFFFFF"/>
                 </a:solidFill>
                 <a:uFill>
                   <a:solidFill>
-                    <a:srgbClr val="ffffff"/>
+                    <a:srgbClr val="FFFFFF"/>
                   </a:solidFill>
                 </a:uFill>
                 <a:latin typeface="Calibri"/>
               </a:rPr>
-              <a:t>[</a:t>
+              <a:t>Switch</a:t>
             </a:r>
-            <a:r>
-              <a:rPr b="1" lang="en-US" sz="1800" spc="-1" strike="noStrike">
-                <a:solidFill>
-                  <a:srgbClr val="000000"/>
-                </a:solidFill>
-                <a:uFill>
-                  <a:solidFill>
-                    <a:srgbClr val="ffffff"/>
-                  </a:solidFill>
-                </a:uFill>
-                <a:latin typeface="Calibri"/>
-              </a:rPr>
-              <a:t>75% BW Utilization</a:t>
-            </a:r>
-            <a:r>
-              <a:rPr b="0" lang="en-US" sz="1800" spc="-1" strike="noStrike">
-                <a:solidFill>
-                  <a:srgbClr val="000000"/>
-                </a:solidFill>
-                <a:uFill>
-                  <a:solidFill>
-                    <a:srgbClr val="ffffff"/>
-                  </a:solidFill>
-                </a:uFill>
-                <a:latin typeface="Calibri"/>
-              </a:rPr>
-              <a:t>]</a:t>
-            </a:r>
-            <a:endParaRPr b="0" lang="en-US" sz="1800" spc="-1" strike="noStrike">
-              <a:solidFill>
-                <a:srgbClr val="000000"/>
-              </a:solidFill>
-              <a:uFill>
-                <a:solidFill>
-                  <a:srgbClr val="ffffff"/>
-                </a:solidFill>
-              </a:uFill>
-              <a:latin typeface="Arial"/>
-            </a:endParaRPr>
-          </a:p>
-        </p:txBody>
-      </p:sp>
-      <p:sp>
-        <p:nvSpPr>
-          <p:cNvPr id="86" name="Line 47"/>
-          <p:cNvSpPr/>
-          <p:nvPr/>
-        </p:nvSpPr>
-        <p:spPr>
-          <a:xfrm>
-            <a:off x="5181120" y="3569400"/>
-            <a:ext cx="1600200" cy="360"/>
-          </a:xfrm>
-          <a:prstGeom prst="line">
-            <a:avLst/>
-          </a:prstGeom>
-          <a:ln w="19080">
-            <a:solidFill>
-              <a:schemeClr val="tx1"/>
-            </a:solidFill>
-            <a:round/>
-          </a:ln>
-        </p:spPr>
-        <p:style>
-          <a:lnRef idx="1">
-            <a:schemeClr val="accent1"/>
-          </a:lnRef>
-          <a:fillRef idx="0">
-            <a:schemeClr val="accent1"/>
-          </a:fillRef>
-          <a:effectRef idx="0">
-            <a:schemeClr val="accent1"/>
-          </a:effectRef>
-          <a:fontRef idx="minor"/>
-        </p:style>
-      </p:sp>
-      <p:sp>
-        <p:nvSpPr>
-          <p:cNvPr id="87" name="CustomShape 48"/>
-          <p:cNvSpPr/>
-          <p:nvPr/>
-        </p:nvSpPr>
-        <p:spPr>
-          <a:xfrm>
-            <a:off x="4829760" y="3890160"/>
-            <a:ext cx="2246400" cy="364680"/>
-          </a:xfrm>
-          <a:prstGeom prst="rect">
-            <a:avLst/>
-          </a:prstGeom>
-          <a:noFill/>
-          <a:ln>
-            <a:noFill/>
-          </a:ln>
-        </p:spPr>
-        <p:style>
-          <a:lnRef idx="0"/>
-          <a:fillRef idx="0"/>
-          <a:effectRef idx="0"/>
-          <a:fontRef idx="minor"/>
-        </p:style>
-        <p:txBody>
-          <a:bodyPr wrap="none" lIns="90000" rIns="90000" tIns="45000" bIns="45000"/>
-          <a:p>
-            <a:pPr>
-              <a:lnSpc>
-                <a:spcPct val="100000"/>
-              </a:lnSpc>
-            </a:pPr>
-            <a:r>
-              <a:rPr b="0" lang="en-US" sz="1800" spc="-1" strike="noStrike">
-                <a:solidFill>
-                  <a:srgbClr val="000000"/>
-                </a:solidFill>
-                <a:uFill>
-                  <a:solidFill>
-                    <a:srgbClr val="ffffff"/>
-                  </a:solidFill>
-                </a:uFill>
-                <a:latin typeface="Calibri"/>
-              </a:rPr>
-              <a:t>[</a:t>
-            </a:r>
-            <a:r>
-              <a:rPr b="1" lang="en-US" sz="1800" spc="-1" strike="noStrike">
-                <a:solidFill>
-                  <a:srgbClr val="000000"/>
-                </a:solidFill>
-                <a:uFill>
-                  <a:solidFill>
-                    <a:srgbClr val="ffffff"/>
-                  </a:solidFill>
-                </a:uFill>
-                <a:latin typeface="Calibri"/>
-              </a:rPr>
-              <a:t>100% BW Utilization</a:t>
-            </a:r>
-            <a:r>
-              <a:rPr b="0" lang="en-US" sz="1800" spc="-1" strike="noStrike">
-                <a:solidFill>
-                  <a:srgbClr val="000000"/>
-                </a:solidFill>
-                <a:uFill>
-                  <a:solidFill>
-                    <a:srgbClr val="ffffff"/>
-                  </a:solidFill>
-                </a:uFill>
-                <a:latin typeface="Calibri"/>
-              </a:rPr>
-              <a:t>]</a:t>
-            </a:r>
-            <a:endParaRPr b="0" lang="en-US" sz="1800" spc="-1" strike="noStrike">
-              <a:solidFill>
-                <a:srgbClr val="000000"/>
-              </a:solidFill>
-              <a:uFill>
-                <a:solidFill>
-                  <a:srgbClr val="ffffff"/>
+            <a:endParaRPr lang="en-US" sz="1800" b="0" strike="noStrike" spc="-1">
+              <a:solidFill>
+                <a:srgbClr val="000000"/>
+              </a:solidFill>
+              <a:uFill>
+                <a:solidFill>
+                  <a:srgbClr val="FFFFFF"/>
                 </a:solidFill>
               </a:uFill>
               <a:latin typeface="Arial"/>
@@ -4452,6 +5520,9 @@
       </p:sp>
     </p:spTree>
   </p:cSld>
+  <p:clrMapOvr>
+    <a:masterClrMapping/>
+  </p:clrMapOvr>
   <p:timing>
     <p:tnLst>
       <p:par>
@@ -4460,14 +5531,14 @@
             <p:seq>
               <p:cTn id="2" nodeType="mainSeq"/>
               <p:prevCondLst>
-                <p:cond delay="0" evt="onPrev">
+                <p:cond evt="onPrev" delay="0">
                   <p:tgtEl>
                     <p:sldTgt/>
                   </p:tgtEl>
                 </p:cond>
               </p:prevCondLst>
               <p:nextCondLst>
-                <p:cond delay="0" evt="onNext">
+                <p:cond evt="onNext" delay="0">
                   <p:tgtEl>
                     <p:sldTgt/>
                   </p:tgtEl>
@@ -4702,5 +5773,7 @@
       </a:bgFillStyleLst>
     </a:fmtScheme>
   </a:themeElements>
+  <a:objectDefaults/>
+  <a:extraClrSchemeLst/>
 </a:theme>
 </file>